--- a/lecture/lec3_processes.pptx
+++ b/lecture/lec3_processes.pptx
@@ -5,10 +5,10 @@
     <p:sldMasterId id="2147483757" r:id="rId1"/>
   </p:sldMasterIdLst>
   <p:notesMasterIdLst>
-    <p:notesMasterId r:id="rId47"/>
+    <p:notesMasterId r:id="rId49"/>
   </p:notesMasterIdLst>
   <p:handoutMasterIdLst>
-    <p:handoutMasterId r:id="rId48"/>
+    <p:handoutMasterId r:id="rId50"/>
   </p:handoutMasterIdLst>
   <p:sldIdLst>
     <p:sldId id="256" r:id="rId2"/>
@@ -49,13 +49,15 @@
     <p:sldId id="384" r:id="rId37"/>
     <p:sldId id="385" r:id="rId38"/>
     <p:sldId id="386" r:id="rId39"/>
-    <p:sldId id="387" r:id="rId40"/>
-    <p:sldId id="393" r:id="rId41"/>
-    <p:sldId id="388" r:id="rId42"/>
-    <p:sldId id="389" r:id="rId43"/>
-    <p:sldId id="390" r:id="rId44"/>
-    <p:sldId id="394" r:id="rId45"/>
-    <p:sldId id="395" r:id="rId46"/>
+    <p:sldId id="396" r:id="rId40"/>
+    <p:sldId id="397" r:id="rId41"/>
+    <p:sldId id="387" r:id="rId42"/>
+    <p:sldId id="393" r:id="rId43"/>
+    <p:sldId id="388" r:id="rId44"/>
+    <p:sldId id="389" r:id="rId45"/>
+    <p:sldId id="390" r:id="rId46"/>
+    <p:sldId id="394" r:id="rId47"/>
+    <p:sldId id="395" r:id="rId48"/>
   </p:sldIdLst>
   <p:sldSz cx="9144000" cy="6858000" type="screen4x3"/>
   <p:notesSz cx="6858000" cy="9144000"/>
@@ -256,7 +258,7 @@
             <a:fld id="{3B85FA19-4AE7-394C-8E06-B4A0FB3E5AA8}" type="datetimeFigureOut">
               <a:rPr lang="en-US" smtClean="0"/>
               <a:pPr/>
-              <a:t>1/17/23</a:t>
+              <a:t>1/18/23</a:t>
             </a:fld>
             <a:endParaRPr lang="en-US"/>
           </a:p>
@@ -424,7 +426,7 @@
             <a:fld id="{FD6991A4-6061-8E40-B3BF-9224535D7C20}" type="datetimeFigureOut">
               <a:rPr lang="en-US" smtClean="0"/>
               <a:pPr/>
-              <a:t>1/17/23</a:t>
+              <a:t>1/18/23</a:t>
             </a:fld>
             <a:endParaRPr lang="en-US"/>
           </a:p>
@@ -931,7 +933,7 @@
             <a:fld id="{E3639927-3662-3B4E-89DF-65C239F3E8BD}" type="slidenum">
               <a:rPr lang="en-US" smtClean="0"/>
               <a:pPr/>
-              <a:t>39</a:t>
+              <a:t>41</a:t>
             </a:fld>
             <a:endParaRPr lang="en-US"/>
           </a:p>
@@ -1018,7 +1020,7 @@
             <a:fld id="{E3639927-3662-3B4E-89DF-65C239F3E8BD}" type="slidenum">
               <a:rPr lang="en-US" smtClean="0"/>
               <a:pPr/>
-              <a:t>41</a:t>
+              <a:t>43</a:t>
             </a:fld>
             <a:endParaRPr lang="en-US"/>
           </a:p>
@@ -20099,7 +20101,11 @@
               </a:lnSpc>
             </a:pPr>
             <a:r>
-              <a:rPr lang="en-US" dirty="0"/>
+              <a:rPr lang="en-US" dirty="0">
+                <a:solidFill>
+                  <a:srgbClr val="FF0000"/>
+                </a:solidFill>
+              </a:rPr>
               <a:t>Returns the child’s PID to the parent, “0” to the child</a:t>
             </a:r>
           </a:p>
@@ -23252,7 +23258,7 @@
         </p:spPr>
         <p:txBody>
           <a:bodyPr>
-            <a:normAutofit fontScale="92500" lnSpcReduction="20000"/>
+            <a:normAutofit/>
           </a:bodyPr>
           <a:lstStyle/>
           <a:p>
@@ -23355,42 +23361,7 @@
               <a:rPr lang="en-US" sz="1800" b="1" dirty="0">
                 <a:latin typeface="Courier New" pitchFamily="-109" charset="0"/>
               </a:rPr>
-              <a:t>	} else {</a:t>
-            </a:r>
-          </a:p>
-          <a:p>
-            <a:pPr lvl="1">
-              <a:buFont typeface="ZapfDingbats" pitchFamily="82" charset="2"/>
-              <a:buNone/>
-            </a:pPr>
-            <a:r>
-              <a:rPr lang="en-US" sz="1800" b="1" dirty="0">
-                <a:solidFill>
-                  <a:srgbClr val="FF3300"/>
-                </a:solidFill>
-                <a:latin typeface="Courier New" pitchFamily="-109" charset="0"/>
-              </a:rPr>
-              <a:t>		</a:t>
-            </a:r>
-            <a:r>
-              <a:rPr lang="en-US" sz="1800" i="1" dirty="0">
-                <a:solidFill>
-                  <a:srgbClr val="FF3300"/>
-                </a:solidFill>
-              </a:rPr>
-              <a:t>Close socket</a:t>
-            </a:r>
-          </a:p>
-          <a:p>
-            <a:pPr lvl="1">
-              <a:buFont typeface="ZapfDingbats" pitchFamily="82" charset="2"/>
-              <a:buNone/>
-            </a:pPr>
-            <a:r>
-              <a:rPr lang="en-US" sz="1800" b="1" dirty="0">
-                <a:latin typeface="Courier New" pitchFamily="-109" charset="0"/>
-              </a:rPr>
-              <a:t>	}</a:t>
+              <a:t>	} 	</a:t>
             </a:r>
           </a:p>
           <a:p>
@@ -23727,7 +23698,7 @@
               <a:defRPr/>
             </a:pPr>
             <a:r>
-              <a:rPr lang="en-US"/>
+              <a:rPr lang="en-US" dirty="0"/>
               <a:t>Process Creation: Unix (3)</a:t>
             </a:r>
           </a:p>
@@ -23751,73 +23722,13 @@
         </p:spPr>
         <p:txBody>
           <a:bodyPr>
-            <a:normAutofit fontScale="92500" lnSpcReduction="20000"/>
+            <a:normAutofit/>
           </a:bodyPr>
           <a:lstStyle/>
           <a:p>
             <a:r>
               <a:rPr lang="en-US" dirty="0"/>
               <a:t>fork() is used to create a new process, exec is used to load a program into the address space</a:t>
-            </a:r>
-          </a:p>
-          <a:p>
-            <a:pPr lvl="1"/>
-            <a:r>
-              <a:rPr lang="en-US" dirty="0">
-                <a:solidFill>
-                  <a:srgbClr val="D60093"/>
-                </a:solidFill>
-              </a:rPr>
-              <a:t>Why does Windows have CreateProcess while Unix uses fork/exec?</a:t>
-            </a:r>
-          </a:p>
-          <a:p>
-            <a:pPr lvl="2"/>
-            <a:r>
-              <a:rPr lang="en-US" dirty="0">
-                <a:solidFill>
-                  <a:srgbClr val="D60093"/>
-                </a:solidFill>
-              </a:rPr>
-              <a:t>Comparing fork() and </a:t>
-            </a:r>
-            <a:r>
-              <a:rPr lang="en-US" dirty="0">
-                <a:solidFill>
-                  <a:srgbClr val="0000FF"/>
-                </a:solidFill>
-              </a:rPr>
-              <a:t>CreateProcess()</a:t>
-            </a:r>
-            <a:r>
-              <a:rPr lang="en-US" dirty="0">
-                <a:solidFill>
-                  <a:srgbClr val="D60093"/>
-                </a:solidFill>
-              </a:rPr>
-              <a:t>?</a:t>
-            </a:r>
-          </a:p>
-          <a:p>
-            <a:pPr lvl="2"/>
-            <a:r>
-              <a:rPr lang="en-US" dirty="0">
-                <a:solidFill>
-                  <a:srgbClr val="D60093"/>
-                </a:solidFill>
-              </a:rPr>
-              <a:t>Which is more convenient to use?</a:t>
-            </a:r>
-          </a:p>
-          <a:p>
-            <a:pPr lvl="2"/>
-            <a:r>
-              <a:rPr lang="en-US" dirty="0">
-                <a:solidFill>
-                  <a:srgbClr val="D60093"/>
-                </a:solidFill>
-              </a:rPr>
-              <a:t>Which is more efficient?</a:t>
             </a:r>
           </a:p>
           <a:p>
@@ -23888,7 +23799,7 @@
                                         <p:tgtEl>
                                           <p:spTgt spid="29702">
                                             <p:txEl>
-                                              <p:pRg st="8" end="8"/>
+                                              <p:pRg st="4" end="4"/>
                                             </p:txEl>
                                           </p:spTgt>
                                         </p:tgtEl>
@@ -23956,7 +23867,63 @@
       </p:grpSpPr>
       <p:sp>
         <p:nvSpPr>
-          <p:cNvPr id="30723" name="Footer Placeholder 4"/>
+          <p:cNvPr id="2" name="Title 1">
+            <a:extLst>
+              <a:ext uri="{FF2B5EF4-FFF2-40B4-BE49-F238E27FC236}">
+                <a16:creationId xmlns:a16="http://schemas.microsoft.com/office/drawing/2014/main" id="{56062BB2-D4CC-034D-AEE4-FC5946022E01}"/>
+              </a:ext>
+            </a:extLst>
+          </p:cNvPr>
+          <p:cNvSpPr>
+            <a:spLocks noGrp="1"/>
+          </p:cNvSpPr>
+          <p:nvPr>
+            <p:ph type="title"/>
+          </p:nvPr>
+        </p:nvSpPr>
+        <p:spPr/>
+        <p:txBody>
+          <a:bodyPr/>
+          <a:lstStyle/>
+          <a:p>
+            <a:endParaRPr lang="en-US"/>
+          </a:p>
+        </p:txBody>
+      </p:sp>
+      <p:sp>
+        <p:nvSpPr>
+          <p:cNvPr id="3" name="Content Placeholder 2">
+            <a:extLst>
+              <a:ext uri="{FF2B5EF4-FFF2-40B4-BE49-F238E27FC236}">
+                <a16:creationId xmlns:a16="http://schemas.microsoft.com/office/drawing/2014/main" id="{FAC073BF-9F13-2E02-FFCD-2B817585FDE1}"/>
+              </a:ext>
+            </a:extLst>
+          </p:cNvPr>
+          <p:cNvSpPr>
+            <a:spLocks noGrp="1"/>
+          </p:cNvSpPr>
+          <p:nvPr>
+            <p:ph idx="1"/>
+          </p:nvPr>
+        </p:nvSpPr>
+        <p:spPr/>
+        <p:txBody>
+          <a:bodyPr/>
+          <a:lstStyle/>
+          <a:p>
+            <a:endParaRPr lang="en-US"/>
+          </a:p>
+        </p:txBody>
+      </p:sp>
+      <p:sp>
+        <p:nvSpPr>
+          <p:cNvPr id="4" name="Footer Placeholder 3">
+            <a:extLst>
+              <a:ext uri="{FF2B5EF4-FFF2-40B4-BE49-F238E27FC236}">
+                <a16:creationId xmlns:a16="http://schemas.microsoft.com/office/drawing/2014/main" id="{AD68339F-EC55-1C80-B34D-62A1995A6045}"/>
+              </a:ext>
+            </a:extLst>
+          </p:cNvPr>
           <p:cNvSpPr>
             <a:spLocks noGrp="1"/>
           </p:cNvSpPr>
@@ -23964,9 +23931,7 @@
             <p:ph type="ftr" sz="quarter" idx="11"/>
           </p:nvPr>
         </p:nvSpPr>
-        <p:spPr>
-          <a:noFill/>
-        </p:spPr>
+        <p:spPr/>
         <p:txBody>
           <a:bodyPr/>
           <a:lstStyle/>
@@ -23975,15 +23940,18 @@
               <a:rPr lang="en-US"/>
               <a:t>CSCI3150 Intro to Operating Systems</a:t>
             </a:r>
-            <a:endParaRPr lang="en-US" sz="1400" b="0">
-              <a:latin typeface="Times New Roman" pitchFamily="-109" charset="0"/>
-            </a:endParaRPr>
-          </a:p>
-        </p:txBody>
-      </p:sp>
-      <p:sp>
-        <p:nvSpPr>
-          <p:cNvPr id="30724" name="Slide Number Placeholder 5"/>
+          </a:p>
+        </p:txBody>
+      </p:sp>
+      <p:sp>
+        <p:nvSpPr>
+          <p:cNvPr id="5" name="Slide Number Placeholder 4">
+            <a:extLst>
+              <a:ext uri="{FF2B5EF4-FFF2-40B4-BE49-F238E27FC236}">
+                <a16:creationId xmlns:a16="http://schemas.microsoft.com/office/drawing/2014/main" id="{92760699-02CA-E8C9-983D-117287D0DA69}"/>
+              </a:ext>
+            </a:extLst>
+          </p:cNvPr>
           <p:cNvSpPr>
             <a:spLocks noGrp="1"/>
           </p:cNvSpPr>
@@ -23991,15 +23959,13 @@
             <p:ph type="sldNum" sz="quarter" idx="12"/>
           </p:nvPr>
         </p:nvSpPr>
-        <p:spPr>
-          <a:noFill/>
-        </p:spPr>
+        <p:spPr/>
         <p:txBody>
           <a:bodyPr/>
           <a:lstStyle/>
           <a:p>
-            <a:fld id="{B7F3782D-E067-2A47-8A65-D7FE98325D48}" type="slidenum">
-              <a:rPr lang="en-US"/>
+            <a:fld id="{5BCC3F0E-9362-6D47-9781-DB401EE9B6B9}" type="slidenum">
+              <a:rPr lang="en-US" smtClean="0"/>
               <a:pPr/>
               <a:t>39</a:t>
             </a:fld>
@@ -24007,146 +23973,42 @@
           </a:p>
         </p:txBody>
       </p:sp>
-      <p:sp>
-        <p:nvSpPr>
-          <p:cNvPr id="317442" name="Rectangle 2"/>
-          <p:cNvSpPr>
-            <a:spLocks noGrp="1" noChangeArrowheads="1"/>
-          </p:cNvSpPr>
-          <p:nvPr>
-            <p:ph type="title"/>
-          </p:nvPr>
-        </p:nvSpPr>
-        <p:spPr/>
-        <p:txBody>
-          <a:bodyPr/>
-          <a:lstStyle/>
-          <a:p>
-            <a:pPr>
-              <a:defRPr/>
-            </a:pPr>
-            <a:r>
-              <a:rPr lang="en-US"/>
-              <a:t>Process Termination</a:t>
-            </a:r>
-          </a:p>
-        </p:txBody>
-      </p:sp>
-      <p:sp>
-        <p:nvSpPr>
-          <p:cNvPr id="30726" name="Rectangle 3"/>
-          <p:cNvSpPr>
-            <a:spLocks noGrp="1" noChangeArrowheads="1"/>
-          </p:cNvSpPr>
-          <p:nvPr>
-            <p:ph type="body" idx="1"/>
-          </p:nvPr>
-        </p:nvSpPr>
+      <p:pic>
+        <p:nvPicPr>
+          <p:cNvPr id="6" name="Picture 5" descr="Graphical user interface, text&#10;&#10;Description automatically generated">
+            <a:extLst>
+              <a:ext uri="{FF2B5EF4-FFF2-40B4-BE49-F238E27FC236}">
+                <a16:creationId xmlns:a16="http://schemas.microsoft.com/office/drawing/2014/main" id="{0DF5B32B-1E8E-A910-2B5A-B20687F9DFAF}"/>
+              </a:ext>
+            </a:extLst>
+          </p:cNvPr>
+          <p:cNvPicPr>
+            <a:picLocks noChangeAspect="1"/>
+          </p:cNvPicPr>
+          <p:nvPr/>
+        </p:nvPicPr>
+        <p:blipFill>
+          <a:blip r:embed="rId2"/>
+          <a:stretch>
+            <a:fillRect/>
+          </a:stretch>
+        </p:blipFill>
         <p:spPr>
           <a:xfrm>
-            <a:off x="652826" y="1934840"/>
-            <a:ext cx="7592650" cy="4130681"/>
+            <a:off x="119269" y="1584008"/>
+            <a:ext cx="8905461" cy="4698157"/>
           </a:xfrm>
-        </p:spPr>
-        <p:txBody>
-          <a:bodyPr>
-            <a:normAutofit lnSpcReduction="10000"/>
-          </a:bodyPr>
-          <a:lstStyle/>
-          <a:p>
-            <a:r>
-              <a:rPr lang="en-US" dirty="0"/>
-              <a:t>All good processes must come to an end.  But how?</a:t>
-            </a:r>
-          </a:p>
-          <a:p>
-            <a:pPr lvl="1"/>
-            <a:r>
-              <a:rPr lang="en-US" dirty="0">
-                <a:solidFill>
-                  <a:srgbClr val="009900"/>
-                </a:solidFill>
-              </a:rPr>
-              <a:t>Unix: exit(int status),</a:t>
-            </a:r>
-            <a:r>
-              <a:rPr lang="en-US" dirty="0"/>
-              <a:t> </a:t>
-            </a:r>
-            <a:r>
-              <a:rPr lang="en-US" dirty="0">
-                <a:solidFill>
-                  <a:srgbClr val="0000FF"/>
-                </a:solidFill>
-              </a:rPr>
-              <a:t>Windows: ExitProcess(int status)</a:t>
-            </a:r>
-          </a:p>
-          <a:p>
-            <a:r>
-              <a:rPr lang="en-US" dirty="0"/>
-              <a:t>Essentially, free resources and terminate</a:t>
-            </a:r>
-          </a:p>
-          <a:p>
-            <a:pPr lvl="1"/>
-            <a:r>
-              <a:rPr lang="en-US" dirty="0"/>
-              <a:t>Terminate all threads (next lecture)</a:t>
-            </a:r>
-          </a:p>
-          <a:p>
-            <a:pPr lvl="1"/>
-            <a:r>
-              <a:rPr lang="en-US" dirty="0"/>
-              <a:t>Close open files, network connections</a:t>
-            </a:r>
-          </a:p>
-          <a:p>
-            <a:pPr lvl="1"/>
-            <a:r>
-              <a:rPr lang="en-US" dirty="0"/>
-              <a:t>Allocated memory (and VM pages out on disk)</a:t>
-            </a:r>
-          </a:p>
-          <a:p>
-            <a:pPr lvl="1"/>
-            <a:r>
-              <a:rPr lang="en-US" dirty="0"/>
-              <a:t>Remove PCB from kernel data structures, delete</a:t>
-            </a:r>
-          </a:p>
-          <a:p>
-            <a:r>
-              <a:rPr lang="en-US" dirty="0"/>
-              <a:t>Note that a process does not </a:t>
-            </a:r>
-            <a:r>
-              <a:rPr lang="en-US" dirty="0">
-                <a:solidFill>
-                  <a:srgbClr val="0000FF"/>
-                </a:solidFill>
-              </a:rPr>
-              <a:t>need</a:t>
-            </a:r>
-            <a:r>
-              <a:rPr lang="en-US" dirty="0"/>
-              <a:t> to clean up itself</a:t>
-            </a:r>
-          </a:p>
-          <a:p>
-            <a:pPr lvl="1"/>
-            <a:r>
-              <a:rPr lang="en-US" dirty="0"/>
-              <a:t>Why does the OS have to do it?</a:t>
-            </a:r>
-          </a:p>
-          <a:p>
-            <a:endParaRPr lang="en-US" dirty="0"/>
-          </a:p>
-        </p:txBody>
-      </p:sp>
+          <a:prstGeom prst="rect">
+            <a:avLst/>
+          </a:prstGeom>
+        </p:spPr>
+      </p:pic>
     </p:spTree>
+    <p:extLst>
+      <p:ext uri="{BB962C8B-B14F-4D97-AF65-F5344CB8AC3E}">
+        <p14:creationId xmlns:p14="http://schemas.microsoft.com/office/powerpoint/2010/main" val="2452998669"/>
+      </p:ext>
+    </p:extLst>
   </p:cSld>
   <p:clrMapOvr>
     <a:masterClrMapping/>
@@ -24445,6 +24307,505 @@
 </file>
 
 <file path=ppt/slides/slide40.xml><?xml version="1.0" encoding="utf-8"?>
+<p:sld xmlns:a="http://schemas.openxmlformats.org/drawingml/2006/main" xmlns:r="http://schemas.openxmlformats.org/officeDocument/2006/relationships" xmlns:p="http://schemas.openxmlformats.org/presentationml/2006/main">
+  <p:cSld>
+    <p:spTree>
+      <p:nvGrpSpPr>
+        <p:cNvPr id="1" name=""/>
+        <p:cNvGrpSpPr/>
+        <p:nvPr/>
+      </p:nvGrpSpPr>
+      <p:grpSpPr>
+        <a:xfrm>
+          <a:off x="0" y="0"/>
+          <a:ext cx="0" cy="0"/>
+          <a:chOff x="0" y="0"/>
+          <a:chExt cx="0" cy="0"/>
+        </a:xfrm>
+      </p:grpSpPr>
+      <p:sp>
+        <p:nvSpPr>
+          <p:cNvPr id="2" name="Title 1">
+            <a:extLst>
+              <a:ext uri="{FF2B5EF4-FFF2-40B4-BE49-F238E27FC236}">
+                <a16:creationId xmlns:a16="http://schemas.microsoft.com/office/drawing/2014/main" id="{58A2C8B8-E30B-C326-50DF-70DF4D7C3D7D}"/>
+              </a:ext>
+            </a:extLst>
+          </p:cNvPr>
+          <p:cNvSpPr>
+            <a:spLocks noGrp="1"/>
+          </p:cNvSpPr>
+          <p:nvPr>
+            <p:ph type="title"/>
+          </p:nvPr>
+        </p:nvSpPr>
+        <p:spPr/>
+        <p:txBody>
+          <a:bodyPr>
+            <a:normAutofit fontScale="90000"/>
+          </a:bodyPr>
+          <a:lstStyle/>
+          <a:p>
+            <a:r>
+              <a:rPr lang="en-US" dirty="0"/>
+              <a:t>Process Creation: </a:t>
+            </a:r>
+            <a:r>
+              <a:rPr lang="en-US" altLang="zh-CN" dirty="0"/>
+              <a:t>fork</a:t>
+            </a:r>
+            <a:r>
+              <a:rPr lang="zh-CN" altLang="en-US" dirty="0"/>
+              <a:t> </a:t>
+            </a:r>
+            <a:r>
+              <a:rPr lang="en-US" altLang="zh-CN" dirty="0"/>
+              <a:t>or</a:t>
+            </a:r>
+            <a:r>
+              <a:rPr lang="zh-CN" altLang="en-US" dirty="0"/>
+              <a:t> </a:t>
+            </a:r>
+            <a:r>
+              <a:rPr lang="en-US" altLang="zh-CN" dirty="0"/>
+              <a:t>not?</a:t>
+            </a:r>
+            <a:endParaRPr lang="en-US" dirty="0"/>
+          </a:p>
+        </p:txBody>
+      </p:sp>
+      <p:sp>
+        <p:nvSpPr>
+          <p:cNvPr id="3" name="Content Placeholder 2">
+            <a:extLst>
+              <a:ext uri="{FF2B5EF4-FFF2-40B4-BE49-F238E27FC236}">
+                <a16:creationId xmlns:a16="http://schemas.microsoft.com/office/drawing/2014/main" id="{B52727AB-B2C8-2052-9F5A-ED59065642E8}"/>
+              </a:ext>
+            </a:extLst>
+          </p:cNvPr>
+          <p:cNvSpPr>
+            <a:spLocks noGrp="1"/>
+          </p:cNvSpPr>
+          <p:nvPr>
+            <p:ph idx="1"/>
+          </p:nvPr>
+        </p:nvSpPr>
+        <p:spPr>
+          <a:xfrm>
+            <a:off x="715617" y="1888435"/>
+            <a:ext cx="7981121" cy="4177086"/>
+          </a:xfrm>
+        </p:spPr>
+        <p:txBody>
+          <a:bodyPr/>
+          <a:lstStyle/>
+          <a:p>
+            <a:r>
+              <a:rPr lang="en-US" dirty="0">
+                <a:solidFill>
+                  <a:srgbClr val="D60093"/>
+                </a:solidFill>
+              </a:rPr>
+              <a:t>Why does Windows have </a:t>
+            </a:r>
+            <a:r>
+              <a:rPr lang="en-US" dirty="0" err="1">
+                <a:solidFill>
+                  <a:srgbClr val="D60093"/>
+                </a:solidFill>
+              </a:rPr>
+              <a:t>CreateProcess</a:t>
+            </a:r>
+            <a:r>
+              <a:rPr lang="en-US" dirty="0">
+                <a:solidFill>
+                  <a:srgbClr val="D60093"/>
+                </a:solidFill>
+              </a:rPr>
+              <a:t> while Unix uses fork/exec?</a:t>
+            </a:r>
+          </a:p>
+          <a:p>
+            <a:pPr lvl="1"/>
+            <a:r>
+              <a:rPr lang="en-US" dirty="0">
+                <a:solidFill>
+                  <a:srgbClr val="D60093"/>
+                </a:solidFill>
+              </a:rPr>
+              <a:t>Comparing fork() and </a:t>
+            </a:r>
+            <a:r>
+              <a:rPr lang="en-US" dirty="0" err="1">
+                <a:solidFill>
+                  <a:srgbClr val="0000FF"/>
+                </a:solidFill>
+              </a:rPr>
+              <a:t>CreateProcess</a:t>
+            </a:r>
+            <a:r>
+              <a:rPr lang="en-US" dirty="0">
+                <a:solidFill>
+                  <a:srgbClr val="0000FF"/>
+                </a:solidFill>
+              </a:rPr>
+              <a:t>()</a:t>
+            </a:r>
+            <a:r>
+              <a:rPr lang="en-US" dirty="0">
+                <a:solidFill>
+                  <a:srgbClr val="D60093"/>
+                </a:solidFill>
+              </a:rPr>
+              <a:t>?</a:t>
+            </a:r>
+          </a:p>
+          <a:p>
+            <a:pPr lvl="1"/>
+            <a:r>
+              <a:rPr lang="en-US" dirty="0">
+                <a:solidFill>
+                  <a:srgbClr val="D60093"/>
+                </a:solidFill>
+              </a:rPr>
+              <a:t>Which is more convenient to use?</a:t>
+            </a:r>
+          </a:p>
+          <a:p>
+            <a:pPr lvl="1"/>
+            <a:r>
+              <a:rPr lang="en-US" dirty="0">
+                <a:solidFill>
+                  <a:srgbClr val="D60093"/>
+                </a:solidFill>
+              </a:rPr>
+              <a:t>Which is more efficient?</a:t>
+            </a:r>
+          </a:p>
+          <a:p>
+            <a:endParaRPr lang="en-US" dirty="0"/>
+          </a:p>
+        </p:txBody>
+      </p:sp>
+      <p:sp>
+        <p:nvSpPr>
+          <p:cNvPr id="4" name="Footer Placeholder 3">
+            <a:extLst>
+              <a:ext uri="{FF2B5EF4-FFF2-40B4-BE49-F238E27FC236}">
+                <a16:creationId xmlns:a16="http://schemas.microsoft.com/office/drawing/2014/main" id="{D538A213-61A7-91A6-CA25-F1F465AD7113}"/>
+              </a:ext>
+            </a:extLst>
+          </p:cNvPr>
+          <p:cNvSpPr>
+            <a:spLocks noGrp="1"/>
+          </p:cNvSpPr>
+          <p:nvPr>
+            <p:ph type="ftr" sz="quarter" idx="11"/>
+          </p:nvPr>
+        </p:nvSpPr>
+        <p:spPr/>
+        <p:txBody>
+          <a:bodyPr/>
+          <a:lstStyle/>
+          <a:p>
+            <a:r>
+              <a:rPr lang="en-US"/>
+              <a:t>CSCI3150 Intro to Operating Systems</a:t>
+            </a:r>
+          </a:p>
+        </p:txBody>
+      </p:sp>
+      <p:sp>
+        <p:nvSpPr>
+          <p:cNvPr id="5" name="Slide Number Placeholder 4">
+            <a:extLst>
+              <a:ext uri="{FF2B5EF4-FFF2-40B4-BE49-F238E27FC236}">
+                <a16:creationId xmlns:a16="http://schemas.microsoft.com/office/drawing/2014/main" id="{74C03874-E4E6-715C-2F9A-1C4059F3205B}"/>
+              </a:ext>
+            </a:extLst>
+          </p:cNvPr>
+          <p:cNvSpPr>
+            <a:spLocks noGrp="1"/>
+          </p:cNvSpPr>
+          <p:nvPr>
+            <p:ph type="sldNum" sz="quarter" idx="12"/>
+          </p:nvPr>
+        </p:nvSpPr>
+        <p:spPr/>
+        <p:txBody>
+          <a:bodyPr/>
+          <a:lstStyle/>
+          <a:p>
+            <a:fld id="{5BCC3F0E-9362-6D47-9781-DB401EE9B6B9}" type="slidenum">
+              <a:rPr lang="en-US" smtClean="0"/>
+              <a:pPr/>
+              <a:t>40</a:t>
+            </a:fld>
+            <a:endParaRPr lang="en-US"/>
+          </a:p>
+        </p:txBody>
+      </p:sp>
+      <p:pic>
+        <p:nvPicPr>
+          <p:cNvPr id="7" name="Picture 6" descr="Text&#10;&#10;Description automatically generated with medium confidence">
+            <a:extLst>
+              <a:ext uri="{FF2B5EF4-FFF2-40B4-BE49-F238E27FC236}">
+                <a16:creationId xmlns:a16="http://schemas.microsoft.com/office/drawing/2014/main" id="{716D156E-5D9F-D4F2-E3EF-69D282464A4C}"/>
+              </a:ext>
+            </a:extLst>
+          </p:cNvPr>
+          <p:cNvPicPr>
+            <a:picLocks noChangeAspect="1"/>
+          </p:cNvPicPr>
+          <p:nvPr/>
+        </p:nvPicPr>
+        <p:blipFill>
+          <a:blip r:embed="rId2"/>
+          <a:stretch>
+            <a:fillRect/>
+          </a:stretch>
+        </p:blipFill>
+        <p:spPr>
+          <a:xfrm>
+            <a:off x="819977" y="4356455"/>
+            <a:ext cx="7772400" cy="1076078"/>
+          </a:xfrm>
+          <a:prstGeom prst="rect">
+            <a:avLst/>
+          </a:prstGeom>
+        </p:spPr>
+      </p:pic>
+    </p:spTree>
+    <p:extLst>
+      <p:ext uri="{BB962C8B-B14F-4D97-AF65-F5344CB8AC3E}">
+        <p14:creationId xmlns:p14="http://schemas.microsoft.com/office/powerpoint/2010/main" val="3885149323"/>
+      </p:ext>
+    </p:extLst>
+  </p:cSld>
+  <p:clrMapOvr>
+    <a:masterClrMapping/>
+  </p:clrMapOvr>
+</p:sld>
+</file>
+
+<file path=ppt/slides/slide41.xml><?xml version="1.0" encoding="utf-8"?>
+<p:sld xmlns:a="http://schemas.openxmlformats.org/drawingml/2006/main" xmlns:r="http://schemas.openxmlformats.org/officeDocument/2006/relationships" xmlns:p="http://schemas.openxmlformats.org/presentationml/2006/main">
+  <p:cSld>
+    <p:spTree>
+      <p:nvGrpSpPr>
+        <p:cNvPr id="1" name=""/>
+        <p:cNvGrpSpPr/>
+        <p:nvPr/>
+      </p:nvGrpSpPr>
+      <p:grpSpPr>
+        <a:xfrm>
+          <a:off x="0" y="0"/>
+          <a:ext cx="0" cy="0"/>
+          <a:chOff x="0" y="0"/>
+          <a:chExt cx="0" cy="0"/>
+        </a:xfrm>
+      </p:grpSpPr>
+      <p:sp>
+        <p:nvSpPr>
+          <p:cNvPr id="30723" name="Footer Placeholder 4"/>
+          <p:cNvSpPr>
+            <a:spLocks noGrp="1"/>
+          </p:cNvSpPr>
+          <p:nvPr>
+            <p:ph type="ftr" sz="quarter" idx="11"/>
+          </p:nvPr>
+        </p:nvSpPr>
+        <p:spPr>
+          <a:noFill/>
+        </p:spPr>
+        <p:txBody>
+          <a:bodyPr/>
+          <a:lstStyle/>
+          <a:p>
+            <a:r>
+              <a:rPr lang="en-US"/>
+              <a:t>CSCI3150 Intro to Operating Systems</a:t>
+            </a:r>
+            <a:endParaRPr lang="en-US" sz="1400" b="0">
+              <a:latin typeface="Times New Roman" pitchFamily="-109" charset="0"/>
+            </a:endParaRPr>
+          </a:p>
+        </p:txBody>
+      </p:sp>
+      <p:sp>
+        <p:nvSpPr>
+          <p:cNvPr id="30724" name="Slide Number Placeholder 5"/>
+          <p:cNvSpPr>
+            <a:spLocks noGrp="1"/>
+          </p:cNvSpPr>
+          <p:nvPr>
+            <p:ph type="sldNum" sz="quarter" idx="12"/>
+          </p:nvPr>
+        </p:nvSpPr>
+        <p:spPr>
+          <a:noFill/>
+        </p:spPr>
+        <p:txBody>
+          <a:bodyPr/>
+          <a:lstStyle/>
+          <a:p>
+            <a:fld id="{B7F3782D-E067-2A47-8A65-D7FE98325D48}" type="slidenum">
+              <a:rPr lang="en-US"/>
+              <a:pPr/>
+              <a:t>41</a:t>
+            </a:fld>
+            <a:endParaRPr lang="en-US"/>
+          </a:p>
+        </p:txBody>
+      </p:sp>
+      <p:sp>
+        <p:nvSpPr>
+          <p:cNvPr id="317442" name="Rectangle 2"/>
+          <p:cNvSpPr>
+            <a:spLocks noGrp="1" noChangeArrowheads="1"/>
+          </p:cNvSpPr>
+          <p:nvPr>
+            <p:ph type="title"/>
+          </p:nvPr>
+        </p:nvSpPr>
+        <p:spPr/>
+        <p:txBody>
+          <a:bodyPr/>
+          <a:lstStyle/>
+          <a:p>
+            <a:pPr>
+              <a:defRPr/>
+            </a:pPr>
+            <a:r>
+              <a:rPr lang="en-US"/>
+              <a:t>Process Termination</a:t>
+            </a:r>
+          </a:p>
+        </p:txBody>
+      </p:sp>
+      <p:sp>
+        <p:nvSpPr>
+          <p:cNvPr id="30726" name="Rectangle 3"/>
+          <p:cNvSpPr>
+            <a:spLocks noGrp="1" noChangeArrowheads="1"/>
+          </p:cNvSpPr>
+          <p:nvPr>
+            <p:ph type="body" idx="1"/>
+          </p:nvPr>
+        </p:nvSpPr>
+        <p:spPr>
+          <a:xfrm>
+            <a:off x="652826" y="1934840"/>
+            <a:ext cx="7592650" cy="4130681"/>
+          </a:xfrm>
+        </p:spPr>
+        <p:txBody>
+          <a:bodyPr>
+            <a:normAutofit lnSpcReduction="10000"/>
+          </a:bodyPr>
+          <a:lstStyle/>
+          <a:p>
+            <a:r>
+              <a:rPr lang="en-US" dirty="0"/>
+              <a:t>All good processes must come to an end.  But how?</a:t>
+            </a:r>
+          </a:p>
+          <a:p>
+            <a:pPr lvl="1"/>
+            <a:r>
+              <a:rPr lang="en-US" dirty="0">
+                <a:solidFill>
+                  <a:srgbClr val="009900"/>
+                </a:solidFill>
+              </a:rPr>
+              <a:t>Unix: exit(int status),</a:t>
+            </a:r>
+            <a:r>
+              <a:rPr lang="en-US" dirty="0"/>
+              <a:t> </a:t>
+            </a:r>
+            <a:r>
+              <a:rPr lang="en-US" dirty="0">
+                <a:solidFill>
+                  <a:srgbClr val="0000FF"/>
+                </a:solidFill>
+              </a:rPr>
+              <a:t>Windows: ExitProcess(int status)</a:t>
+            </a:r>
+          </a:p>
+          <a:p>
+            <a:r>
+              <a:rPr lang="en-US" dirty="0"/>
+              <a:t>Essentially, free resources and terminate</a:t>
+            </a:r>
+          </a:p>
+          <a:p>
+            <a:pPr lvl="1"/>
+            <a:r>
+              <a:rPr lang="en-US" dirty="0"/>
+              <a:t>Terminate all threads (next lecture)</a:t>
+            </a:r>
+          </a:p>
+          <a:p>
+            <a:pPr lvl="1"/>
+            <a:r>
+              <a:rPr lang="en-US" dirty="0"/>
+              <a:t>Close open files, network connections</a:t>
+            </a:r>
+          </a:p>
+          <a:p>
+            <a:pPr lvl="1"/>
+            <a:r>
+              <a:rPr lang="en-US" dirty="0"/>
+              <a:t>Allocated memory (and VM pages out on disk)</a:t>
+            </a:r>
+          </a:p>
+          <a:p>
+            <a:pPr lvl="1"/>
+            <a:r>
+              <a:rPr lang="en-US" dirty="0"/>
+              <a:t>Remove PCB from kernel data structures, delete</a:t>
+            </a:r>
+          </a:p>
+          <a:p>
+            <a:r>
+              <a:rPr lang="en-US" dirty="0"/>
+              <a:t>Note that a process does not </a:t>
+            </a:r>
+            <a:r>
+              <a:rPr lang="en-US" dirty="0">
+                <a:solidFill>
+                  <a:srgbClr val="0000FF"/>
+                </a:solidFill>
+              </a:rPr>
+              <a:t>need</a:t>
+            </a:r>
+            <a:r>
+              <a:rPr lang="en-US" dirty="0"/>
+              <a:t> to clean up itself</a:t>
+            </a:r>
+          </a:p>
+          <a:p>
+            <a:pPr lvl="1"/>
+            <a:r>
+              <a:rPr lang="en-US" dirty="0"/>
+              <a:t>Why does the OS have to do it?</a:t>
+            </a:r>
+          </a:p>
+          <a:p>
+            <a:endParaRPr lang="en-US" dirty="0"/>
+          </a:p>
+        </p:txBody>
+      </p:sp>
+    </p:spTree>
+  </p:cSld>
+  <p:clrMapOvr>
+    <a:masterClrMapping/>
+  </p:clrMapOvr>
+</p:sld>
+</file>
+
+<file path=ppt/slides/slide42.xml><?xml version="1.0" encoding="utf-8"?>
 <p:sld xmlns:a="http://schemas.openxmlformats.org/drawingml/2006/main" xmlns:r="http://schemas.openxmlformats.org/officeDocument/2006/relationships" xmlns:p="http://schemas.openxmlformats.org/presentationml/2006/main" showMasterSp="0">
   <p:cSld>
     <p:bg>
@@ -24661,7 +25022,7 @@
             <a:fld id="{5BCC3F0E-9362-6D47-9781-DB401EE9B6B9}" type="slidenum">
               <a:rPr lang="en-US" smtClean="0"/>
               <a:pPr/>
-              <a:t>40</a:t>
+              <a:t>42</a:t>
             </a:fld>
             <a:endParaRPr lang="en-US"/>
           </a:p>
@@ -24673,505 +25034,6 @@
         <p14:creationId xmlns:p14="http://schemas.microsoft.com/office/powerpoint/2010/main" val="3709804709"/>
       </p:ext>
     </p:extLst>
-  </p:cSld>
-  <p:clrMapOvr>
-    <a:masterClrMapping/>
-  </p:clrMapOvr>
-</p:sld>
-</file>
-
-<file path=ppt/slides/slide41.xml><?xml version="1.0" encoding="utf-8"?>
-<p:sld xmlns:a="http://schemas.openxmlformats.org/drawingml/2006/main" xmlns:r="http://schemas.openxmlformats.org/officeDocument/2006/relationships" xmlns:p="http://schemas.openxmlformats.org/presentationml/2006/main">
-  <p:cSld>
-    <p:spTree>
-      <p:nvGrpSpPr>
-        <p:cNvPr id="1" name=""/>
-        <p:cNvGrpSpPr/>
-        <p:nvPr/>
-      </p:nvGrpSpPr>
-      <p:grpSpPr>
-        <a:xfrm>
-          <a:off x="0" y="0"/>
-          <a:ext cx="0" cy="0"/>
-          <a:chOff x="0" y="0"/>
-          <a:chExt cx="0" cy="0"/>
-        </a:xfrm>
-      </p:grpSpPr>
-      <p:sp>
-        <p:nvSpPr>
-          <p:cNvPr id="31747" name="Footer Placeholder 4"/>
-          <p:cNvSpPr>
-            <a:spLocks noGrp="1"/>
-          </p:cNvSpPr>
-          <p:nvPr>
-            <p:ph type="ftr" sz="quarter" idx="11"/>
-          </p:nvPr>
-        </p:nvSpPr>
-        <p:spPr>
-          <a:noFill/>
-        </p:spPr>
-        <p:txBody>
-          <a:bodyPr/>
-          <a:lstStyle/>
-          <a:p>
-            <a:r>
-              <a:rPr lang="en-US"/>
-              <a:t>CSCI3150 Intro to Operating Systems</a:t>
-            </a:r>
-            <a:endParaRPr lang="en-US" sz="1400" b="0">
-              <a:latin typeface="Times New Roman" pitchFamily="-109" charset="0"/>
-            </a:endParaRPr>
-          </a:p>
-        </p:txBody>
-      </p:sp>
-      <p:sp>
-        <p:nvSpPr>
-          <p:cNvPr id="31748" name="Slide Number Placeholder 5"/>
-          <p:cNvSpPr>
-            <a:spLocks noGrp="1"/>
-          </p:cNvSpPr>
-          <p:nvPr>
-            <p:ph type="sldNum" sz="quarter" idx="12"/>
-          </p:nvPr>
-        </p:nvSpPr>
-        <p:spPr>
-          <a:noFill/>
-        </p:spPr>
-        <p:txBody>
-          <a:bodyPr/>
-          <a:lstStyle/>
-          <a:p>
-            <a:fld id="{0CFD8A55-2668-454D-A52C-9C4D0D5C310F}" type="slidenum">
-              <a:rPr lang="en-US"/>
-              <a:pPr/>
-              <a:t>41</a:t>
-            </a:fld>
-            <a:endParaRPr lang="en-US"/>
-          </a:p>
-        </p:txBody>
-      </p:sp>
-      <p:sp>
-        <p:nvSpPr>
-          <p:cNvPr id="318466" name="Rectangle 2"/>
-          <p:cNvSpPr>
-            <a:spLocks noGrp="1" noChangeArrowheads="1"/>
-          </p:cNvSpPr>
-          <p:nvPr>
-            <p:ph type="title"/>
-          </p:nvPr>
-        </p:nvSpPr>
-        <p:spPr/>
-        <p:txBody>
-          <a:bodyPr/>
-          <a:lstStyle/>
-          <a:p>
-            <a:r>
-              <a:rPr lang="en-US">
-                <a:effectLst>
-                  <a:outerShdw blurRad="38100" dist="38100" dir="2700000" algn="tl">
-                    <a:srgbClr val="DDDDDD"/>
-                  </a:outerShdw>
-                </a:effectLst>
-              </a:rPr>
-              <a:t>wait() a second…</a:t>
-            </a:r>
-          </a:p>
-        </p:txBody>
-      </p:sp>
-      <p:sp>
-        <p:nvSpPr>
-          <p:cNvPr id="31750" name="Rectangle 3"/>
-          <p:cNvSpPr>
-            <a:spLocks noGrp="1" noChangeArrowheads="1"/>
-          </p:cNvSpPr>
-          <p:nvPr>
-            <p:ph type="body" idx="1"/>
-          </p:nvPr>
-        </p:nvSpPr>
-        <p:spPr>
-          <a:xfrm>
-            <a:off x="688434" y="1911100"/>
-            <a:ext cx="7928855" cy="4154421"/>
-          </a:xfrm>
-        </p:spPr>
-        <p:txBody>
-          <a:bodyPr>
-            <a:normAutofit/>
-          </a:bodyPr>
-          <a:lstStyle/>
-          <a:p>
-            <a:r>
-              <a:rPr lang="en-US" dirty="0"/>
-              <a:t>Often it is convenient to pause until a child process has finished</a:t>
-            </a:r>
-          </a:p>
-          <a:p>
-            <a:pPr lvl="1"/>
-            <a:r>
-              <a:rPr lang="en-US" dirty="0"/>
-              <a:t>Think of executing commands in a shell</a:t>
-            </a:r>
-          </a:p>
-          <a:p>
-            <a:r>
-              <a:rPr lang="en-US" dirty="0"/>
-              <a:t>Use </a:t>
-            </a:r>
-            <a:r>
-              <a:rPr lang="en-US" dirty="0">
-                <a:solidFill>
-                  <a:srgbClr val="009900"/>
-                </a:solidFill>
-              </a:rPr>
-              <a:t>wait()</a:t>
-            </a:r>
-            <a:r>
-              <a:rPr lang="en-US" dirty="0"/>
-              <a:t> (</a:t>
-            </a:r>
-            <a:r>
-              <a:rPr lang="en-US" dirty="0">
-                <a:solidFill>
-                  <a:srgbClr val="0000FF"/>
-                </a:solidFill>
-              </a:rPr>
-              <a:t>WaitForSingleObject</a:t>
-            </a:r>
-            <a:r>
-              <a:rPr lang="en-US" dirty="0"/>
-              <a:t>) </a:t>
-            </a:r>
-          </a:p>
-          <a:p>
-            <a:pPr lvl="1"/>
-            <a:r>
-              <a:rPr lang="en-US" dirty="0"/>
-              <a:t>Suspends the current process until a child process ends</a:t>
-            </a:r>
-          </a:p>
-          <a:p>
-            <a:pPr lvl="1"/>
-            <a:r>
-              <a:rPr lang="en-US" dirty="0"/>
-              <a:t>waitpid() suspends until the specified child process ends</a:t>
-            </a:r>
-          </a:p>
-          <a:p>
-            <a:r>
-              <a:rPr lang="en-US" dirty="0"/>
-              <a:t>Unix: Every process must be reaped by a parent</a:t>
-            </a:r>
-          </a:p>
-          <a:p>
-            <a:pPr lvl="1"/>
-            <a:r>
-              <a:rPr lang="en-US" dirty="0"/>
-              <a:t>What happens if a parent process exits before a child?</a:t>
-            </a:r>
-          </a:p>
-          <a:p>
-            <a:pPr lvl="1"/>
-            <a:r>
-              <a:rPr lang="en-US" dirty="0"/>
-              <a:t>What do you think a “zombie” process is?</a:t>
-            </a:r>
-          </a:p>
-        </p:txBody>
-      </p:sp>
-    </p:spTree>
-  </p:cSld>
-  <p:clrMapOvr>
-    <a:masterClrMapping/>
-  </p:clrMapOvr>
-</p:sld>
-</file>
-
-<file path=ppt/slides/slide42.xml><?xml version="1.0" encoding="utf-8"?>
-<p:sld xmlns:a="http://schemas.openxmlformats.org/drawingml/2006/main" xmlns:r="http://schemas.openxmlformats.org/officeDocument/2006/relationships" xmlns:p="http://schemas.openxmlformats.org/presentationml/2006/main">
-  <p:cSld>
-    <p:spTree>
-      <p:nvGrpSpPr>
-        <p:cNvPr id="1" name=""/>
-        <p:cNvGrpSpPr/>
-        <p:nvPr/>
-      </p:nvGrpSpPr>
-      <p:grpSpPr>
-        <a:xfrm>
-          <a:off x="0" y="0"/>
-          <a:ext cx="0" cy="0"/>
-          <a:chOff x="0" y="0"/>
-          <a:chExt cx="0" cy="0"/>
-        </a:xfrm>
-      </p:grpSpPr>
-      <p:sp>
-        <p:nvSpPr>
-          <p:cNvPr id="32771" name="Footer Placeholder 4"/>
-          <p:cNvSpPr>
-            <a:spLocks noGrp="1"/>
-          </p:cNvSpPr>
-          <p:nvPr>
-            <p:ph type="ftr" sz="quarter" idx="11"/>
-          </p:nvPr>
-        </p:nvSpPr>
-        <p:spPr>
-          <a:noFill/>
-        </p:spPr>
-        <p:txBody>
-          <a:bodyPr/>
-          <a:lstStyle/>
-          <a:p>
-            <a:r>
-              <a:rPr lang="en-US"/>
-              <a:t>CSCI3150 Intro to Operating Systems</a:t>
-            </a:r>
-            <a:endParaRPr lang="en-US" sz="1400" b="0">
-              <a:latin typeface="Times New Roman" pitchFamily="-109" charset="0"/>
-            </a:endParaRPr>
-          </a:p>
-        </p:txBody>
-      </p:sp>
-      <p:sp>
-        <p:nvSpPr>
-          <p:cNvPr id="32772" name="Slide Number Placeholder 5"/>
-          <p:cNvSpPr>
-            <a:spLocks noGrp="1"/>
-          </p:cNvSpPr>
-          <p:nvPr>
-            <p:ph type="sldNum" sz="quarter" idx="12"/>
-          </p:nvPr>
-        </p:nvSpPr>
-        <p:spPr>
-          <a:noFill/>
-        </p:spPr>
-        <p:txBody>
-          <a:bodyPr/>
-          <a:lstStyle/>
-          <a:p>
-            <a:fld id="{ECD861D1-ADCD-DB47-BEA3-1A0A31FEC14A}" type="slidenum">
-              <a:rPr lang="en-US"/>
-              <a:pPr/>
-              <a:t>42</a:t>
-            </a:fld>
-            <a:endParaRPr lang="en-US"/>
-          </a:p>
-        </p:txBody>
-      </p:sp>
-      <p:sp>
-        <p:nvSpPr>
-          <p:cNvPr id="307202" name="Rectangle 2"/>
-          <p:cNvSpPr>
-            <a:spLocks noGrp="1" noChangeArrowheads="1"/>
-          </p:cNvSpPr>
-          <p:nvPr>
-            <p:ph type="title"/>
-          </p:nvPr>
-        </p:nvSpPr>
-        <p:spPr/>
-        <p:txBody>
-          <a:bodyPr/>
-          <a:lstStyle/>
-          <a:p>
-            <a:pPr>
-              <a:defRPr/>
-            </a:pPr>
-            <a:r>
-              <a:rPr lang="en-US"/>
-              <a:t>Unix Shells</a:t>
-            </a:r>
-          </a:p>
-        </p:txBody>
-      </p:sp>
-      <p:sp>
-        <p:nvSpPr>
-          <p:cNvPr id="8" name="TextBox 7"/>
-          <p:cNvSpPr txBox="1"/>
-          <p:nvPr/>
-        </p:nvSpPr>
-        <p:spPr>
-          <a:xfrm>
-            <a:off x="900113" y="2065412"/>
-            <a:ext cx="7729046" cy="3693319"/>
-          </a:xfrm>
-          <a:prstGeom prst="rect">
-            <a:avLst/>
-          </a:prstGeom>
-          <a:noFill/>
-        </p:spPr>
-        <p:txBody>
-          <a:bodyPr wrap="square" rtlCol="0">
-            <a:spAutoFit/>
-          </a:bodyPr>
-          <a:lstStyle/>
-          <a:p>
-            <a:pPr>
-              <a:buFont typeface="Monotype Sorts" pitchFamily="-109" charset="2"/>
-              <a:buNone/>
-            </a:pPr>
-            <a:r>
-              <a:rPr lang="en-US" b="1" dirty="0">
-                <a:latin typeface="Courier New" pitchFamily="-109" charset="0"/>
-              </a:rPr>
-              <a:t>while (1) {</a:t>
-            </a:r>
-          </a:p>
-          <a:p>
-            <a:pPr>
-              <a:buFont typeface="Monotype Sorts" pitchFamily="-109" charset="2"/>
-              <a:buNone/>
-            </a:pPr>
-            <a:r>
-              <a:rPr lang="en-US" b="1" dirty="0">
-                <a:solidFill>
-                  <a:srgbClr val="D60093"/>
-                </a:solidFill>
-                <a:latin typeface="Courier New" pitchFamily="-109" charset="0"/>
-              </a:rPr>
-              <a:t>	char *cmd = read_command();</a:t>
-            </a:r>
-          </a:p>
-          <a:p>
-            <a:pPr>
-              <a:buFont typeface="Monotype Sorts" pitchFamily="-109" charset="2"/>
-              <a:buNone/>
-            </a:pPr>
-            <a:r>
-              <a:rPr lang="en-US" b="1" dirty="0">
-                <a:solidFill>
-                  <a:srgbClr val="D60093"/>
-                </a:solidFill>
-                <a:latin typeface="Courier New" pitchFamily="-109" charset="0"/>
-              </a:rPr>
-              <a:t>	int child_pid = fork();</a:t>
-            </a:r>
-          </a:p>
-          <a:p>
-            <a:pPr>
-              <a:buFont typeface="Monotype Sorts" pitchFamily="-109" charset="2"/>
-              <a:buNone/>
-            </a:pPr>
-            <a:r>
-              <a:rPr lang="en-US" b="1" dirty="0">
-                <a:solidFill>
-                  <a:srgbClr val="D60093"/>
-                </a:solidFill>
-                <a:latin typeface="Courier New" pitchFamily="-109" charset="0"/>
-              </a:rPr>
-              <a:t>	if (child_pid == 0) {</a:t>
-            </a:r>
-          </a:p>
-          <a:p>
-            <a:pPr>
-              <a:buFont typeface="Monotype Sorts" pitchFamily="-109" charset="2"/>
-              <a:buNone/>
-            </a:pPr>
-            <a:r>
-              <a:rPr lang="en-US" b="1" dirty="0">
-                <a:solidFill>
-                  <a:srgbClr val="D60093"/>
-                </a:solidFill>
-                <a:latin typeface="Courier New" pitchFamily="-109" charset="0"/>
-              </a:rPr>
-              <a:t>		</a:t>
-            </a:r>
-            <a:r>
-              <a:rPr lang="en-US" i="1" dirty="0">
-                <a:solidFill>
-                  <a:srgbClr val="0000FF"/>
-                </a:solidFill>
-              </a:rPr>
-              <a:t>Manipulate STDIN/OUT/ERR file descriptors for pipes, redirection, etc.</a:t>
-            </a:r>
-          </a:p>
-          <a:p>
-            <a:pPr>
-              <a:buFont typeface="Monotype Sorts" pitchFamily="-109" charset="2"/>
-              <a:buNone/>
-            </a:pPr>
-            <a:r>
-              <a:rPr lang="en-US" b="1" dirty="0">
-                <a:solidFill>
-                  <a:srgbClr val="0000FF"/>
-                </a:solidFill>
-                <a:latin typeface="Courier New" pitchFamily="-109" charset="0"/>
-              </a:rPr>
-              <a:t>		exec(cmd);</a:t>
-            </a:r>
-          </a:p>
-          <a:p>
-            <a:pPr>
-              <a:buFont typeface="Monotype Sorts" pitchFamily="-109" charset="2"/>
-              <a:buNone/>
-            </a:pPr>
-            <a:r>
-              <a:rPr lang="en-US" b="1" dirty="0">
-                <a:solidFill>
-                  <a:srgbClr val="0000FF"/>
-                </a:solidFill>
-                <a:latin typeface="Courier New" pitchFamily="-109" charset="0"/>
-              </a:rPr>
-              <a:t>		panic(“exec failed”);</a:t>
-            </a:r>
-          </a:p>
-          <a:p>
-            <a:pPr>
-              <a:buFont typeface="Monotype Sorts" pitchFamily="-109" charset="2"/>
-              <a:buNone/>
-            </a:pPr>
-            <a:r>
-              <a:rPr lang="en-US" b="1" dirty="0">
-                <a:latin typeface="Courier New" pitchFamily="-109" charset="0"/>
-              </a:rPr>
-              <a:t>	} else {</a:t>
-            </a:r>
-          </a:p>
-          <a:p>
-            <a:pPr>
-              <a:buFont typeface="Monotype Sorts" pitchFamily="-109" charset="2"/>
-              <a:buNone/>
-            </a:pPr>
-            <a:r>
-              <a:rPr lang="en-US" b="1" dirty="0">
-                <a:solidFill>
-                  <a:srgbClr val="FF3300"/>
-                </a:solidFill>
-                <a:latin typeface="Courier New" pitchFamily="-109" charset="0"/>
-              </a:rPr>
-              <a:t>		waitpid(child_pid);</a:t>
-            </a:r>
-          </a:p>
-          <a:p>
-            <a:pPr>
-              <a:buFont typeface="Monotype Sorts" pitchFamily="-109" charset="2"/>
-              <a:buNone/>
-            </a:pPr>
-            <a:r>
-              <a:rPr lang="en-US" b="1" dirty="0">
-                <a:latin typeface="Courier New" pitchFamily="-109" charset="0"/>
-              </a:rPr>
-              <a:t>	}</a:t>
-            </a:r>
-          </a:p>
-          <a:p>
-            <a:pPr>
-              <a:buFont typeface="Monotype Sorts" pitchFamily="-109" charset="2"/>
-              <a:buNone/>
-            </a:pPr>
-            <a:r>
-              <a:rPr lang="en-US" b="1" dirty="0">
-                <a:latin typeface="Courier New" pitchFamily="-109" charset="0"/>
-              </a:rPr>
-              <a:t>}</a:t>
-            </a:r>
-          </a:p>
-          <a:p>
-            <a:endParaRPr lang="en-US" dirty="0"/>
-          </a:p>
-          <a:p>
-            <a:endParaRPr lang="en-US" dirty="0"/>
-          </a:p>
-        </p:txBody>
-      </p:sp>
-    </p:spTree>
   </p:cSld>
   <p:clrMapOvr>
     <a:masterClrMapping/>
@@ -25198,7 +25060,7 @@
       </p:grpSpPr>
       <p:sp>
         <p:nvSpPr>
-          <p:cNvPr id="33795" name="Footer Placeholder 4"/>
+          <p:cNvPr id="31747" name="Footer Placeholder 4"/>
           <p:cNvSpPr>
             <a:spLocks noGrp="1"/>
           </p:cNvSpPr>
@@ -25225,7 +25087,7 @@
       </p:sp>
       <p:sp>
         <p:nvSpPr>
-          <p:cNvPr id="33796" name="Slide Number Placeholder 5"/>
+          <p:cNvPr id="31748" name="Slide Number Placeholder 5"/>
           <p:cNvSpPr>
             <a:spLocks noGrp="1"/>
           </p:cNvSpPr>
@@ -25240,7 +25102,7 @@
           <a:bodyPr/>
           <a:lstStyle/>
           <a:p>
-            <a:fld id="{1D30A04B-59F5-244B-BE8F-880E6D6029AB}" type="slidenum">
+            <a:fld id="{0CFD8A55-2668-454D-A52C-9C4D0D5C310F}" type="slidenum">
               <a:rPr lang="en-US"/>
               <a:pPr/>
               <a:t>43</a:t>
@@ -25251,7 +25113,7 @@
       </p:sp>
       <p:sp>
         <p:nvSpPr>
-          <p:cNvPr id="308226" name="Rectangle 2"/>
+          <p:cNvPr id="318466" name="Rectangle 2"/>
           <p:cNvSpPr>
             <a:spLocks noGrp="1" noChangeArrowheads="1"/>
           </p:cNvSpPr>
@@ -25264,19 +25126,22 @@
           <a:bodyPr/>
           <a:lstStyle/>
           <a:p>
-            <a:pPr>
-              <a:defRPr/>
-            </a:pPr>
-            <a:r>
-              <a:rPr lang="en-US"/>
-              <a:t>Process Summary</a:t>
-            </a:r>
-          </a:p>
-        </p:txBody>
-      </p:sp>
-      <p:sp>
-        <p:nvSpPr>
-          <p:cNvPr id="33798" name="Rectangle 3"/>
+            <a:r>
+              <a:rPr lang="en-US">
+                <a:effectLst>
+                  <a:outerShdw blurRad="38100" dist="38100" dir="2700000" algn="tl">
+                    <a:srgbClr val="DDDDDD"/>
+                  </a:outerShdw>
+                </a:effectLst>
+              </a:rPr>
+              <a:t>wait() a second…</a:t>
+            </a:r>
+          </a:p>
+        </p:txBody>
+      </p:sp>
+      <p:sp>
+        <p:nvSpPr>
+          <p:cNvPr id="31750" name="Rectangle 3"/>
           <p:cNvSpPr>
             <a:spLocks noGrp="1" noChangeArrowheads="1"/>
           </p:cNvSpPr>
@@ -25286,169 +25151,90 @@
         </p:nvSpPr>
         <p:spPr>
           <a:xfrm>
-            <a:off x="685800" y="1671420"/>
-            <a:ext cx="7924800" cy="4572000"/>
+            <a:off x="688434" y="1911100"/>
+            <a:ext cx="7928855" cy="4154421"/>
           </a:xfrm>
         </p:spPr>
         <p:txBody>
           <a:bodyPr>
-            <a:normAutofit fontScale="92500" lnSpcReduction="20000"/>
+            <a:normAutofit/>
           </a:bodyPr>
           <a:lstStyle/>
           <a:p>
-            <a:pPr>
-              <a:lnSpc>
-                <a:spcPct val="90000"/>
-              </a:lnSpc>
-            </a:pPr>
             <a:r>
               <a:rPr lang="en-US" dirty="0"/>
-              <a:t>What are the units of execution?</a:t>
-            </a:r>
-          </a:p>
-          <a:p>
-            <a:pPr lvl="1">
-              <a:lnSpc>
-                <a:spcPct val="90000"/>
-              </a:lnSpc>
-            </a:pPr>
+              <a:t>Often it is convenient to pause until a child process has finished</a:t>
+            </a:r>
+          </a:p>
+          <a:p>
+            <a:pPr lvl="1"/>
+            <a:r>
+              <a:rPr lang="en-US" dirty="0"/>
+              <a:t>Think of executing commands in a shell</a:t>
+            </a:r>
+          </a:p>
+          <a:p>
+            <a:r>
+              <a:rPr lang="en-US" dirty="0"/>
+              <a:t>Use </a:t>
+            </a:r>
+            <a:r>
+              <a:rPr lang="en-US" dirty="0">
+                <a:solidFill>
+                  <a:srgbClr val="009900"/>
+                </a:solidFill>
+              </a:rPr>
+              <a:t>wait()</a:t>
+            </a:r>
+            <a:r>
+              <a:rPr lang="en-US" dirty="0"/>
+              <a:t> (</a:t>
+            </a:r>
             <a:r>
               <a:rPr lang="en-US" dirty="0">
                 <a:solidFill>
                   <a:srgbClr val="0000FF"/>
                 </a:solidFill>
               </a:rPr>
-              <a:t>Processes</a:t>
-            </a:r>
-          </a:p>
-          <a:p>
-            <a:pPr>
-              <a:lnSpc>
-                <a:spcPct val="90000"/>
-              </a:lnSpc>
-            </a:pPr>
+              <a:t>WaitForSingleObject</a:t>
+            </a:r>
             <a:r>
               <a:rPr lang="en-US" dirty="0"/>
-              <a:t>How are those units of execution represented?</a:t>
-            </a:r>
-          </a:p>
-          <a:p>
-            <a:pPr lvl="1">
-              <a:lnSpc>
-                <a:spcPct val="90000"/>
-              </a:lnSpc>
-            </a:pPr>
-            <a:r>
-              <a:rPr lang="en-US" dirty="0">
-                <a:solidFill>
-                  <a:srgbClr val="0000FF"/>
-                </a:solidFill>
-              </a:rPr>
-              <a:t>Process Control Blocks (PCBs)</a:t>
-            </a:r>
-          </a:p>
-          <a:p>
-            <a:pPr>
-              <a:lnSpc>
-                <a:spcPct val="90000"/>
-              </a:lnSpc>
-            </a:pPr>
+              <a:t>) </a:t>
+            </a:r>
+          </a:p>
+          <a:p>
+            <a:pPr lvl="1"/>
             <a:r>
               <a:rPr lang="en-US" dirty="0"/>
-              <a:t>How is work scheduled in the CPU?</a:t>
-            </a:r>
-          </a:p>
-          <a:p>
-            <a:pPr lvl="1">
-              <a:lnSpc>
-                <a:spcPct val="90000"/>
-              </a:lnSpc>
-            </a:pPr>
-            <a:r>
-              <a:rPr lang="en-US" dirty="0">
-                <a:solidFill>
-                  <a:srgbClr val="0000FF"/>
-                </a:solidFill>
-              </a:rPr>
-              <a:t>Process states, process queues, context switches</a:t>
-            </a:r>
-          </a:p>
-          <a:p>
-            <a:pPr>
-              <a:lnSpc>
-                <a:spcPct val="90000"/>
-              </a:lnSpc>
-            </a:pPr>
+              <a:t>Suspends the current process until a child process ends</a:t>
+            </a:r>
+          </a:p>
+          <a:p>
+            <a:pPr lvl="1"/>
             <a:r>
               <a:rPr lang="en-US" dirty="0"/>
-              <a:t>What are the possible execution states of a process?</a:t>
-            </a:r>
-          </a:p>
-          <a:p>
-            <a:pPr lvl="1">
-              <a:lnSpc>
-                <a:spcPct val="90000"/>
-              </a:lnSpc>
-            </a:pPr>
-            <a:r>
-              <a:rPr lang="en-US" dirty="0">
-                <a:solidFill>
-                  <a:srgbClr val="0000FF"/>
-                </a:solidFill>
-              </a:rPr>
-              <a:t>Running, ready, waiting</a:t>
-            </a:r>
-          </a:p>
-          <a:p>
-            <a:pPr>
-              <a:lnSpc>
-                <a:spcPct val="90000"/>
-              </a:lnSpc>
-            </a:pPr>
+              <a:t>waitpid() suspends until the specified child process ends</a:t>
+            </a:r>
+          </a:p>
+          <a:p>
             <a:r>
               <a:rPr lang="en-US" dirty="0"/>
-              <a:t>How does a process move from one state to another?</a:t>
-            </a:r>
-          </a:p>
-          <a:p>
-            <a:pPr lvl="1">
-              <a:lnSpc>
-                <a:spcPct val="90000"/>
-              </a:lnSpc>
-            </a:pPr>
-            <a:r>
-              <a:rPr lang="en-US" dirty="0">
-                <a:solidFill>
-                  <a:srgbClr val="0000FF"/>
-                </a:solidFill>
-              </a:rPr>
-              <a:t>Scheduling, I/O, creation, termination</a:t>
-            </a:r>
-          </a:p>
-          <a:p>
-            <a:pPr>
-              <a:lnSpc>
-                <a:spcPct val="90000"/>
-              </a:lnSpc>
-            </a:pPr>
+              <a:t>Unix: Every process must be reaped by a parent</a:t>
+            </a:r>
+          </a:p>
+          <a:p>
+            <a:pPr lvl="1"/>
             <a:r>
               <a:rPr lang="en-US" dirty="0"/>
-              <a:t>How are processes created?</a:t>
-            </a:r>
-          </a:p>
-          <a:p>
-            <a:pPr lvl="1">
-              <a:lnSpc>
-                <a:spcPct val="90000"/>
-              </a:lnSpc>
-            </a:pPr>
-            <a:r>
-              <a:rPr lang="en-US" dirty="0">
-                <a:solidFill>
-                  <a:srgbClr val="0000FF"/>
-                </a:solidFill>
-              </a:rPr>
-              <a:t>CreateProcess (Windows), fork/exec (Unix)</a:t>
+              <a:t>What happens if a parent process exits before a child?</a:t>
+            </a:r>
+          </a:p>
+          <a:p>
+            <a:pPr lvl="1"/>
+            <a:r>
+              <a:rPr lang="en-US" dirty="0"/>
+              <a:t>What do you think a “zombie” process is?</a:t>
             </a:r>
           </a:p>
         </p:txBody>
@@ -25480,6 +25266,581 @@
       </p:grpSpPr>
       <p:sp>
         <p:nvSpPr>
+          <p:cNvPr id="32771" name="Footer Placeholder 4"/>
+          <p:cNvSpPr>
+            <a:spLocks noGrp="1"/>
+          </p:cNvSpPr>
+          <p:nvPr>
+            <p:ph type="ftr" sz="quarter" idx="11"/>
+          </p:nvPr>
+        </p:nvSpPr>
+        <p:spPr>
+          <a:noFill/>
+        </p:spPr>
+        <p:txBody>
+          <a:bodyPr/>
+          <a:lstStyle/>
+          <a:p>
+            <a:r>
+              <a:rPr lang="en-US"/>
+              <a:t>CSCI3150 Intro to Operating Systems</a:t>
+            </a:r>
+            <a:endParaRPr lang="en-US" sz="1400" b="0">
+              <a:latin typeface="Times New Roman" pitchFamily="-109" charset="0"/>
+            </a:endParaRPr>
+          </a:p>
+        </p:txBody>
+      </p:sp>
+      <p:sp>
+        <p:nvSpPr>
+          <p:cNvPr id="32772" name="Slide Number Placeholder 5"/>
+          <p:cNvSpPr>
+            <a:spLocks noGrp="1"/>
+          </p:cNvSpPr>
+          <p:nvPr>
+            <p:ph type="sldNum" sz="quarter" idx="12"/>
+          </p:nvPr>
+        </p:nvSpPr>
+        <p:spPr>
+          <a:noFill/>
+        </p:spPr>
+        <p:txBody>
+          <a:bodyPr/>
+          <a:lstStyle/>
+          <a:p>
+            <a:fld id="{ECD861D1-ADCD-DB47-BEA3-1A0A31FEC14A}" type="slidenum">
+              <a:rPr lang="en-US"/>
+              <a:pPr/>
+              <a:t>44</a:t>
+            </a:fld>
+            <a:endParaRPr lang="en-US"/>
+          </a:p>
+        </p:txBody>
+      </p:sp>
+      <p:sp>
+        <p:nvSpPr>
+          <p:cNvPr id="307202" name="Rectangle 2"/>
+          <p:cNvSpPr>
+            <a:spLocks noGrp="1" noChangeArrowheads="1"/>
+          </p:cNvSpPr>
+          <p:nvPr>
+            <p:ph type="title"/>
+          </p:nvPr>
+        </p:nvSpPr>
+        <p:spPr/>
+        <p:txBody>
+          <a:bodyPr/>
+          <a:lstStyle/>
+          <a:p>
+            <a:pPr>
+              <a:defRPr/>
+            </a:pPr>
+            <a:r>
+              <a:rPr lang="en-US"/>
+              <a:t>Unix Shells</a:t>
+            </a:r>
+          </a:p>
+        </p:txBody>
+      </p:sp>
+      <p:sp>
+        <p:nvSpPr>
+          <p:cNvPr id="8" name="TextBox 7"/>
+          <p:cNvSpPr txBox="1"/>
+          <p:nvPr/>
+        </p:nvSpPr>
+        <p:spPr>
+          <a:xfrm>
+            <a:off x="900113" y="2065412"/>
+            <a:ext cx="7729046" cy="3693319"/>
+          </a:xfrm>
+          <a:prstGeom prst="rect">
+            <a:avLst/>
+          </a:prstGeom>
+          <a:noFill/>
+        </p:spPr>
+        <p:txBody>
+          <a:bodyPr wrap="square" rtlCol="0">
+            <a:spAutoFit/>
+          </a:bodyPr>
+          <a:lstStyle/>
+          <a:p>
+            <a:pPr>
+              <a:buFont typeface="Monotype Sorts" pitchFamily="-109" charset="2"/>
+              <a:buNone/>
+            </a:pPr>
+            <a:r>
+              <a:rPr lang="en-US" b="1" dirty="0">
+                <a:latin typeface="Courier New" pitchFamily="-109" charset="0"/>
+              </a:rPr>
+              <a:t>while (1) {</a:t>
+            </a:r>
+          </a:p>
+          <a:p>
+            <a:pPr>
+              <a:buFont typeface="Monotype Sorts" pitchFamily="-109" charset="2"/>
+              <a:buNone/>
+            </a:pPr>
+            <a:r>
+              <a:rPr lang="en-US" b="1" dirty="0">
+                <a:solidFill>
+                  <a:srgbClr val="D60093"/>
+                </a:solidFill>
+                <a:latin typeface="Courier New" pitchFamily="-109" charset="0"/>
+              </a:rPr>
+              <a:t>	char *cmd = read_command();</a:t>
+            </a:r>
+          </a:p>
+          <a:p>
+            <a:pPr>
+              <a:buFont typeface="Monotype Sorts" pitchFamily="-109" charset="2"/>
+              <a:buNone/>
+            </a:pPr>
+            <a:r>
+              <a:rPr lang="en-US" b="1" dirty="0">
+                <a:solidFill>
+                  <a:srgbClr val="D60093"/>
+                </a:solidFill>
+                <a:latin typeface="Courier New" pitchFamily="-109" charset="0"/>
+              </a:rPr>
+              <a:t>	int child_pid = fork();</a:t>
+            </a:r>
+          </a:p>
+          <a:p>
+            <a:pPr>
+              <a:buFont typeface="Monotype Sorts" pitchFamily="-109" charset="2"/>
+              <a:buNone/>
+            </a:pPr>
+            <a:r>
+              <a:rPr lang="en-US" b="1" dirty="0">
+                <a:solidFill>
+                  <a:srgbClr val="D60093"/>
+                </a:solidFill>
+                <a:latin typeface="Courier New" pitchFamily="-109" charset="0"/>
+              </a:rPr>
+              <a:t>	if (child_pid == 0) {</a:t>
+            </a:r>
+          </a:p>
+          <a:p>
+            <a:pPr>
+              <a:buFont typeface="Monotype Sorts" pitchFamily="-109" charset="2"/>
+              <a:buNone/>
+            </a:pPr>
+            <a:r>
+              <a:rPr lang="en-US" b="1" dirty="0">
+                <a:solidFill>
+                  <a:srgbClr val="D60093"/>
+                </a:solidFill>
+                <a:latin typeface="Courier New" pitchFamily="-109" charset="0"/>
+              </a:rPr>
+              <a:t>		</a:t>
+            </a:r>
+            <a:r>
+              <a:rPr lang="en-US" i="1" dirty="0">
+                <a:solidFill>
+                  <a:srgbClr val="0000FF"/>
+                </a:solidFill>
+              </a:rPr>
+              <a:t>Manipulate STDIN/OUT/ERR file descriptors for pipes, redirection, etc.</a:t>
+            </a:r>
+          </a:p>
+          <a:p>
+            <a:pPr>
+              <a:buFont typeface="Monotype Sorts" pitchFamily="-109" charset="2"/>
+              <a:buNone/>
+            </a:pPr>
+            <a:r>
+              <a:rPr lang="en-US" b="1" dirty="0">
+                <a:solidFill>
+                  <a:srgbClr val="0000FF"/>
+                </a:solidFill>
+                <a:latin typeface="Courier New" pitchFamily="-109" charset="0"/>
+              </a:rPr>
+              <a:t>		exec(cmd);</a:t>
+            </a:r>
+          </a:p>
+          <a:p>
+            <a:pPr>
+              <a:buFont typeface="Monotype Sorts" pitchFamily="-109" charset="2"/>
+              <a:buNone/>
+            </a:pPr>
+            <a:r>
+              <a:rPr lang="en-US" b="1" dirty="0">
+                <a:solidFill>
+                  <a:srgbClr val="0000FF"/>
+                </a:solidFill>
+                <a:latin typeface="Courier New" pitchFamily="-109" charset="0"/>
+              </a:rPr>
+              <a:t>		panic(“exec failed”);</a:t>
+            </a:r>
+          </a:p>
+          <a:p>
+            <a:pPr>
+              <a:buFont typeface="Monotype Sorts" pitchFamily="-109" charset="2"/>
+              <a:buNone/>
+            </a:pPr>
+            <a:r>
+              <a:rPr lang="en-US" b="1" dirty="0">
+                <a:latin typeface="Courier New" pitchFamily="-109" charset="0"/>
+              </a:rPr>
+              <a:t>	} else {</a:t>
+            </a:r>
+          </a:p>
+          <a:p>
+            <a:pPr>
+              <a:buFont typeface="Monotype Sorts" pitchFamily="-109" charset="2"/>
+              <a:buNone/>
+            </a:pPr>
+            <a:r>
+              <a:rPr lang="en-US" b="1" dirty="0">
+                <a:solidFill>
+                  <a:srgbClr val="FF3300"/>
+                </a:solidFill>
+                <a:latin typeface="Courier New" pitchFamily="-109" charset="0"/>
+              </a:rPr>
+              <a:t>		waitpid(child_pid);</a:t>
+            </a:r>
+          </a:p>
+          <a:p>
+            <a:pPr>
+              <a:buFont typeface="Monotype Sorts" pitchFamily="-109" charset="2"/>
+              <a:buNone/>
+            </a:pPr>
+            <a:r>
+              <a:rPr lang="en-US" b="1" dirty="0">
+                <a:latin typeface="Courier New" pitchFamily="-109" charset="0"/>
+              </a:rPr>
+              <a:t>	}</a:t>
+            </a:r>
+          </a:p>
+          <a:p>
+            <a:pPr>
+              <a:buFont typeface="Monotype Sorts" pitchFamily="-109" charset="2"/>
+              <a:buNone/>
+            </a:pPr>
+            <a:r>
+              <a:rPr lang="en-US" b="1" dirty="0">
+                <a:latin typeface="Courier New" pitchFamily="-109" charset="0"/>
+              </a:rPr>
+              <a:t>}</a:t>
+            </a:r>
+          </a:p>
+          <a:p>
+            <a:endParaRPr lang="en-US" dirty="0"/>
+          </a:p>
+          <a:p>
+            <a:endParaRPr lang="en-US" dirty="0"/>
+          </a:p>
+        </p:txBody>
+      </p:sp>
+    </p:spTree>
+  </p:cSld>
+  <p:clrMapOvr>
+    <a:masterClrMapping/>
+  </p:clrMapOvr>
+</p:sld>
+</file>
+
+<file path=ppt/slides/slide45.xml><?xml version="1.0" encoding="utf-8"?>
+<p:sld xmlns:a="http://schemas.openxmlformats.org/drawingml/2006/main" xmlns:r="http://schemas.openxmlformats.org/officeDocument/2006/relationships" xmlns:p="http://schemas.openxmlformats.org/presentationml/2006/main">
+  <p:cSld>
+    <p:spTree>
+      <p:nvGrpSpPr>
+        <p:cNvPr id="1" name=""/>
+        <p:cNvGrpSpPr/>
+        <p:nvPr/>
+      </p:nvGrpSpPr>
+      <p:grpSpPr>
+        <a:xfrm>
+          <a:off x="0" y="0"/>
+          <a:ext cx="0" cy="0"/>
+          <a:chOff x="0" y="0"/>
+          <a:chExt cx="0" cy="0"/>
+        </a:xfrm>
+      </p:grpSpPr>
+      <p:sp>
+        <p:nvSpPr>
+          <p:cNvPr id="33795" name="Footer Placeholder 4"/>
+          <p:cNvSpPr>
+            <a:spLocks noGrp="1"/>
+          </p:cNvSpPr>
+          <p:nvPr>
+            <p:ph type="ftr" sz="quarter" idx="11"/>
+          </p:nvPr>
+        </p:nvSpPr>
+        <p:spPr>
+          <a:noFill/>
+        </p:spPr>
+        <p:txBody>
+          <a:bodyPr/>
+          <a:lstStyle/>
+          <a:p>
+            <a:r>
+              <a:rPr lang="en-US"/>
+              <a:t>CSCI3150 Intro to Operating Systems</a:t>
+            </a:r>
+            <a:endParaRPr lang="en-US" sz="1400" b="0">
+              <a:latin typeface="Times New Roman" pitchFamily="-109" charset="0"/>
+            </a:endParaRPr>
+          </a:p>
+        </p:txBody>
+      </p:sp>
+      <p:sp>
+        <p:nvSpPr>
+          <p:cNvPr id="33796" name="Slide Number Placeholder 5"/>
+          <p:cNvSpPr>
+            <a:spLocks noGrp="1"/>
+          </p:cNvSpPr>
+          <p:nvPr>
+            <p:ph type="sldNum" sz="quarter" idx="12"/>
+          </p:nvPr>
+        </p:nvSpPr>
+        <p:spPr>
+          <a:noFill/>
+        </p:spPr>
+        <p:txBody>
+          <a:bodyPr/>
+          <a:lstStyle/>
+          <a:p>
+            <a:fld id="{1D30A04B-59F5-244B-BE8F-880E6D6029AB}" type="slidenum">
+              <a:rPr lang="en-US"/>
+              <a:pPr/>
+              <a:t>45</a:t>
+            </a:fld>
+            <a:endParaRPr lang="en-US"/>
+          </a:p>
+        </p:txBody>
+      </p:sp>
+      <p:sp>
+        <p:nvSpPr>
+          <p:cNvPr id="308226" name="Rectangle 2"/>
+          <p:cNvSpPr>
+            <a:spLocks noGrp="1" noChangeArrowheads="1"/>
+          </p:cNvSpPr>
+          <p:nvPr>
+            <p:ph type="title"/>
+          </p:nvPr>
+        </p:nvSpPr>
+        <p:spPr/>
+        <p:txBody>
+          <a:bodyPr/>
+          <a:lstStyle/>
+          <a:p>
+            <a:pPr>
+              <a:defRPr/>
+            </a:pPr>
+            <a:r>
+              <a:rPr lang="en-US"/>
+              <a:t>Process Summary</a:t>
+            </a:r>
+          </a:p>
+        </p:txBody>
+      </p:sp>
+      <p:sp>
+        <p:nvSpPr>
+          <p:cNvPr id="33798" name="Rectangle 3"/>
+          <p:cNvSpPr>
+            <a:spLocks noGrp="1" noChangeArrowheads="1"/>
+          </p:cNvSpPr>
+          <p:nvPr>
+            <p:ph type="body" idx="1"/>
+          </p:nvPr>
+        </p:nvSpPr>
+        <p:spPr>
+          <a:xfrm>
+            <a:off x="685800" y="1671420"/>
+            <a:ext cx="7924800" cy="4572000"/>
+          </a:xfrm>
+        </p:spPr>
+        <p:txBody>
+          <a:bodyPr>
+            <a:normAutofit fontScale="92500" lnSpcReduction="20000"/>
+          </a:bodyPr>
+          <a:lstStyle/>
+          <a:p>
+            <a:pPr>
+              <a:lnSpc>
+                <a:spcPct val="90000"/>
+              </a:lnSpc>
+            </a:pPr>
+            <a:r>
+              <a:rPr lang="en-US" dirty="0"/>
+              <a:t>What are the units of execution?</a:t>
+            </a:r>
+          </a:p>
+          <a:p>
+            <a:pPr lvl="1">
+              <a:lnSpc>
+                <a:spcPct val="90000"/>
+              </a:lnSpc>
+            </a:pPr>
+            <a:r>
+              <a:rPr lang="en-US" dirty="0">
+                <a:solidFill>
+                  <a:srgbClr val="0000FF"/>
+                </a:solidFill>
+              </a:rPr>
+              <a:t>Processes</a:t>
+            </a:r>
+          </a:p>
+          <a:p>
+            <a:pPr>
+              <a:lnSpc>
+                <a:spcPct val="90000"/>
+              </a:lnSpc>
+            </a:pPr>
+            <a:r>
+              <a:rPr lang="en-US" dirty="0"/>
+              <a:t>How are those units of execution represented?</a:t>
+            </a:r>
+          </a:p>
+          <a:p>
+            <a:pPr lvl="1">
+              <a:lnSpc>
+                <a:spcPct val="90000"/>
+              </a:lnSpc>
+            </a:pPr>
+            <a:r>
+              <a:rPr lang="en-US" dirty="0">
+                <a:solidFill>
+                  <a:srgbClr val="0000FF"/>
+                </a:solidFill>
+              </a:rPr>
+              <a:t>Process Control Blocks (PCBs)</a:t>
+            </a:r>
+          </a:p>
+          <a:p>
+            <a:pPr>
+              <a:lnSpc>
+                <a:spcPct val="90000"/>
+              </a:lnSpc>
+            </a:pPr>
+            <a:r>
+              <a:rPr lang="en-US" dirty="0"/>
+              <a:t>How is work scheduled in the CPU?</a:t>
+            </a:r>
+          </a:p>
+          <a:p>
+            <a:pPr lvl="1">
+              <a:lnSpc>
+                <a:spcPct val="90000"/>
+              </a:lnSpc>
+            </a:pPr>
+            <a:r>
+              <a:rPr lang="en-US" dirty="0">
+                <a:solidFill>
+                  <a:srgbClr val="0000FF"/>
+                </a:solidFill>
+              </a:rPr>
+              <a:t>Process states, process queues, context switches</a:t>
+            </a:r>
+          </a:p>
+          <a:p>
+            <a:pPr>
+              <a:lnSpc>
+                <a:spcPct val="90000"/>
+              </a:lnSpc>
+            </a:pPr>
+            <a:r>
+              <a:rPr lang="en-US" dirty="0"/>
+              <a:t>What are the possible execution states of a process?</a:t>
+            </a:r>
+          </a:p>
+          <a:p>
+            <a:pPr lvl="1">
+              <a:lnSpc>
+                <a:spcPct val="90000"/>
+              </a:lnSpc>
+            </a:pPr>
+            <a:r>
+              <a:rPr lang="en-US" dirty="0">
+                <a:solidFill>
+                  <a:srgbClr val="0000FF"/>
+                </a:solidFill>
+              </a:rPr>
+              <a:t>Running, ready, waiting</a:t>
+            </a:r>
+          </a:p>
+          <a:p>
+            <a:pPr>
+              <a:lnSpc>
+                <a:spcPct val="90000"/>
+              </a:lnSpc>
+            </a:pPr>
+            <a:r>
+              <a:rPr lang="en-US" dirty="0"/>
+              <a:t>How does a process move from one state to another?</a:t>
+            </a:r>
+          </a:p>
+          <a:p>
+            <a:pPr lvl="1">
+              <a:lnSpc>
+                <a:spcPct val="90000"/>
+              </a:lnSpc>
+            </a:pPr>
+            <a:r>
+              <a:rPr lang="en-US" dirty="0">
+                <a:solidFill>
+                  <a:srgbClr val="0000FF"/>
+                </a:solidFill>
+              </a:rPr>
+              <a:t>Scheduling, I/O, creation, termination</a:t>
+            </a:r>
+          </a:p>
+          <a:p>
+            <a:pPr>
+              <a:lnSpc>
+                <a:spcPct val="90000"/>
+              </a:lnSpc>
+            </a:pPr>
+            <a:r>
+              <a:rPr lang="en-US" dirty="0"/>
+              <a:t>How are processes created?</a:t>
+            </a:r>
+          </a:p>
+          <a:p>
+            <a:pPr lvl="1">
+              <a:lnSpc>
+                <a:spcPct val="90000"/>
+              </a:lnSpc>
+            </a:pPr>
+            <a:r>
+              <a:rPr lang="en-US" dirty="0">
+                <a:solidFill>
+                  <a:srgbClr val="0000FF"/>
+                </a:solidFill>
+              </a:rPr>
+              <a:t>CreateProcess (Windows), fork/exec (Unix)</a:t>
+            </a:r>
+          </a:p>
+        </p:txBody>
+      </p:sp>
+    </p:spTree>
+  </p:cSld>
+  <p:clrMapOvr>
+    <a:masterClrMapping/>
+  </p:clrMapOvr>
+</p:sld>
+</file>
+
+<file path=ppt/slides/slide46.xml><?xml version="1.0" encoding="utf-8"?>
+<p:sld xmlns:a="http://schemas.openxmlformats.org/drawingml/2006/main" xmlns:r="http://schemas.openxmlformats.org/officeDocument/2006/relationships" xmlns:p="http://schemas.openxmlformats.org/presentationml/2006/main">
+  <p:cSld>
+    <p:spTree>
+      <p:nvGrpSpPr>
+        <p:cNvPr id="1" name=""/>
+        <p:cNvGrpSpPr/>
+        <p:nvPr/>
+      </p:nvGrpSpPr>
+      <p:grpSpPr>
+        <a:xfrm>
+          <a:off x="0" y="0"/>
+          <a:ext cx="0" cy="0"/>
+          <a:chOff x="0" y="0"/>
+          <a:chExt cx="0" cy="0"/>
+        </a:xfrm>
+      </p:grpSpPr>
+      <p:sp>
+        <p:nvSpPr>
           <p:cNvPr id="26" name="Rectangle 10"/>
           <p:cNvSpPr>
             <a:spLocks noChangeArrowheads="1"/>
@@ -25624,7 +25985,7 @@
             <a:fld id="{5BCC3F0E-9362-6D47-9781-DB401EE9B6B9}" type="slidenum">
               <a:rPr lang="en-US" smtClean="0"/>
               <a:pPr/>
-              <a:t>44</a:t>
+              <a:t>46</a:t>
             </a:fld>
             <a:endParaRPr lang="en-US"/>
           </a:p>
@@ -26639,7 +27000,7 @@
 </p:sld>
 </file>
 
-<file path=ppt/slides/slide45.xml><?xml version="1.0" encoding="utf-8"?>
+<file path=ppt/slides/slide47.xml><?xml version="1.0" encoding="utf-8"?>
 <p:sld xmlns:a="http://schemas.openxmlformats.org/drawingml/2006/main" xmlns:r="http://schemas.openxmlformats.org/officeDocument/2006/relationships" xmlns:p="http://schemas.openxmlformats.org/presentationml/2006/main">
   <p:cSld>
     <p:spTree>
@@ -26802,7 +27163,7 @@
             <a:fld id="{5BCC3F0E-9362-6D47-9781-DB401EE9B6B9}" type="slidenum">
               <a:rPr lang="en-US" smtClean="0"/>
               <a:pPr/>
-              <a:t>45</a:t>
+              <a:t>47</a:t>
             </a:fld>
             <a:endParaRPr lang="en-US"/>
           </a:p>

--- a/lecture/lec3_processes.pptx
+++ b/lecture/lec3_processes.pptx
@@ -5,10 +5,10 @@
     <p:sldMasterId id="2147483757" r:id="rId1"/>
   </p:sldMasterIdLst>
   <p:notesMasterIdLst>
-    <p:notesMasterId r:id="rId49"/>
+    <p:notesMasterId r:id="rId50"/>
   </p:notesMasterIdLst>
   <p:handoutMasterIdLst>
-    <p:handoutMasterId r:id="rId50"/>
+    <p:handoutMasterId r:id="rId51"/>
   </p:handoutMasterIdLst>
   <p:sldIdLst>
     <p:sldId id="256" r:id="rId2"/>
@@ -47,17 +47,18 @@
     <p:sldId id="382" r:id="rId35"/>
     <p:sldId id="383" r:id="rId36"/>
     <p:sldId id="384" r:id="rId37"/>
-    <p:sldId id="385" r:id="rId38"/>
-    <p:sldId id="386" r:id="rId39"/>
-    <p:sldId id="396" r:id="rId40"/>
-    <p:sldId id="397" r:id="rId41"/>
-    <p:sldId id="387" r:id="rId42"/>
-    <p:sldId id="393" r:id="rId43"/>
-    <p:sldId id="388" r:id="rId44"/>
-    <p:sldId id="389" r:id="rId45"/>
-    <p:sldId id="390" r:id="rId46"/>
-    <p:sldId id="394" r:id="rId47"/>
-    <p:sldId id="395" r:id="rId48"/>
+    <p:sldId id="398" r:id="rId38"/>
+    <p:sldId id="385" r:id="rId39"/>
+    <p:sldId id="386" r:id="rId40"/>
+    <p:sldId id="396" r:id="rId41"/>
+    <p:sldId id="397" r:id="rId42"/>
+    <p:sldId id="387" r:id="rId43"/>
+    <p:sldId id="399" r:id="rId44"/>
+    <p:sldId id="388" r:id="rId45"/>
+    <p:sldId id="389" r:id="rId46"/>
+    <p:sldId id="390" r:id="rId47"/>
+    <p:sldId id="394" r:id="rId48"/>
+    <p:sldId id="395" r:id="rId49"/>
   </p:sldIdLst>
   <p:sldSz cx="9144000" cy="6858000" type="screen4x3"/>
   <p:notesSz cx="6858000" cy="9144000"/>
@@ -258,7 +259,7 @@
             <a:fld id="{3B85FA19-4AE7-394C-8E06-B4A0FB3E5AA8}" type="datetimeFigureOut">
               <a:rPr lang="en-US" smtClean="0"/>
               <a:pPr/>
-              <a:t>1/18/23</a:t>
+              <a:t>1/19/23</a:t>
             </a:fld>
             <a:endParaRPr lang="en-US"/>
           </a:p>
@@ -341,6 +342,33 @@
   <p:clrMap bg1="lt1" tx1="dk1" bg2="lt2" tx2="dk2" accent1="accent1" accent2="accent2" accent3="accent3" accent4="accent4" accent5="accent5" accent6="accent6" hlink="hlink" folHlink="folHlink"/>
   <p:hf hdr="0" ftr="0" dt="0"/>
 </p:handoutMaster>
+</file>
+
+<file path=ppt/ink/ink1.xml><?xml version="1.0" encoding="utf-8"?>
+<inkml:ink xmlns:inkml="http://www.w3.org/2003/InkML">
+  <inkml:definitions>
+    <inkml:context xml:id="ctx0">
+      <inkml:inkSource xml:id="inkSrc0">
+        <inkml:traceFormat>
+          <inkml:channel name="X" type="integer" min="-2.14748E9" max="2.14748E9" units="cm"/>
+          <inkml:channel name="Y" type="integer" min="-2.14748E9" max="2.14748E9" units="cm"/>
+          <inkml:channel name="F" type="integer" max="32767" units="dev"/>
+        </inkml:traceFormat>
+        <inkml:channelProperties>
+          <inkml:channelProperty channel="X" name="resolution" value="1000" units="1/cm"/>
+          <inkml:channelProperty channel="Y" name="resolution" value="1000" units="1/cm"/>
+          <inkml:channelProperty channel="F" name="resolution" value="0" units="1/dev"/>
+        </inkml:channelProperties>
+      </inkml:inkSource>
+      <inkml:timestamp xml:id="ts0" timeString="2023-01-19T02:16:40.545"/>
+    </inkml:context>
+    <inkml:brush xml:id="br0">
+      <inkml:brushProperty name="height" value="0.053" units="cm"/>
+      <inkml:brushProperty name="color" value="#FF0000"/>
+    </inkml:brush>
+  </inkml:definitions>
+  <inkml:trace contextRef="#ctx0" brushRef="#br0">10339 5133 8125,'17'17'0,"-7"-5"-207,-4-1 1,-4-5 0,-4 5 0,-4 3 176,-5 1 0,-5 8 106,-1 0 1,0 9 58,0 3 1,-1-1-1,1 6-107,0-3-20,0 5 1,-1-4 93,1 8 0,0 0-85,0 6 1,-1 1 279,1 5-254,-8 3 1,4 10 0,-6 2 161,3 1 1,-1 3-182,2-3 0,2 1-1403,-8 11 1438,0-11 1,0 17-143,1-12 0,1 4-141,-2 2 1,-3 6 196,3 0 0,4 0 27,2-6 1,-2 0-16,2 0 1,0 6 166,6 0 1,0-6-142,0-5 0,-1 5 169,1 6 0,0 1-90,0-1 1,5-4 23,1 4 1,1 4-104,5-48 0,-1 1 1,-1 1-1,0 0-8,4-1 0,0-1 1,-8 46-10,5-8 1,-5 6-8,5 0 1,0-40 0,0-1-24,4-2 0,-1 0 1,-3 3-1,0-1 45,1 41 0,1-41 0,0 0 15,1 0 0,0 1 0,1 3 0,0 1-17,-3 4 0,-1 1 0,4-5 1,0 1 2,-1-3 0,0 1 1,2-3-1,0 1-14,1-1 1,0-1-1,0 0 1,0 0-1,0 46 0,0-47 1,0 0 0,0 42 1,0-43 0,0 1-3,0 48 0,0-49 0,0 1 29,0 48 1,3-48 0,0-1-1,3 43 1,-2-41-1,-1 0-29,1 0 1,-2 1-1,0 46 7,1-47 1,0 1 0,5 42 5,-6-46 1,1 1-1,3 1 1,0 0-20,-4 4 1,1 1 0,4-5 0,0-1-5,-1 3 0,-1 0 0,5 42-71,-4-46 1,-1 1 0,7 43 49,-4-43 1,1 0 0,8 39-58,1-2 1,-1-2 55,0-9 0,0 1 83,1-1 1,-1 1-82,0 5 1,0 1 115,0-7 1,1 13 13,-1-2 1,0 6 95,0 0 0,6-2-151,-11-42 0,-1 1 0,2 0 1,-1 0-14,0 3 1,-1-1 0,16 43-95,7-8 0,-5 0 115,0-6 0,0-1-133,5 1 0,1-9 54,-1-2 1,2-8-135,5-9 0,-3 0 93,8-1 0,-6-1 41,6-4 1,0 4 79,6-4 0,1 5 146,5 7 1,-3-3-94,8 8 0,3-7 138,8 1 0,-1-3-169,7-2 0,-7-8 47,2-4 1,3-4-251,3-1 0,-36-18 0,2 0 42,1 1 0,1-1 0,-2-3 0,0 0-111,45 15 0,-2-8 122,2 2 1,-44-14-1,2-1 12,4-2 1,1 0 0,-3 1 0,1-1-20,2-3 1,-1 0 0,-1 0 0,-1 0 23,0-3 0,0 0 0,3 0 0,1 0 86,1 0 0,1 0 0,-2 0 0,1 0 83,0 0 1,1 0 0,-2 0 0,1 0-57,0 0 0,0 0 1,4 0-1,-1 0-18,0 0 1,1 0-1,-1-1 1,0 0-23,3-2 1,1 0 0,-2 1 0,0 0-4,1-4 0,1 1 1,-1 2-1,2 0 2,1-3 0,0 0 0,3 2 1,0-1-126,0-1 1,0 0 0,0-1 0,1-1 118,5 2 1,0 1 0,-1-3 0,1 0 87,3 0 0,-1-1 0,-2 0 0,0 1-24,-1-1 1,1 1 0,-3-1-1,-1 0-91,4 1 1,0-1 0,2 0 0,1 1 8,2-1 0,1 1 0,-4-1 0,-1 0-60,-4 1 1,-1-1-1,2 1 1,0-1 45,-1 0 0,0 1 0,4-1 0,1-1-49,-5-2 0,-1 1 0,3 1 1,-2 0 3,-9-1 1,0 0-1,4-3 1,0 1 41,-1-1 0,0-1 0,1 0 0,0-1-184,0 2 1,-1 0 0,-5-2 0,0 1 175,-3 4 0,-1-1 0,0-3 0,1-1 103,2 2 0,0 0 0,0 0 0,-1 1-21,-1-2 1,-1 1-1,-4 4 1,-1-1 78,-2 0 1,-2-1-1,44-15-83,-43 13 1,0 0 0,-2-2 0,1-1 108,1 0 1,0 0 0,39-18-22,-8 1 0,-7-2-41,2-5 0,1-5-36,-1-11 1,2 0 3,-39 23 1,-2-1 0,33-32-8,-34 27 1,-1-1 0,0 2-1,-1 0 12,-3-1 1,-2-1-1,1 0 1,-1 0 137,24-33 1,0-7-66,-1 7 0,-23 33 1,0-1-42,23-38 0,5 1-194,-10-1 1,4-2 89,-24 36 0,-1 0 0,1-3 0,-2-2-107,-1 0 1,0-1-1,1-3 1,0 1 109,-4 2 0,0 1 0,4-5 0,0-1-165,-1-6 0,0-1 0,2-4 1,0-1 51,1-6 0,-1 0 1,-1-1-1,-2-1-115,2 0 1,-2-1 0,0-2-1,0-1 150,2 1 1,-2 0 0,0-3 0,-1 1 36,-3 4 0,-2 1 1,-2 2-1,-1 1 62,-1 7 0,-1 2 0,-5 4 0,-1 1-6,-1 5 0,-2 1 1,-1 1-1,0 1 235,-1 0 1,0 0 0,0-43-31,0 3 1,-2-2-29,-4 2 1,5 43 0,-2 1 16,-8-44 0,5 0-123,-5 6 0,7-2 2,-2-4 1,4-2-123,2-4 1,0 48-1,0-1-108,0-47 1,0 48 0,0-1 92,0-1 1,0 1-1,0-2 1,0 0-225,0-44 0,0-1 100,0 18 1,0 3 361,0 3 0,0 5-230,0 6 1,-6 1 100,1 5 1,-9 1 610,3-7 0,-4 14-505,-3-3 0,1 4 178,0-4 1,-8 4 0,-2 1-183,0-1-72,-5-6 0,11 10-43,-8-7 0,0-1 6,-5 0 0,-6 0 7,-1 1 1,-1-1 13,2 0 0,0 1 3,-12-1 0,4 0 2,-9 1 1,-4-1-95,-3 0 1,-10 1 119,-7-1 0,1 2-318,-6 4 1,1-1 129,37 26 1,-1 1 0,-1-1 0,-2 0-1,-3 2 1,-1 0 92,-1-1 0,-1 0 0,1-1 0,0 2 0,4 1 0,0 1 0,-1-1 0,-1 0 0,-2-2 0,-1 0 0,-5 2 0,0-1 0,4-4 0,1-2-240,-2 5 0,-1 0 1,0-3-1,0 0 300,-2 3 1,0 0 0,-5-4 0,0 0-69,-1 1 0,0 0 0,1 1 0,0 0 28,-1-1 0,0 0 0,2 1 1,2 0-1,2 0 0,-1-2 1,0-1-1,-2 1 32,-3 1 1,0 0-1,4-1 1,0 0-62,2 1 1,0 0-1,-2 1 1,0 0 164,-1 1 1,0 2 0,-3 0 0,0 1-58,-3-2 1,0 0 0,6 2-1,0 0-40,0 0 0,0 1 1,0 3-1,0 0-57,0-1 0,0 1 0,-2 0 0,0-1-136,-1-2 1,0 0-1,3 0 1,2-1-82,0 1 0,1 0 0,-2 2 1,0 1 76,-1 0 1,0-1-1,-3 1 1,0-2-3,-3-4 0,0 0 1,5 4-1,-1 1 58,-4-2 1,0 0 0,3-1 0,0-1 65,-5-1 1,-1 0 0,0 0 0,-2 0 11,-3 2 0,0 1 1,1 3-1,1 2-162,-2 0 1,-1 1-1,-1 1 1,-1 1 374,0 0 0,0 0 0,-3 1 0,-1 1-83,-2 1 0,0 1 0,3-3 0,0 2-16,0 3 1,0 0 0,-3 0-1,-1 1-20,4 1 1,0 2-1,-3 2 1,0 1-54,0 2 1,0 0 0,5-1 0,1-1-18,0 2 1,0 0-1,4-1 1,1-1-69,3 2 1,1 0 0,1-2 0,2 0-118,4-4 0,2 0 0,5 0 1,1 0 94,7 0 0,1 0 0,-43-8 70,13-4 0,-1-1 0,7-2 0,3-3 0,1-3 0</inkml:trace>
+</inkml:ink>
 </file>
 
 <file path=ppt/notesMasters/notesMaster1.xml><?xml version="1.0" encoding="utf-8"?>
@@ -426,7 +454,7 @@
             <a:fld id="{FD6991A4-6061-8E40-B3BF-9224535D7C20}" type="datetimeFigureOut">
               <a:rPr lang="en-US" smtClean="0"/>
               <a:pPr/>
-              <a:t>1/18/23</a:t>
+              <a:t>1/19/23</a:t>
             </a:fld>
             <a:endParaRPr lang="en-US"/>
           </a:p>
@@ -933,7 +961,7 @@
             <a:fld id="{E3639927-3662-3B4E-89DF-65C239F3E8BD}" type="slidenum">
               <a:rPr lang="en-US" smtClean="0"/>
               <a:pPr/>
-              <a:t>41</a:t>
+              <a:t>42</a:t>
             </a:fld>
             <a:endParaRPr lang="en-US"/>
           </a:p>
@@ -993,9 +1021,7 @@
         </p:nvSpPr>
         <p:spPr/>
         <p:txBody>
-          <a:bodyPr>
-            <a:normAutofit/>
-          </a:bodyPr>
+          <a:bodyPr/>
           <a:lstStyle/>
           <a:p>
             <a:endParaRPr lang="en-US" dirty="0"/>
@@ -1021,6 +1047,93 @@
               <a:rPr lang="en-US" smtClean="0"/>
               <a:pPr/>
               <a:t>43</a:t>
+            </a:fld>
+            <a:endParaRPr lang="en-US"/>
+          </a:p>
+        </p:txBody>
+      </p:sp>
+    </p:spTree>
+    <p:extLst>
+      <p:ext uri="{BB962C8B-B14F-4D97-AF65-F5344CB8AC3E}">
+        <p14:creationId xmlns:p14="http://schemas.microsoft.com/office/powerpoint/2010/main" val="1623620779"/>
+      </p:ext>
+    </p:extLst>
+  </p:cSld>
+  <p:clrMapOvr>
+    <a:masterClrMapping/>
+  </p:clrMapOvr>
+</p:notes>
+</file>
+
+<file path=ppt/notesSlides/notesSlide13.xml><?xml version="1.0" encoding="utf-8"?>
+<p:notes xmlns:a="http://schemas.openxmlformats.org/drawingml/2006/main" xmlns:r="http://schemas.openxmlformats.org/officeDocument/2006/relationships" xmlns:p="http://schemas.openxmlformats.org/presentationml/2006/main">
+  <p:cSld>
+    <p:spTree>
+      <p:nvGrpSpPr>
+        <p:cNvPr id="1" name=""/>
+        <p:cNvGrpSpPr/>
+        <p:nvPr/>
+      </p:nvGrpSpPr>
+      <p:grpSpPr>
+        <a:xfrm>
+          <a:off x="0" y="0"/>
+          <a:ext cx="0" cy="0"/>
+          <a:chOff x="0" y="0"/>
+          <a:chExt cx="0" cy="0"/>
+        </a:xfrm>
+      </p:grpSpPr>
+      <p:sp>
+        <p:nvSpPr>
+          <p:cNvPr id="2" name="Slide Image Placeholder 1"/>
+          <p:cNvSpPr>
+            <a:spLocks noGrp="1" noRot="1" noChangeAspect="1"/>
+          </p:cNvSpPr>
+          <p:nvPr>
+            <p:ph type="sldImg"/>
+          </p:nvPr>
+        </p:nvSpPr>
+        <p:spPr/>
+      </p:sp>
+      <p:sp>
+        <p:nvSpPr>
+          <p:cNvPr id="3" name="Notes Placeholder 2"/>
+          <p:cNvSpPr>
+            <a:spLocks noGrp="1"/>
+          </p:cNvSpPr>
+          <p:nvPr>
+            <p:ph type="body" idx="1"/>
+          </p:nvPr>
+        </p:nvSpPr>
+        <p:spPr/>
+        <p:txBody>
+          <a:bodyPr>
+            <a:normAutofit/>
+          </a:bodyPr>
+          <a:lstStyle/>
+          <a:p>
+            <a:endParaRPr lang="en-US" dirty="0"/>
+          </a:p>
+        </p:txBody>
+      </p:sp>
+      <p:sp>
+        <p:nvSpPr>
+          <p:cNvPr id="4" name="Slide Number Placeholder 3"/>
+          <p:cNvSpPr>
+            <a:spLocks noGrp="1"/>
+          </p:cNvSpPr>
+          <p:nvPr>
+            <p:ph type="sldNum" sz="quarter" idx="10"/>
+          </p:nvPr>
+        </p:nvSpPr>
+        <p:spPr/>
+        <p:txBody>
+          <a:bodyPr/>
+          <a:lstStyle/>
+          <a:p>
+            <a:fld id="{E3639927-3662-3B4E-89DF-65C239F3E8BD}" type="slidenum">
+              <a:rPr lang="en-US" smtClean="0"/>
+              <a:pPr/>
+              <a:t>44</a:t>
             </a:fld>
             <a:endParaRPr lang="en-US"/>
           </a:p>
@@ -10307,6 +10420,57 @@
           </a:p>
         </p:txBody>
       </p:sp>
+      <mc:AlternateContent xmlns:mc="http://schemas.openxmlformats.org/markup-compatibility/2006" xmlns:p14="http://schemas.microsoft.com/office/powerpoint/2010/main">
+        <mc:Choice Requires="p14">
+          <p:contentPart p14:bwMode="auto" r:id="rId3">
+            <p14:nvContentPartPr>
+              <p14:cNvPr id="2" name="Ink 1">
+                <a:extLst>
+                  <a:ext uri="{FF2B5EF4-FFF2-40B4-BE49-F238E27FC236}">
+                    <a16:creationId xmlns:a16="http://schemas.microsoft.com/office/drawing/2014/main" id="{5BB39FF8-524F-BC6F-1662-A9972EC9F716}"/>
+                  </a:ext>
+                </a:extLst>
+              </p14:cNvPr>
+              <p14:cNvContentPartPr/>
+              <p14:nvPr/>
+            </p14:nvContentPartPr>
+            <p14:xfrm>
+              <a:off x="3349800" y="1847880"/>
+              <a:ext cx="4187880" cy="3919320"/>
+            </p14:xfrm>
+          </p:contentPart>
+        </mc:Choice>
+        <mc:Fallback xmlns="">
+          <p:pic>
+            <p:nvPicPr>
+              <p:cNvPr id="2" name="Ink 1">
+                <a:extLst>
+                  <a:ext uri="{FF2B5EF4-FFF2-40B4-BE49-F238E27FC236}">
+                    <a16:creationId xmlns:a16="http://schemas.microsoft.com/office/drawing/2014/main" id="{5BB39FF8-524F-BC6F-1662-A9972EC9F716}"/>
+                  </a:ext>
+                </a:extLst>
+              </p:cNvPr>
+              <p:cNvPicPr/>
+              <p:nvPr/>
+            </p:nvPicPr>
+            <p:blipFill>
+              <a:blip r:embed="rId4"/>
+              <a:stretch>
+                <a:fillRect/>
+              </a:stretch>
+            </p:blipFill>
+            <p:spPr>
+              <a:xfrm>
+                <a:off x="3340440" y="1838520"/>
+                <a:ext cx="4206600" cy="3938040"/>
+              </a:xfrm>
+              <a:prstGeom prst="rect">
+                <a:avLst/>
+              </a:prstGeom>
+            </p:spPr>
+          </p:pic>
+        </mc:Fallback>
+      </mc:AlternateContent>
     </p:spTree>
   </p:cSld>
   <p:clrMapOvr>
@@ -23405,7 +23569,76 @@
       </p:grpSpPr>
       <p:sp>
         <p:nvSpPr>
-          <p:cNvPr id="28675" name="Footer Placeholder 4"/>
+          <p:cNvPr id="2" name="Title 1">
+            <a:extLst>
+              <a:ext uri="{FF2B5EF4-FFF2-40B4-BE49-F238E27FC236}">
+                <a16:creationId xmlns:a16="http://schemas.microsoft.com/office/drawing/2014/main" id="{34513DD4-7003-C661-5BCF-E232E19A7F5E}"/>
+              </a:ext>
+            </a:extLst>
+          </p:cNvPr>
+          <p:cNvSpPr>
+            <a:spLocks noGrp="1"/>
+          </p:cNvSpPr>
+          <p:nvPr>
+            <p:ph type="title"/>
+          </p:nvPr>
+        </p:nvSpPr>
+        <p:spPr/>
+        <p:txBody>
+          <a:bodyPr>
+            <a:normAutofit fontScale="90000"/>
+          </a:bodyPr>
+          <a:lstStyle/>
+          <a:p>
+            <a:r>
+              <a:rPr lang="en-US" altLang="zh-CN" dirty="0"/>
+              <a:t>How</a:t>
+            </a:r>
+            <a:r>
+              <a:rPr lang="zh-CN" altLang="en-US" dirty="0"/>
+              <a:t> </a:t>
+            </a:r>
+            <a:r>
+              <a:rPr lang="en-US" altLang="zh-CN" dirty="0"/>
+              <a:t>can</a:t>
+            </a:r>
+            <a:r>
+              <a:rPr lang="zh-CN" altLang="en-US" dirty="0"/>
+              <a:t> </a:t>
+            </a:r>
+            <a:r>
+              <a:rPr lang="en-US" altLang="zh-CN" dirty="0"/>
+              <a:t>fork</a:t>
+            </a:r>
+            <a:r>
+              <a:rPr lang="zh-CN" altLang="en-US" dirty="0"/>
+              <a:t> </a:t>
+            </a:r>
+            <a:r>
+              <a:rPr lang="en-US" altLang="zh-CN" dirty="0"/>
+              <a:t>return</a:t>
+            </a:r>
+            <a:r>
+              <a:rPr lang="zh-CN" altLang="en-US" dirty="0"/>
+              <a:t> </a:t>
+            </a:r>
+            <a:r>
+              <a:rPr lang="en-US" altLang="zh-CN" dirty="0"/>
+              <a:t>differently?</a:t>
+            </a:r>
+            <a:endParaRPr lang="en-US" dirty="0"/>
+          </a:p>
+        </p:txBody>
+      </p:sp>
+      <p:sp>
+        <p:nvSpPr>
+          <p:cNvPr id="4" name="Footer Placeholder 3">
+            <a:extLst>
+              <a:ext uri="{FF2B5EF4-FFF2-40B4-BE49-F238E27FC236}">
+                <a16:creationId xmlns:a16="http://schemas.microsoft.com/office/drawing/2014/main" id="{E0E8F74F-5A73-BCE6-F7B7-DFEAC983A0EA}"/>
+              </a:ext>
+            </a:extLst>
+          </p:cNvPr>
           <p:cNvSpPr>
             <a:spLocks noGrp="1"/>
           </p:cNvSpPr>
@@ -23413,9 +23646,7 @@
             <p:ph type="ftr" sz="quarter" idx="11"/>
           </p:nvPr>
         </p:nvSpPr>
-        <p:spPr>
-          <a:noFill/>
-        </p:spPr>
+        <p:spPr/>
         <p:txBody>
           <a:bodyPr/>
           <a:lstStyle/>
@@ -23424,15 +23655,18 @@
               <a:rPr lang="en-US"/>
               <a:t>CSCI3150 Intro to Operating Systems</a:t>
             </a:r>
-            <a:endParaRPr lang="en-US" sz="1400" b="0">
-              <a:latin typeface="Times New Roman" pitchFamily="-109" charset="0"/>
-            </a:endParaRPr>
-          </a:p>
-        </p:txBody>
-      </p:sp>
-      <p:sp>
-        <p:nvSpPr>
-          <p:cNvPr id="28676" name="Slide Number Placeholder 5"/>
+          </a:p>
+        </p:txBody>
+      </p:sp>
+      <p:sp>
+        <p:nvSpPr>
+          <p:cNvPr id="5" name="Slide Number Placeholder 4">
+            <a:extLst>
+              <a:ext uri="{FF2B5EF4-FFF2-40B4-BE49-F238E27FC236}">
+                <a16:creationId xmlns:a16="http://schemas.microsoft.com/office/drawing/2014/main" id="{266D33E0-26B2-E89F-D357-7DA7B6B8DCB0}"/>
+              </a:ext>
+            </a:extLst>
+          </p:cNvPr>
           <p:cNvSpPr>
             <a:spLocks noGrp="1"/>
           </p:cNvSpPr>
@@ -23440,15 +23674,13 @@
             <p:ph type="sldNum" sz="quarter" idx="12"/>
           </p:nvPr>
         </p:nvSpPr>
-        <p:spPr>
-          <a:noFill/>
-        </p:spPr>
+        <p:spPr/>
         <p:txBody>
           <a:bodyPr/>
           <a:lstStyle/>
           <a:p>
-            <a:fld id="{FABDCC7B-C98A-5140-AC89-7EEAE7675E1F}" type="slidenum">
-              <a:rPr lang="en-US"/>
+            <a:fld id="{5BCC3F0E-9362-6D47-9781-DB401EE9B6B9}" type="slidenum">
+              <a:rPr lang="en-US" smtClean="0"/>
               <a:pPr/>
               <a:t>37</a:t>
             </a:fld>
@@ -23458,150 +23690,661 @@
       </p:sp>
       <p:sp>
         <p:nvSpPr>
-          <p:cNvPr id="301058" name="Rectangle 2"/>
-          <p:cNvSpPr>
-            <a:spLocks noGrp="1" noChangeArrowheads="1"/>
-          </p:cNvSpPr>
-          <p:nvPr>
-            <p:ph type="title"/>
-          </p:nvPr>
-        </p:nvSpPr>
-        <p:spPr/>
-        <p:txBody>
-          <a:bodyPr/>
-          <a:lstStyle/>
-          <a:p>
-            <a:pPr>
-              <a:defRPr/>
-            </a:pPr>
-            <a:r>
-              <a:rPr lang="en-US"/>
-              <a:t>Process Creation: Unix (2)</a:t>
-            </a:r>
-          </a:p>
-        </p:txBody>
-      </p:sp>
-      <p:sp>
-        <p:nvSpPr>
-          <p:cNvPr id="28678" name="Rectangle 3"/>
-          <p:cNvSpPr>
-            <a:spLocks noGrp="1" noChangeArrowheads="1"/>
-          </p:cNvSpPr>
-          <p:nvPr>
-            <p:ph type="body" idx="1"/>
-          </p:nvPr>
-        </p:nvSpPr>
-        <p:spPr/>
-        <p:txBody>
-          <a:bodyPr>
-            <a:normAutofit fontScale="92500" lnSpcReduction="20000"/>
+          <p:cNvPr id="6" name="Rectangle 3">
+            <a:extLst>
+              <a:ext uri="{FF2B5EF4-FFF2-40B4-BE49-F238E27FC236}">
+                <a16:creationId xmlns:a16="http://schemas.microsoft.com/office/drawing/2014/main" id="{6156BEE8-93E7-DEFA-AE27-24FE62E9087B}"/>
+              </a:ext>
+            </a:extLst>
+          </p:cNvPr>
+          <p:cNvSpPr txBox="1">
+            <a:spLocks noChangeArrowheads="1"/>
+          </p:cNvSpPr>
+          <p:nvPr/>
+        </p:nvSpPr>
+        <p:spPr>
+          <a:xfrm>
+            <a:off x="676564" y="1934840"/>
+            <a:ext cx="7568911" cy="4130681"/>
+          </a:xfrm>
+          <a:prstGeom prst="rect">
+            <a:avLst/>
+          </a:prstGeom>
+        </p:spPr>
+        <p:txBody>
+          <a:bodyPr vert="horz" lIns="91440" tIns="45720" rIns="91440" bIns="45720" rtlCol="0">
+            <a:normAutofit/>
           </a:bodyPr>
-          <a:lstStyle/>
-          <a:p>
-            <a:r>
-              <a:rPr lang="en-US"/>
-              <a:t>Wait a second.  How do we actually start a new program?</a:t>
-            </a:r>
-          </a:p>
+          <a:lstStyle>
+            <a:lvl1pPr marL="342900" indent="-342900" algn="l" defTabSz="914400" rtl="0" eaLnBrk="1" latinLnBrk="0" hangingPunct="1">
+              <a:spcBef>
+                <a:spcPts val="2000"/>
+              </a:spcBef>
+              <a:buClr>
+                <a:schemeClr val="tx1">
+                  <a:lumMod val="75000"/>
+                  <a:lumOff val="25000"/>
+                </a:schemeClr>
+              </a:buClr>
+              <a:buFont typeface="Arial" pitchFamily="34" charset="0"/>
+              <a:buChar char="•"/>
+              <a:defRPr sz="2400" kern="1200">
+                <a:solidFill>
+                  <a:schemeClr val="tx1">
+                    <a:lumMod val="75000"/>
+                    <a:lumOff val="25000"/>
+                  </a:schemeClr>
+                </a:solidFill>
+                <a:latin typeface="+mn-lt"/>
+                <a:ea typeface="+mn-ea"/>
+                <a:cs typeface="+mn-cs"/>
+              </a:defRPr>
+            </a:lvl1pPr>
+            <a:lvl2pPr marL="579438" indent="-228600" algn="l" defTabSz="914400" rtl="0" eaLnBrk="1" latinLnBrk="0" hangingPunct="1">
+              <a:spcBef>
+                <a:spcPts val="600"/>
+              </a:spcBef>
+              <a:buClr>
+                <a:schemeClr val="bg2">
+                  <a:lumMod val="60000"/>
+                  <a:lumOff val="40000"/>
+                </a:schemeClr>
+              </a:buClr>
+              <a:buFont typeface="Arial" pitchFamily="34" charset="0"/>
+              <a:buChar char="•"/>
+              <a:defRPr sz="2200" kern="1200">
+                <a:solidFill>
+                  <a:schemeClr val="tx1">
+                    <a:lumMod val="75000"/>
+                    <a:lumOff val="25000"/>
+                  </a:schemeClr>
+                </a:solidFill>
+                <a:latin typeface="+mn-lt"/>
+                <a:ea typeface="+mn-ea"/>
+                <a:cs typeface="+mn-cs"/>
+              </a:defRPr>
+            </a:lvl2pPr>
+            <a:lvl3pPr marL="808038" indent="-228600" algn="l" defTabSz="914400" rtl="0" eaLnBrk="1" latinLnBrk="0" hangingPunct="1">
+              <a:spcBef>
+                <a:spcPts val="600"/>
+              </a:spcBef>
+              <a:buClr>
+                <a:schemeClr val="tx1">
+                  <a:lumMod val="75000"/>
+                  <a:lumOff val="25000"/>
+                </a:schemeClr>
+              </a:buClr>
+              <a:buFont typeface="Arial" pitchFamily="34" charset="0"/>
+              <a:buChar char="•"/>
+              <a:defRPr sz="2000" kern="1200">
+                <a:solidFill>
+                  <a:schemeClr val="tx1">
+                    <a:lumMod val="75000"/>
+                    <a:lumOff val="25000"/>
+                  </a:schemeClr>
+                </a:solidFill>
+                <a:latin typeface="+mn-lt"/>
+                <a:ea typeface="+mn-ea"/>
+                <a:cs typeface="+mn-cs"/>
+              </a:defRPr>
+            </a:lvl3pPr>
+            <a:lvl4pPr marL="1036638" indent="-228600" algn="l" defTabSz="914400" rtl="0" eaLnBrk="1" latinLnBrk="0" hangingPunct="1">
+              <a:spcBef>
+                <a:spcPts val="600"/>
+              </a:spcBef>
+              <a:buClr>
+                <a:schemeClr val="bg2">
+                  <a:lumMod val="60000"/>
+                  <a:lumOff val="40000"/>
+                </a:schemeClr>
+              </a:buClr>
+              <a:buFont typeface="Arial" pitchFamily="34" charset="0"/>
+              <a:buChar char="•"/>
+              <a:defRPr sz="1800" kern="1200">
+                <a:solidFill>
+                  <a:schemeClr val="tx1">
+                    <a:lumMod val="75000"/>
+                    <a:lumOff val="25000"/>
+                  </a:schemeClr>
+                </a:solidFill>
+                <a:latin typeface="+mn-lt"/>
+                <a:ea typeface="+mn-ea"/>
+                <a:cs typeface="+mn-cs"/>
+              </a:defRPr>
+            </a:lvl4pPr>
+            <a:lvl5pPr marL="1265238" indent="-228600" algn="l" defTabSz="914400" rtl="0" eaLnBrk="1" latinLnBrk="0" hangingPunct="1">
+              <a:spcBef>
+                <a:spcPts val="600"/>
+              </a:spcBef>
+              <a:buClr>
+                <a:schemeClr val="tx1">
+                  <a:lumMod val="75000"/>
+                  <a:lumOff val="25000"/>
+                </a:schemeClr>
+              </a:buClr>
+              <a:buFont typeface="Arial" pitchFamily="34" charset="0"/>
+              <a:buChar char="•"/>
+              <a:defRPr sz="1800" kern="1200">
+                <a:solidFill>
+                  <a:schemeClr val="tx1">
+                    <a:lumMod val="75000"/>
+                    <a:lumOff val="25000"/>
+                  </a:schemeClr>
+                </a:solidFill>
+                <a:latin typeface="+mn-lt"/>
+                <a:ea typeface="+mn-ea"/>
+                <a:cs typeface="+mn-cs"/>
+              </a:defRPr>
+            </a:lvl5pPr>
+            <a:lvl6pPr marL="2514600" indent="-228600" algn="l" defTabSz="914400" rtl="0" eaLnBrk="1" latinLnBrk="0" hangingPunct="1">
+              <a:spcBef>
+                <a:spcPct val="20000"/>
+              </a:spcBef>
+              <a:buFont typeface="Arial" pitchFamily="34" charset="0"/>
+              <a:buChar char="•"/>
+              <a:defRPr sz="2000" kern="1200">
+                <a:solidFill>
+                  <a:schemeClr val="tx1"/>
+                </a:solidFill>
+                <a:latin typeface="+mn-lt"/>
+                <a:ea typeface="+mn-ea"/>
+                <a:cs typeface="+mn-cs"/>
+              </a:defRPr>
+            </a:lvl6pPr>
+            <a:lvl7pPr marL="2971800" indent="-228600" algn="l" defTabSz="914400" rtl="0" eaLnBrk="1" latinLnBrk="0" hangingPunct="1">
+              <a:spcBef>
+                <a:spcPct val="20000"/>
+              </a:spcBef>
+              <a:buFont typeface="Arial" pitchFamily="34" charset="0"/>
+              <a:buChar char="•"/>
+              <a:defRPr sz="2000" kern="1200">
+                <a:solidFill>
+                  <a:schemeClr val="tx1"/>
+                </a:solidFill>
+                <a:latin typeface="+mn-lt"/>
+                <a:ea typeface="+mn-ea"/>
+                <a:cs typeface="+mn-cs"/>
+              </a:defRPr>
+            </a:lvl7pPr>
+            <a:lvl8pPr marL="3429000" indent="-228600" algn="l" defTabSz="914400" rtl="0" eaLnBrk="1" latinLnBrk="0" hangingPunct="1">
+              <a:spcBef>
+                <a:spcPct val="20000"/>
+              </a:spcBef>
+              <a:buFont typeface="Arial" pitchFamily="34" charset="0"/>
+              <a:buChar char="•"/>
+              <a:defRPr sz="2000" kern="1200">
+                <a:solidFill>
+                  <a:schemeClr val="tx1"/>
+                </a:solidFill>
+                <a:latin typeface="+mn-lt"/>
+                <a:ea typeface="+mn-ea"/>
+                <a:cs typeface="+mn-cs"/>
+              </a:defRPr>
+            </a:lvl8pPr>
+            <a:lvl9pPr marL="3886200" indent="-228600" algn="l" defTabSz="914400" rtl="0" eaLnBrk="1" latinLnBrk="0" hangingPunct="1">
+              <a:spcBef>
+                <a:spcPct val="20000"/>
+              </a:spcBef>
+              <a:buFont typeface="Arial" pitchFamily="34" charset="0"/>
+              <a:buChar char="•"/>
+              <a:defRPr sz="2000" kern="1200">
+                <a:solidFill>
+                  <a:schemeClr val="tx1"/>
+                </a:solidFill>
+                <a:latin typeface="+mn-lt"/>
+                <a:ea typeface="+mn-ea"/>
+                <a:cs typeface="+mn-cs"/>
+              </a:defRPr>
+            </a:lvl9pPr>
+          </a:lstStyle>
+          <a:p>
+            <a:r>
+              <a:rPr lang="en-US" altLang="zh-CN" dirty="0"/>
+              <a:t>A:</a:t>
+            </a:r>
+            <a:r>
+              <a:rPr lang="zh-CN" altLang="en-US" dirty="0"/>
+              <a:t> </a:t>
+            </a:r>
+            <a:r>
+              <a:rPr lang="en-US" altLang="zh-CN" dirty="0"/>
+              <a:t>Return</a:t>
+            </a:r>
+            <a:r>
+              <a:rPr lang="zh-CN" altLang="en-US" dirty="0"/>
+              <a:t> </a:t>
+            </a:r>
+            <a:r>
+              <a:rPr lang="en-US" altLang="zh-CN" dirty="0"/>
+              <a:t>values</a:t>
+            </a:r>
+            <a:r>
+              <a:rPr lang="zh-CN" altLang="en-US" dirty="0"/>
+              <a:t> </a:t>
+            </a:r>
+            <a:r>
+              <a:rPr lang="en-US" altLang="zh-CN" dirty="0"/>
+              <a:t>are</a:t>
+            </a:r>
+            <a:r>
+              <a:rPr lang="zh-CN" altLang="en-US" dirty="0"/>
+              <a:t> </a:t>
+            </a:r>
+            <a:r>
+              <a:rPr lang="en-US" altLang="zh-CN" dirty="0"/>
+              <a:t>passed</a:t>
+            </a:r>
+            <a:r>
+              <a:rPr lang="zh-CN" altLang="en-US" dirty="0"/>
+              <a:t> </a:t>
+            </a:r>
+            <a:r>
+              <a:rPr lang="en-US" altLang="zh-CN" dirty="0"/>
+              <a:t>in</a:t>
+            </a:r>
+            <a:r>
+              <a:rPr lang="zh-CN" altLang="en-US" dirty="0"/>
+              <a:t> </a:t>
+            </a:r>
+            <a:r>
+              <a:rPr lang="en-US" altLang="zh-CN" dirty="0"/>
+              <a:t>one</a:t>
+            </a:r>
+            <a:r>
+              <a:rPr lang="zh-CN" altLang="en-US" dirty="0"/>
+              <a:t> </a:t>
+            </a:r>
+            <a:r>
+              <a:rPr lang="en-US" altLang="zh-CN" dirty="0"/>
+              <a:t>of</a:t>
+            </a:r>
+            <a:r>
+              <a:rPr lang="zh-CN" altLang="en-US" dirty="0"/>
+              <a:t> </a:t>
+            </a:r>
+            <a:r>
+              <a:rPr lang="en-US" altLang="zh-CN" dirty="0"/>
+              <a:t>the</a:t>
+            </a:r>
+            <a:r>
+              <a:rPr lang="zh-CN" altLang="en-US" dirty="0"/>
+              <a:t> </a:t>
+            </a:r>
+            <a:r>
+              <a:rPr lang="en-US" altLang="zh-CN" dirty="0"/>
+              <a:t>registers</a:t>
+            </a:r>
+            <a:endParaRPr lang="en-US" dirty="0"/>
+          </a:p>
+          <a:p>
+            <a:pPr lvl="1"/>
+            <a:r>
+              <a:rPr lang="en-US" altLang="zh-CN" dirty="0"/>
+              <a:t>Integer</a:t>
+            </a:r>
+            <a:r>
+              <a:rPr lang="zh-CN" altLang="en-US" dirty="0"/>
+              <a:t> </a:t>
+            </a:r>
+            <a:r>
+              <a:rPr lang="en-US" altLang="zh-CN" dirty="0"/>
+              <a:t>return</a:t>
+            </a:r>
+            <a:r>
+              <a:rPr lang="zh-CN" altLang="en-US" dirty="0"/>
+              <a:t> </a:t>
+            </a:r>
+            <a:r>
+              <a:rPr lang="en-US" altLang="zh-CN" dirty="0"/>
+              <a:t>values,</a:t>
+            </a:r>
+            <a:r>
+              <a:rPr lang="zh-CN" altLang="en-US" dirty="0"/>
+              <a:t> </a:t>
+            </a:r>
+            <a:r>
+              <a:rPr lang="en-US" altLang="zh-CN" dirty="0"/>
+              <a:t>use</a:t>
+            </a:r>
+            <a:r>
+              <a:rPr lang="zh-CN" altLang="en-US" dirty="0"/>
+              <a:t> </a:t>
+            </a:r>
+            <a:r>
+              <a:rPr lang="en-US" altLang="zh-CN" dirty="0"/>
+              <a:t>EAX</a:t>
+            </a:r>
+            <a:r>
+              <a:rPr lang="zh-CN" altLang="en-US" dirty="0"/>
+              <a:t> </a:t>
+            </a:r>
+            <a:r>
+              <a:rPr lang="en-US" altLang="zh-CN" dirty="0"/>
+              <a:t>for</a:t>
+            </a:r>
+            <a:r>
+              <a:rPr lang="zh-CN" altLang="en-US" dirty="0"/>
+              <a:t> </a:t>
+            </a:r>
+            <a:r>
+              <a:rPr lang="en-US" altLang="zh-CN" dirty="0"/>
+              <a:t>32-bit</a:t>
+            </a:r>
+            <a:r>
+              <a:rPr lang="zh-CN" altLang="en-US" dirty="0"/>
+              <a:t> </a:t>
+            </a:r>
+            <a:r>
+              <a:rPr lang="en-US" altLang="zh-CN" dirty="0"/>
+              <a:t>arch</a:t>
+            </a:r>
+          </a:p>
+          <a:p>
+            <a:r>
+              <a:rPr lang="en-US" altLang="zh-CN" dirty="0"/>
+              <a:t>B:</a:t>
+            </a:r>
+            <a:r>
+              <a:rPr lang="zh-CN" altLang="en-US" dirty="0"/>
+              <a:t> </a:t>
+            </a:r>
+            <a:r>
+              <a:rPr lang="en-US" altLang="zh-CN" dirty="0"/>
+              <a:t>PCB</a:t>
+            </a:r>
+            <a:r>
+              <a:rPr lang="zh-CN" altLang="en-US" dirty="0"/>
+              <a:t> </a:t>
+            </a:r>
+            <a:r>
+              <a:rPr lang="en-US" altLang="zh-CN" dirty="0"/>
+              <a:t>stores</a:t>
+            </a:r>
+            <a:r>
+              <a:rPr lang="zh-CN" altLang="en-US" dirty="0"/>
+              <a:t> </a:t>
+            </a:r>
+            <a:r>
+              <a:rPr lang="en-US" altLang="zh-CN" dirty="0"/>
+              <a:t>values</a:t>
+            </a:r>
+            <a:r>
+              <a:rPr lang="zh-CN" altLang="en-US" dirty="0"/>
+              <a:t> </a:t>
+            </a:r>
+            <a:r>
+              <a:rPr lang="en-US" altLang="zh-CN" dirty="0"/>
+              <a:t>of</a:t>
+            </a:r>
+            <a:r>
+              <a:rPr lang="zh-CN" altLang="en-US" dirty="0"/>
+              <a:t> </a:t>
+            </a:r>
+            <a:r>
+              <a:rPr lang="en-US" altLang="zh-CN" dirty="0"/>
+              <a:t>all</a:t>
+            </a:r>
+            <a:r>
+              <a:rPr lang="zh-CN" altLang="en-US" dirty="0"/>
+              <a:t> </a:t>
+            </a:r>
+            <a:r>
+              <a:rPr lang="en-US" altLang="zh-CN" dirty="0"/>
+              <a:t>registers</a:t>
+            </a:r>
+          </a:p>
+          <a:p>
+            <a:r>
+              <a:rPr lang="en-US" altLang="zh-CN" dirty="0"/>
+              <a:t>Thus,</a:t>
+            </a:r>
+            <a:r>
+              <a:rPr lang="zh-CN" altLang="en-US" dirty="0"/>
+              <a:t> </a:t>
+            </a:r>
+            <a:r>
+              <a:rPr lang="en-US" altLang="zh-CN" dirty="0"/>
+              <a:t>can</a:t>
+            </a:r>
+            <a:r>
+              <a:rPr lang="zh-CN" altLang="en-US" dirty="0"/>
+              <a:t> </a:t>
+            </a:r>
+            <a:r>
+              <a:rPr lang="en-US" altLang="zh-CN" dirty="0"/>
+              <a:t>do</a:t>
+            </a:r>
+            <a:r>
+              <a:rPr lang="zh-CN" altLang="en-US" dirty="0"/>
+              <a:t> </a:t>
+            </a:r>
+            <a:r>
+              <a:rPr lang="en-US" altLang="zh-CN" dirty="0"/>
+              <a:t>the</a:t>
+            </a:r>
+            <a:r>
+              <a:rPr lang="zh-CN" altLang="en-US" dirty="0"/>
+              <a:t> </a:t>
+            </a:r>
+            <a:r>
+              <a:rPr lang="en-US" altLang="zh-CN" dirty="0"/>
+              <a:t>following</a:t>
+            </a:r>
+            <a:r>
+              <a:rPr lang="zh-CN" altLang="en-US" dirty="0"/>
+              <a:t> </a:t>
+            </a:r>
+            <a:r>
+              <a:rPr lang="en-US" altLang="zh-CN" dirty="0"/>
+              <a:t>in</a:t>
+            </a:r>
+            <a:r>
+              <a:rPr lang="zh-CN" altLang="en-US" dirty="0"/>
+              <a:t> </a:t>
+            </a:r>
+            <a:r>
+              <a:rPr lang="en-US" altLang="zh-CN" dirty="0"/>
+              <a:t>fork:</a:t>
+            </a:r>
+          </a:p>
+        </p:txBody>
+      </p:sp>
+      <p:sp>
+        <p:nvSpPr>
+          <p:cNvPr id="9" name="TextBox 8">
+            <a:extLst>
+              <a:ext uri="{FF2B5EF4-FFF2-40B4-BE49-F238E27FC236}">
+                <a16:creationId xmlns:a16="http://schemas.microsoft.com/office/drawing/2014/main" id="{B2C3307E-6403-3C0F-8023-28BF6657C253}"/>
+              </a:ext>
+            </a:extLst>
+          </p:cNvPr>
+          <p:cNvSpPr txBox="1"/>
+          <p:nvPr/>
+        </p:nvSpPr>
+        <p:spPr>
+          <a:xfrm>
+            <a:off x="898525" y="4288591"/>
+            <a:ext cx="7346950" cy="646331"/>
+          </a:xfrm>
+          <a:prstGeom prst="rect">
+            <a:avLst/>
+          </a:prstGeom>
+          <a:noFill/>
+        </p:spPr>
+        <p:txBody>
+          <a:bodyPr wrap="square">
+            <a:spAutoFit/>
+          </a:bodyPr>
+          <a:lstStyle/>
           <a:p>
             <a:pPr lvl="1">
               <a:buFont typeface="ZapfDingbats" pitchFamily="82" charset="2"/>
               <a:buNone/>
             </a:pPr>
             <a:r>
-              <a:rPr lang="en-US" sz="1800" b="1">
-                <a:solidFill>
-                  <a:srgbClr val="FF9900"/>
-                </a:solidFill>
+              <a:rPr lang="en-US" altLang="zh-CN" b="1" dirty="0">
                 <a:latin typeface="Courier New" pitchFamily="-109" charset="0"/>
               </a:rPr>
-              <a:t>int exec(char *prog, char *argv[])</a:t>
-            </a:r>
-          </a:p>
-          <a:p>
-            <a:r>
-              <a:rPr lang="en-US"/>
-              <a:t>exec()</a:t>
+              <a:t>c</a:t>
+            </a:r>
+            <a:r>
+              <a:rPr lang="en-US" altLang="zh-CN" sz="1800" b="1" dirty="0">
+                <a:latin typeface="Courier New" pitchFamily="-109" charset="0"/>
+              </a:rPr>
+              <a:t>hild</a:t>
+            </a:r>
+            <a:r>
+              <a:rPr lang="en-US" altLang="zh-CN" b="1" dirty="0">
+                <a:latin typeface="Courier New" pitchFamily="-109" charset="0"/>
+              </a:rPr>
+              <a:t>-&gt;PCB[</a:t>
+            </a:r>
+            <a:r>
+              <a:rPr lang="en-US" altLang="zh-CN" b="1" dirty="0" err="1">
+                <a:latin typeface="Courier New" pitchFamily="-109" charset="0"/>
+              </a:rPr>
+              <a:t>return_value_register</a:t>
+            </a:r>
+            <a:r>
+              <a:rPr lang="en-US" altLang="zh-CN" b="1" dirty="0">
+                <a:latin typeface="Courier New" pitchFamily="-109" charset="0"/>
+              </a:rPr>
+              <a:t>]</a:t>
+            </a:r>
+            <a:r>
+              <a:rPr lang="zh-CN" altLang="en-US" b="1" dirty="0">
+                <a:latin typeface="Courier New" pitchFamily="-109" charset="0"/>
+              </a:rPr>
+              <a:t> </a:t>
+            </a:r>
+            <a:r>
+              <a:rPr lang="en-US" altLang="zh-CN" b="1" dirty="0">
+                <a:latin typeface="Courier New" pitchFamily="-109" charset="0"/>
+              </a:rPr>
+              <a:t>=</a:t>
+            </a:r>
+            <a:r>
+              <a:rPr lang="zh-CN" altLang="en-US" b="1" dirty="0">
+                <a:latin typeface="Courier New" pitchFamily="-109" charset="0"/>
+              </a:rPr>
+              <a:t> </a:t>
+            </a:r>
+            <a:r>
+              <a:rPr lang="en-US" altLang="zh-CN" b="1" dirty="0">
+                <a:latin typeface="Courier New" pitchFamily="-109" charset="0"/>
+              </a:rPr>
+              <a:t>0;</a:t>
             </a:r>
           </a:p>
           <a:p>
             <a:pPr lvl="1"/>
             <a:r>
-              <a:rPr lang="en-US"/>
-              <a:t>Stops the current process</a:t>
-            </a:r>
-          </a:p>
-          <a:p>
-            <a:pPr lvl="1"/>
-            <a:r>
-              <a:rPr lang="en-US"/>
-              <a:t>Loads the program “prog” into the process’ address space</a:t>
-            </a:r>
-          </a:p>
-          <a:p>
-            <a:pPr lvl="1"/>
-            <a:r>
-              <a:rPr lang="en-US"/>
-              <a:t>Initializes hardware context and args for the new program</a:t>
-            </a:r>
-          </a:p>
-          <a:p>
-            <a:pPr lvl="1"/>
-            <a:r>
-              <a:rPr lang="en-US"/>
-              <a:t>Places the PCB onto the ready queue</a:t>
-            </a:r>
-          </a:p>
-          <a:p>
-            <a:pPr lvl="1"/>
-            <a:r>
-              <a:rPr lang="en-US">
-                <a:solidFill>
-                  <a:srgbClr val="FF0000"/>
-                </a:solidFill>
+              <a:rPr lang="en-US" altLang="zh-CN" b="1" dirty="0">
+                <a:latin typeface="Courier New" pitchFamily="-109" charset="0"/>
               </a:rPr>
-              <a:t>Note: It </a:t>
-            </a:r>
-            <a:r>
-              <a:rPr lang="en-US" b="1">
-                <a:solidFill>
-                  <a:srgbClr val="FF0000"/>
-                </a:solidFill>
+              <a:t>parent-&gt;PCB[</a:t>
+            </a:r>
+            <a:r>
+              <a:rPr lang="en-US" altLang="zh-CN" b="1" dirty="0" err="1">
+                <a:latin typeface="Courier New" pitchFamily="-109" charset="0"/>
               </a:rPr>
-              <a:t>does not</a:t>
-            </a:r>
-            <a:r>
-              <a:rPr lang="en-US">
-                <a:solidFill>
-                  <a:srgbClr val="FF0000"/>
-                </a:solidFill>
+              <a:t>return_value_register</a:t>
+            </a:r>
+            <a:r>
+              <a:rPr lang="en-US" altLang="zh-CN" b="1" dirty="0">
+                <a:latin typeface="Courier New" pitchFamily="-109" charset="0"/>
               </a:rPr>
-              <a:t> create a new process</a:t>
-            </a:r>
-          </a:p>
-          <a:p>
-            <a:r>
-              <a:rPr lang="en-US">
-                <a:solidFill>
-                  <a:srgbClr val="D60093"/>
-                </a:solidFill>
+              <a:t>]</a:t>
+            </a:r>
+            <a:r>
+              <a:rPr lang="zh-CN" altLang="en-US" b="1" dirty="0">
+                <a:latin typeface="Courier New" pitchFamily="-109" charset="0"/>
               </a:rPr>
-              <a:t>What does it mean for exec to return?</a:t>
-            </a:r>
-          </a:p>
-          <a:p>
-            <a:r>
-              <a:rPr lang="en-US">
-                <a:solidFill>
-                  <a:srgbClr val="D60093"/>
-                </a:solidFill>
+              <a:t> </a:t>
+            </a:r>
+            <a:r>
+              <a:rPr lang="en-US" altLang="zh-CN" b="1" dirty="0">
+                <a:latin typeface="Courier New" pitchFamily="-109" charset="0"/>
               </a:rPr>
-              <a:t>What does it mean for exec to return with an error?</a:t>
-            </a:r>
+              <a:t>=</a:t>
+            </a:r>
+            <a:r>
+              <a:rPr lang="zh-CN" altLang="en-US" b="1" dirty="0">
+                <a:latin typeface="Courier New" pitchFamily="-109" charset="0"/>
+              </a:rPr>
+              <a:t> </a:t>
+            </a:r>
+            <a:r>
+              <a:rPr lang="en-US" altLang="zh-CN" b="1" dirty="0" err="1">
+                <a:latin typeface="Courier New" pitchFamily="-109" charset="0"/>
+              </a:rPr>
+              <a:t>child_pid</a:t>
+            </a:r>
+            <a:r>
+              <a:rPr lang="en-US" altLang="zh-CN" b="1" dirty="0">
+                <a:latin typeface="Courier New" pitchFamily="-109" charset="0"/>
+              </a:rPr>
+              <a:t>;</a:t>
+            </a:r>
+            <a:endParaRPr lang="en-US" sz="1800" b="1" dirty="0">
+              <a:latin typeface="Courier New" pitchFamily="-109" charset="0"/>
+            </a:endParaRPr>
+          </a:p>
+        </p:txBody>
+      </p:sp>
+      <p:sp>
+        <p:nvSpPr>
+          <p:cNvPr id="11" name="TextBox 10">
+            <a:extLst>
+              <a:ext uri="{FF2B5EF4-FFF2-40B4-BE49-F238E27FC236}">
+                <a16:creationId xmlns:a16="http://schemas.microsoft.com/office/drawing/2014/main" id="{6E5C8D57-A3EA-C0DD-739A-3D481F8B1025}"/>
+              </a:ext>
+            </a:extLst>
+          </p:cNvPr>
+          <p:cNvSpPr txBox="1"/>
+          <p:nvPr/>
+        </p:nvSpPr>
+        <p:spPr>
+          <a:xfrm>
+            <a:off x="1100275" y="5556984"/>
+            <a:ext cx="6943449" cy="646331"/>
+          </a:xfrm>
+          <a:prstGeom prst="rect">
+            <a:avLst/>
+          </a:prstGeom>
+          <a:noFill/>
+        </p:spPr>
+        <p:txBody>
+          <a:bodyPr wrap="square">
+            <a:spAutoFit/>
+          </a:bodyPr>
+          <a:lstStyle/>
+          <a:p>
+            <a:r>
+              <a:rPr lang="en-US" dirty="0">
+                <a:hlinkClick r:id="rId2"/>
+              </a:rPr>
+              <a:t>https://stackoverflow.com/questions/8857830/fork-implementation</a:t>
+            </a:r>
+            <a:endParaRPr lang="en-US" dirty="0"/>
+          </a:p>
+          <a:p>
+            <a:r>
+              <a:rPr lang="en-US" dirty="0">
+                <a:hlinkClick r:id="rId3"/>
+              </a:rPr>
+              <a:t>https://en.wikipedia.org/wiki/X86_calling_conventions</a:t>
+            </a:r>
+            <a:endParaRPr lang="en-US" dirty="0"/>
           </a:p>
         </p:txBody>
       </p:sp>
     </p:spTree>
+    <p:extLst>
+      <p:ext uri="{BB962C8B-B14F-4D97-AF65-F5344CB8AC3E}">
+        <p14:creationId xmlns:p14="http://schemas.microsoft.com/office/powerpoint/2010/main" val="2410998792"/>
+      </p:ext>
+    </p:extLst>
   </p:cSld>
   <p:clrMapOvr>
     <a:masterClrMapping/>
@@ -23628,7 +24371,7 @@
       </p:grpSpPr>
       <p:sp>
         <p:nvSpPr>
-          <p:cNvPr id="29699" name="Footer Placeholder 4"/>
+          <p:cNvPr id="28675" name="Footer Placeholder 4"/>
           <p:cNvSpPr>
             <a:spLocks noGrp="1"/>
           </p:cNvSpPr>
@@ -23655,7 +24398,7 @@
       </p:sp>
       <p:sp>
         <p:nvSpPr>
-          <p:cNvPr id="29700" name="Slide Number Placeholder 5"/>
+          <p:cNvPr id="28676" name="Slide Number Placeholder 5"/>
           <p:cNvSpPr>
             <a:spLocks noGrp="1"/>
           </p:cNvSpPr>
@@ -23670,10 +24413,233 @@
           <a:bodyPr/>
           <a:lstStyle/>
           <a:p>
+            <a:fld id="{FABDCC7B-C98A-5140-AC89-7EEAE7675E1F}" type="slidenum">
+              <a:rPr lang="en-US"/>
+              <a:pPr/>
+              <a:t>38</a:t>
+            </a:fld>
+            <a:endParaRPr lang="en-US"/>
+          </a:p>
+        </p:txBody>
+      </p:sp>
+      <p:sp>
+        <p:nvSpPr>
+          <p:cNvPr id="301058" name="Rectangle 2"/>
+          <p:cNvSpPr>
+            <a:spLocks noGrp="1" noChangeArrowheads="1"/>
+          </p:cNvSpPr>
+          <p:nvPr>
+            <p:ph type="title"/>
+          </p:nvPr>
+        </p:nvSpPr>
+        <p:spPr/>
+        <p:txBody>
+          <a:bodyPr/>
+          <a:lstStyle/>
+          <a:p>
+            <a:pPr>
+              <a:defRPr/>
+            </a:pPr>
+            <a:r>
+              <a:rPr lang="en-US"/>
+              <a:t>Process Creation: Unix (2)</a:t>
+            </a:r>
+          </a:p>
+        </p:txBody>
+      </p:sp>
+      <p:sp>
+        <p:nvSpPr>
+          <p:cNvPr id="28678" name="Rectangle 3"/>
+          <p:cNvSpPr>
+            <a:spLocks noGrp="1" noChangeArrowheads="1"/>
+          </p:cNvSpPr>
+          <p:nvPr>
+            <p:ph type="body" idx="1"/>
+          </p:nvPr>
+        </p:nvSpPr>
+        <p:spPr/>
+        <p:txBody>
+          <a:bodyPr>
+            <a:normAutofit fontScale="92500" lnSpcReduction="20000"/>
+          </a:bodyPr>
+          <a:lstStyle/>
+          <a:p>
+            <a:r>
+              <a:rPr lang="en-US"/>
+              <a:t>Wait a second.  How do we actually start a new program?</a:t>
+            </a:r>
+          </a:p>
+          <a:p>
+            <a:pPr lvl="1">
+              <a:buFont typeface="ZapfDingbats" pitchFamily="82" charset="2"/>
+              <a:buNone/>
+            </a:pPr>
+            <a:r>
+              <a:rPr lang="en-US" sz="1800" b="1">
+                <a:solidFill>
+                  <a:srgbClr val="FF9900"/>
+                </a:solidFill>
+                <a:latin typeface="Courier New" pitchFamily="-109" charset="0"/>
+              </a:rPr>
+              <a:t>int exec(char *prog, char *argv[])</a:t>
+            </a:r>
+          </a:p>
+          <a:p>
+            <a:r>
+              <a:rPr lang="en-US"/>
+              <a:t>exec()</a:t>
+            </a:r>
+          </a:p>
+          <a:p>
+            <a:pPr lvl="1"/>
+            <a:r>
+              <a:rPr lang="en-US"/>
+              <a:t>Stops the current process</a:t>
+            </a:r>
+          </a:p>
+          <a:p>
+            <a:pPr lvl="1"/>
+            <a:r>
+              <a:rPr lang="en-US"/>
+              <a:t>Loads the program “prog” into the process’ address space</a:t>
+            </a:r>
+          </a:p>
+          <a:p>
+            <a:pPr lvl="1"/>
+            <a:r>
+              <a:rPr lang="en-US"/>
+              <a:t>Initializes hardware context and args for the new program</a:t>
+            </a:r>
+          </a:p>
+          <a:p>
+            <a:pPr lvl="1"/>
+            <a:r>
+              <a:rPr lang="en-US"/>
+              <a:t>Places the PCB onto the ready queue</a:t>
+            </a:r>
+          </a:p>
+          <a:p>
+            <a:pPr lvl="1"/>
+            <a:r>
+              <a:rPr lang="en-US">
+                <a:solidFill>
+                  <a:srgbClr val="FF0000"/>
+                </a:solidFill>
+              </a:rPr>
+              <a:t>Note: It </a:t>
+            </a:r>
+            <a:r>
+              <a:rPr lang="en-US" b="1">
+                <a:solidFill>
+                  <a:srgbClr val="FF0000"/>
+                </a:solidFill>
+              </a:rPr>
+              <a:t>does not</a:t>
+            </a:r>
+            <a:r>
+              <a:rPr lang="en-US">
+                <a:solidFill>
+                  <a:srgbClr val="FF0000"/>
+                </a:solidFill>
+              </a:rPr>
+              <a:t> create a new process</a:t>
+            </a:r>
+          </a:p>
+          <a:p>
+            <a:r>
+              <a:rPr lang="en-US">
+                <a:solidFill>
+                  <a:srgbClr val="D60093"/>
+                </a:solidFill>
+              </a:rPr>
+              <a:t>What does it mean for exec to return?</a:t>
+            </a:r>
+          </a:p>
+          <a:p>
+            <a:r>
+              <a:rPr lang="en-US">
+                <a:solidFill>
+                  <a:srgbClr val="D60093"/>
+                </a:solidFill>
+              </a:rPr>
+              <a:t>What does it mean for exec to return with an error?</a:t>
+            </a:r>
+          </a:p>
+        </p:txBody>
+      </p:sp>
+    </p:spTree>
+  </p:cSld>
+  <p:clrMapOvr>
+    <a:masterClrMapping/>
+  </p:clrMapOvr>
+</p:sld>
+</file>
+
+<file path=ppt/slides/slide39.xml><?xml version="1.0" encoding="utf-8"?>
+<p:sld xmlns:a="http://schemas.openxmlformats.org/drawingml/2006/main" xmlns:r="http://schemas.openxmlformats.org/officeDocument/2006/relationships" xmlns:p="http://schemas.openxmlformats.org/presentationml/2006/main">
+  <p:cSld>
+    <p:spTree>
+      <p:nvGrpSpPr>
+        <p:cNvPr id="1" name=""/>
+        <p:cNvGrpSpPr/>
+        <p:nvPr/>
+      </p:nvGrpSpPr>
+      <p:grpSpPr>
+        <a:xfrm>
+          <a:off x="0" y="0"/>
+          <a:ext cx="0" cy="0"/>
+          <a:chOff x="0" y="0"/>
+          <a:chExt cx="0" cy="0"/>
+        </a:xfrm>
+      </p:grpSpPr>
+      <p:sp>
+        <p:nvSpPr>
+          <p:cNvPr id="29699" name="Footer Placeholder 4"/>
+          <p:cNvSpPr>
+            <a:spLocks noGrp="1"/>
+          </p:cNvSpPr>
+          <p:nvPr>
+            <p:ph type="ftr" sz="quarter" idx="11"/>
+          </p:nvPr>
+        </p:nvSpPr>
+        <p:spPr>
+          <a:noFill/>
+        </p:spPr>
+        <p:txBody>
+          <a:bodyPr/>
+          <a:lstStyle/>
+          <a:p>
+            <a:r>
+              <a:rPr lang="en-US"/>
+              <a:t>CSCI3150 Intro to Operating Systems</a:t>
+            </a:r>
+            <a:endParaRPr lang="en-US" sz="1400" b="0">
+              <a:latin typeface="Times New Roman" pitchFamily="-109" charset="0"/>
+            </a:endParaRPr>
+          </a:p>
+        </p:txBody>
+      </p:sp>
+      <p:sp>
+        <p:nvSpPr>
+          <p:cNvPr id="29700" name="Slide Number Placeholder 5"/>
+          <p:cNvSpPr>
+            <a:spLocks noGrp="1"/>
+          </p:cNvSpPr>
+          <p:nvPr>
+            <p:ph type="sldNum" sz="quarter" idx="12"/>
+          </p:nvPr>
+        </p:nvSpPr>
+        <p:spPr>
+          <a:noFill/>
+        </p:spPr>
+        <p:txBody>
+          <a:bodyPr/>
+          <a:lstStyle/>
+          <a:p>
             <a:fld id="{F68FC2ED-F46B-1641-8CCF-E092E192475D}" type="slidenum">
               <a:rPr lang="en-US"/>
               <a:pPr/>
-              <a:t>38</a:t>
+              <a:t>39</a:t>
             </a:fld>
             <a:endParaRPr lang="en-US"/>
           </a:p>
@@ -23848,7 +24814,7 @@
 </p:sld>
 </file>
 
-<file path=ppt/slides/slide39.xml><?xml version="1.0" encoding="utf-8"?>
+<file path=ppt/slides/slide4.xml><?xml version="1.0" encoding="utf-8"?>
 <p:sld xmlns:a="http://schemas.openxmlformats.org/drawingml/2006/main" xmlns:r="http://schemas.openxmlformats.org/officeDocument/2006/relationships" xmlns:p="http://schemas.openxmlformats.org/presentationml/2006/main">
   <p:cSld>
     <p:spTree>
@@ -23867,6 +24833,296 @@
       </p:grpSpPr>
       <p:sp>
         <p:nvSpPr>
+          <p:cNvPr id="5123" name="Footer Placeholder 4"/>
+          <p:cNvSpPr>
+            <a:spLocks noGrp="1"/>
+          </p:cNvSpPr>
+          <p:nvPr>
+            <p:ph type="ftr" sz="quarter" idx="11"/>
+          </p:nvPr>
+        </p:nvSpPr>
+        <p:spPr>
+          <a:noFill/>
+        </p:spPr>
+        <p:txBody>
+          <a:bodyPr/>
+          <a:lstStyle/>
+          <a:p>
+            <a:r>
+              <a:rPr lang="en-US"/>
+              <a:t>CSCI3150 Intro to Operating Systems</a:t>
+            </a:r>
+            <a:endParaRPr lang="en-US" sz="1400" b="0">
+              <a:latin typeface="Times New Roman" pitchFamily="-109" charset="0"/>
+            </a:endParaRPr>
+          </a:p>
+        </p:txBody>
+      </p:sp>
+      <p:sp>
+        <p:nvSpPr>
+          <p:cNvPr id="5124" name="Slide Number Placeholder 5"/>
+          <p:cNvSpPr>
+            <a:spLocks noGrp="1"/>
+          </p:cNvSpPr>
+          <p:nvPr>
+            <p:ph type="sldNum" sz="quarter" idx="12"/>
+          </p:nvPr>
+        </p:nvSpPr>
+        <p:spPr>
+          <a:noFill/>
+        </p:spPr>
+        <p:txBody>
+          <a:bodyPr/>
+          <a:lstStyle/>
+          <a:p>
+            <a:fld id="{6CE01EB9-068E-1448-B32B-65DEBAA6F282}" type="slidenum">
+              <a:rPr lang="en-US"/>
+              <a:pPr/>
+              <a:t>4</a:t>
+            </a:fld>
+            <a:endParaRPr lang="en-US"/>
+          </a:p>
+        </p:txBody>
+      </p:sp>
+      <p:sp>
+        <p:nvSpPr>
+          <p:cNvPr id="285698" name="Rectangle 2"/>
+          <p:cNvSpPr>
+            <a:spLocks noGrp="1" noChangeArrowheads="1"/>
+          </p:cNvSpPr>
+          <p:nvPr>
+            <p:ph type="title"/>
+          </p:nvPr>
+        </p:nvSpPr>
+        <p:spPr/>
+        <p:txBody>
+          <a:bodyPr/>
+          <a:lstStyle/>
+          <a:p>
+            <a:pPr>
+              <a:defRPr/>
+            </a:pPr>
+            <a:r>
+              <a:rPr lang="en-US"/>
+              <a:t>The Process</a:t>
+            </a:r>
+          </a:p>
+        </p:txBody>
+      </p:sp>
+      <p:sp>
+        <p:nvSpPr>
+          <p:cNvPr id="5126" name="Rectangle 3"/>
+          <p:cNvSpPr>
+            <a:spLocks noGrp="1" noChangeArrowheads="1"/>
+          </p:cNvSpPr>
+          <p:nvPr>
+            <p:ph type="body" idx="1"/>
+          </p:nvPr>
+        </p:nvSpPr>
+        <p:spPr>
+          <a:xfrm>
+            <a:off x="544012" y="1765631"/>
+            <a:ext cx="7954582" cy="4300034"/>
+          </a:xfrm>
+        </p:spPr>
+        <p:txBody>
+          <a:bodyPr>
+            <a:normAutofit/>
+          </a:bodyPr>
+          <a:lstStyle/>
+          <a:p>
+            <a:r>
+              <a:rPr lang="en-US" dirty="0"/>
+              <a:t>The process is the OS</a:t>
+            </a:r>
+            <a:r>
+              <a:rPr lang="en-US" altLang="zh-CN" dirty="0"/>
+              <a:t>’s</a:t>
+            </a:r>
+            <a:r>
+              <a:rPr lang="en-US" dirty="0"/>
+              <a:t> </a:t>
+            </a:r>
+            <a:r>
+              <a:rPr lang="en-US" dirty="0">
+                <a:solidFill>
+                  <a:srgbClr val="FF3300"/>
+                </a:solidFill>
+              </a:rPr>
+              <a:t>abstraction for execution</a:t>
+            </a:r>
+          </a:p>
+          <a:p>
+            <a:pPr lvl="1"/>
+            <a:r>
+              <a:rPr lang="en-US" dirty="0"/>
+              <a:t>It is the unit of execution</a:t>
+            </a:r>
+          </a:p>
+          <a:p>
+            <a:pPr lvl="1"/>
+            <a:r>
+              <a:rPr lang="en-US" dirty="0"/>
+              <a:t>It is the unit of scheduling</a:t>
+            </a:r>
+          </a:p>
+          <a:p>
+            <a:pPr lvl="1"/>
+            <a:r>
+              <a:rPr lang="en-US" dirty="0"/>
+              <a:t>It is the </a:t>
+            </a:r>
+            <a:r>
+              <a:rPr lang="en-US" sz="2800" dirty="0">
+                <a:solidFill>
+                  <a:srgbClr val="FF0000"/>
+                </a:solidFill>
+              </a:rPr>
+              <a:t>dynamic </a:t>
+            </a:r>
+            <a:r>
+              <a:rPr lang="en-US" dirty="0">
+                <a:solidFill>
+                  <a:srgbClr val="FF0000"/>
+                </a:solidFill>
+              </a:rPr>
+              <a:t>execution context </a:t>
+            </a:r>
+            <a:r>
+              <a:rPr lang="en-US" dirty="0"/>
+              <a:t>of a program</a:t>
+            </a:r>
+            <a:r>
+              <a:rPr lang="en-US" altLang="zh-CN" dirty="0"/>
+              <a:t>,</a:t>
+            </a:r>
+            <a:r>
+              <a:rPr lang="zh-CN" altLang="en-US" dirty="0"/>
+              <a:t> </a:t>
+            </a:r>
+            <a:r>
+              <a:rPr lang="en-US" altLang="zh-CN" dirty="0"/>
+              <a:t>a</a:t>
+            </a:r>
+            <a:r>
+              <a:rPr lang="zh-CN" altLang="en-US" dirty="0"/>
+              <a:t> </a:t>
+            </a:r>
+            <a:r>
+              <a:rPr lang="en-US" altLang="zh-CN" dirty="0"/>
+              <a:t>concrete</a:t>
+            </a:r>
+            <a:r>
+              <a:rPr lang="zh-CN" altLang="en-US" dirty="0"/>
+              <a:t> </a:t>
+            </a:r>
+            <a:r>
+              <a:rPr lang="en-US" altLang="zh-CN" dirty="0">
+                <a:solidFill>
+                  <a:srgbClr val="FF0000"/>
+                </a:solidFill>
+              </a:rPr>
+              <a:t>instantiation</a:t>
+            </a:r>
+            <a:r>
+              <a:rPr lang="zh-CN" altLang="en-US" dirty="0"/>
+              <a:t> </a:t>
+            </a:r>
+            <a:r>
+              <a:rPr lang="en-US" altLang="zh-CN" dirty="0"/>
+              <a:t>of</a:t>
+            </a:r>
+            <a:r>
+              <a:rPr lang="zh-CN" altLang="en-US" dirty="0"/>
+              <a:t> </a:t>
+            </a:r>
+            <a:r>
+              <a:rPr lang="en-US" altLang="zh-CN" dirty="0"/>
+              <a:t>the</a:t>
+            </a:r>
+            <a:r>
+              <a:rPr lang="zh-CN" altLang="en-US" dirty="0"/>
+              <a:t> </a:t>
+            </a:r>
+            <a:r>
+              <a:rPr lang="en-US" altLang="zh-CN" dirty="0"/>
+              <a:t>program</a:t>
+            </a:r>
+            <a:endParaRPr lang="en-US" dirty="0"/>
+          </a:p>
+          <a:p>
+            <a:r>
+              <a:rPr lang="en-US" dirty="0"/>
+              <a:t>A process is sometimes called a </a:t>
+            </a:r>
+            <a:r>
+              <a:rPr lang="en-US" dirty="0">
+                <a:solidFill>
+                  <a:srgbClr val="0000FF"/>
+                </a:solidFill>
+              </a:rPr>
+              <a:t>job</a:t>
+            </a:r>
+            <a:r>
+              <a:rPr lang="en-US" dirty="0"/>
+              <a:t> or a </a:t>
+            </a:r>
+            <a:r>
+              <a:rPr lang="en-US" dirty="0">
+                <a:solidFill>
+                  <a:srgbClr val="0000FF"/>
+                </a:solidFill>
+              </a:rPr>
+              <a:t>task</a:t>
+            </a:r>
+            <a:r>
+              <a:rPr lang="en-US" dirty="0"/>
+              <a:t> or a </a:t>
+            </a:r>
+            <a:r>
+              <a:rPr lang="en-US" dirty="0">
+                <a:solidFill>
+                  <a:srgbClr val="0000FF"/>
+                </a:solidFill>
+              </a:rPr>
+              <a:t>sequential process</a:t>
+            </a:r>
+          </a:p>
+          <a:p>
+            <a:r>
+              <a:rPr lang="en-US" dirty="0"/>
+              <a:t>Real life analogy?</a:t>
+            </a:r>
+          </a:p>
+        </p:txBody>
+      </p:sp>
+    </p:spTree>
+  </p:cSld>
+  <p:clrMapOvr>
+    <a:masterClrMapping/>
+  </p:clrMapOvr>
+</p:sld>
+</file>
+
+<file path=ppt/slides/slide40.xml><?xml version="1.0" encoding="utf-8"?>
+<p:sld xmlns:a="http://schemas.openxmlformats.org/drawingml/2006/main" xmlns:r="http://schemas.openxmlformats.org/officeDocument/2006/relationships" xmlns:p="http://schemas.openxmlformats.org/presentationml/2006/main">
+  <p:cSld>
+    <p:spTree>
+      <p:nvGrpSpPr>
+        <p:cNvPr id="1" name=""/>
+        <p:cNvGrpSpPr/>
+        <p:nvPr/>
+      </p:nvGrpSpPr>
+      <p:grpSpPr>
+        <a:xfrm>
+          <a:off x="0" y="0"/>
+          <a:ext cx="0" cy="0"/>
+          <a:chOff x="0" y="0"/>
+          <a:chExt cx="0" cy="0"/>
+        </a:xfrm>
+      </p:grpSpPr>
+      <p:sp>
+        <p:nvSpPr>
           <p:cNvPr id="2" name="Title 1">
             <a:extLst>
               <a:ext uri="{FF2B5EF4-FFF2-40B4-BE49-F238E27FC236}">
@@ -23967,7 +25223,7 @@
             <a:fld id="{5BCC3F0E-9362-6D47-9781-DB401EE9B6B9}" type="slidenum">
               <a:rPr lang="en-US" smtClean="0"/>
               <a:pPr/>
-              <a:t>39</a:t>
+              <a:t>40</a:t>
             </a:fld>
             <a:endParaRPr lang="en-US"/>
           </a:p>
@@ -24016,7 +25272,7 @@
 </p:sld>
 </file>
 
-<file path=ppt/slides/slide4.xml><?xml version="1.0" encoding="utf-8"?>
+<file path=ppt/slides/slide41.xml><?xml version="1.0" encoding="utf-8"?>
 <p:sld xmlns:a="http://schemas.openxmlformats.org/drawingml/2006/main" xmlns:r="http://schemas.openxmlformats.org/officeDocument/2006/relationships" xmlns:p="http://schemas.openxmlformats.org/presentationml/2006/main">
   <p:cSld>
     <p:spTree>
@@ -24035,296 +25291,6 @@
       </p:grpSpPr>
       <p:sp>
         <p:nvSpPr>
-          <p:cNvPr id="5123" name="Footer Placeholder 4"/>
-          <p:cNvSpPr>
-            <a:spLocks noGrp="1"/>
-          </p:cNvSpPr>
-          <p:nvPr>
-            <p:ph type="ftr" sz="quarter" idx="11"/>
-          </p:nvPr>
-        </p:nvSpPr>
-        <p:spPr>
-          <a:noFill/>
-        </p:spPr>
-        <p:txBody>
-          <a:bodyPr/>
-          <a:lstStyle/>
-          <a:p>
-            <a:r>
-              <a:rPr lang="en-US"/>
-              <a:t>CSCI3150 Intro to Operating Systems</a:t>
-            </a:r>
-            <a:endParaRPr lang="en-US" sz="1400" b="0">
-              <a:latin typeface="Times New Roman" pitchFamily="-109" charset="0"/>
-            </a:endParaRPr>
-          </a:p>
-        </p:txBody>
-      </p:sp>
-      <p:sp>
-        <p:nvSpPr>
-          <p:cNvPr id="5124" name="Slide Number Placeholder 5"/>
-          <p:cNvSpPr>
-            <a:spLocks noGrp="1"/>
-          </p:cNvSpPr>
-          <p:nvPr>
-            <p:ph type="sldNum" sz="quarter" idx="12"/>
-          </p:nvPr>
-        </p:nvSpPr>
-        <p:spPr>
-          <a:noFill/>
-        </p:spPr>
-        <p:txBody>
-          <a:bodyPr/>
-          <a:lstStyle/>
-          <a:p>
-            <a:fld id="{6CE01EB9-068E-1448-B32B-65DEBAA6F282}" type="slidenum">
-              <a:rPr lang="en-US"/>
-              <a:pPr/>
-              <a:t>4</a:t>
-            </a:fld>
-            <a:endParaRPr lang="en-US"/>
-          </a:p>
-        </p:txBody>
-      </p:sp>
-      <p:sp>
-        <p:nvSpPr>
-          <p:cNvPr id="285698" name="Rectangle 2"/>
-          <p:cNvSpPr>
-            <a:spLocks noGrp="1" noChangeArrowheads="1"/>
-          </p:cNvSpPr>
-          <p:nvPr>
-            <p:ph type="title"/>
-          </p:nvPr>
-        </p:nvSpPr>
-        <p:spPr/>
-        <p:txBody>
-          <a:bodyPr/>
-          <a:lstStyle/>
-          <a:p>
-            <a:pPr>
-              <a:defRPr/>
-            </a:pPr>
-            <a:r>
-              <a:rPr lang="en-US"/>
-              <a:t>The Process</a:t>
-            </a:r>
-          </a:p>
-        </p:txBody>
-      </p:sp>
-      <p:sp>
-        <p:nvSpPr>
-          <p:cNvPr id="5126" name="Rectangle 3"/>
-          <p:cNvSpPr>
-            <a:spLocks noGrp="1" noChangeArrowheads="1"/>
-          </p:cNvSpPr>
-          <p:nvPr>
-            <p:ph type="body" idx="1"/>
-          </p:nvPr>
-        </p:nvSpPr>
-        <p:spPr>
-          <a:xfrm>
-            <a:off x="544012" y="1765631"/>
-            <a:ext cx="7954582" cy="4300034"/>
-          </a:xfrm>
-        </p:spPr>
-        <p:txBody>
-          <a:bodyPr>
-            <a:normAutofit/>
-          </a:bodyPr>
-          <a:lstStyle/>
-          <a:p>
-            <a:r>
-              <a:rPr lang="en-US" dirty="0"/>
-              <a:t>The process is the OS</a:t>
-            </a:r>
-            <a:r>
-              <a:rPr lang="en-US" altLang="zh-CN" dirty="0"/>
-              <a:t>’s</a:t>
-            </a:r>
-            <a:r>
-              <a:rPr lang="en-US" dirty="0"/>
-              <a:t> </a:t>
-            </a:r>
-            <a:r>
-              <a:rPr lang="en-US" dirty="0">
-                <a:solidFill>
-                  <a:srgbClr val="FF3300"/>
-                </a:solidFill>
-              </a:rPr>
-              <a:t>abstraction for execution</a:t>
-            </a:r>
-          </a:p>
-          <a:p>
-            <a:pPr lvl="1"/>
-            <a:r>
-              <a:rPr lang="en-US" dirty="0"/>
-              <a:t>It is the unit of execution</a:t>
-            </a:r>
-          </a:p>
-          <a:p>
-            <a:pPr lvl="1"/>
-            <a:r>
-              <a:rPr lang="en-US" dirty="0"/>
-              <a:t>It is the unit of scheduling</a:t>
-            </a:r>
-          </a:p>
-          <a:p>
-            <a:pPr lvl="1"/>
-            <a:r>
-              <a:rPr lang="en-US" dirty="0"/>
-              <a:t>It is the </a:t>
-            </a:r>
-            <a:r>
-              <a:rPr lang="en-US" sz="2800" dirty="0">
-                <a:solidFill>
-                  <a:srgbClr val="FF0000"/>
-                </a:solidFill>
-              </a:rPr>
-              <a:t>dynamic </a:t>
-            </a:r>
-            <a:r>
-              <a:rPr lang="en-US" dirty="0">
-                <a:solidFill>
-                  <a:srgbClr val="FF0000"/>
-                </a:solidFill>
-              </a:rPr>
-              <a:t>execution context </a:t>
-            </a:r>
-            <a:r>
-              <a:rPr lang="en-US" dirty="0"/>
-              <a:t>of a program</a:t>
-            </a:r>
-            <a:r>
-              <a:rPr lang="en-US" altLang="zh-CN" dirty="0"/>
-              <a:t>,</a:t>
-            </a:r>
-            <a:r>
-              <a:rPr lang="zh-CN" altLang="en-US" dirty="0"/>
-              <a:t> </a:t>
-            </a:r>
-            <a:r>
-              <a:rPr lang="en-US" altLang="zh-CN" dirty="0"/>
-              <a:t>a</a:t>
-            </a:r>
-            <a:r>
-              <a:rPr lang="zh-CN" altLang="en-US" dirty="0"/>
-              <a:t> </a:t>
-            </a:r>
-            <a:r>
-              <a:rPr lang="en-US" altLang="zh-CN" dirty="0"/>
-              <a:t>concrete</a:t>
-            </a:r>
-            <a:r>
-              <a:rPr lang="zh-CN" altLang="en-US" dirty="0"/>
-              <a:t> </a:t>
-            </a:r>
-            <a:r>
-              <a:rPr lang="en-US" altLang="zh-CN" dirty="0">
-                <a:solidFill>
-                  <a:srgbClr val="FF0000"/>
-                </a:solidFill>
-              </a:rPr>
-              <a:t>instantiation</a:t>
-            </a:r>
-            <a:r>
-              <a:rPr lang="zh-CN" altLang="en-US" dirty="0"/>
-              <a:t> </a:t>
-            </a:r>
-            <a:r>
-              <a:rPr lang="en-US" altLang="zh-CN" dirty="0"/>
-              <a:t>of</a:t>
-            </a:r>
-            <a:r>
-              <a:rPr lang="zh-CN" altLang="en-US" dirty="0"/>
-              <a:t> </a:t>
-            </a:r>
-            <a:r>
-              <a:rPr lang="en-US" altLang="zh-CN" dirty="0"/>
-              <a:t>the</a:t>
-            </a:r>
-            <a:r>
-              <a:rPr lang="zh-CN" altLang="en-US" dirty="0"/>
-              <a:t> </a:t>
-            </a:r>
-            <a:r>
-              <a:rPr lang="en-US" altLang="zh-CN" dirty="0"/>
-              <a:t>program</a:t>
-            </a:r>
-            <a:endParaRPr lang="en-US" dirty="0"/>
-          </a:p>
-          <a:p>
-            <a:r>
-              <a:rPr lang="en-US" dirty="0"/>
-              <a:t>A process is sometimes called a </a:t>
-            </a:r>
-            <a:r>
-              <a:rPr lang="en-US" dirty="0">
-                <a:solidFill>
-                  <a:srgbClr val="0000FF"/>
-                </a:solidFill>
-              </a:rPr>
-              <a:t>job</a:t>
-            </a:r>
-            <a:r>
-              <a:rPr lang="en-US" dirty="0"/>
-              <a:t> or a </a:t>
-            </a:r>
-            <a:r>
-              <a:rPr lang="en-US" dirty="0">
-                <a:solidFill>
-                  <a:srgbClr val="0000FF"/>
-                </a:solidFill>
-              </a:rPr>
-              <a:t>task</a:t>
-            </a:r>
-            <a:r>
-              <a:rPr lang="en-US" dirty="0"/>
-              <a:t> or a </a:t>
-            </a:r>
-            <a:r>
-              <a:rPr lang="en-US" dirty="0">
-                <a:solidFill>
-                  <a:srgbClr val="0000FF"/>
-                </a:solidFill>
-              </a:rPr>
-              <a:t>sequential process</a:t>
-            </a:r>
-          </a:p>
-          <a:p>
-            <a:r>
-              <a:rPr lang="en-US" dirty="0"/>
-              <a:t>Real life analogy?</a:t>
-            </a:r>
-          </a:p>
-        </p:txBody>
-      </p:sp>
-    </p:spTree>
-  </p:cSld>
-  <p:clrMapOvr>
-    <a:masterClrMapping/>
-  </p:clrMapOvr>
-</p:sld>
-</file>
-
-<file path=ppt/slides/slide40.xml><?xml version="1.0" encoding="utf-8"?>
-<p:sld xmlns:a="http://schemas.openxmlformats.org/drawingml/2006/main" xmlns:r="http://schemas.openxmlformats.org/officeDocument/2006/relationships" xmlns:p="http://schemas.openxmlformats.org/presentationml/2006/main">
-  <p:cSld>
-    <p:spTree>
-      <p:nvGrpSpPr>
-        <p:cNvPr id="1" name=""/>
-        <p:cNvGrpSpPr/>
-        <p:nvPr/>
-      </p:nvGrpSpPr>
-      <p:grpSpPr>
-        <a:xfrm>
-          <a:off x="0" y="0"/>
-          <a:ext cx="0" cy="0"/>
-          <a:chOff x="0" y="0"/>
-          <a:chExt cx="0" cy="0"/>
-        </a:xfrm>
-      </p:grpSpPr>
-      <p:sp>
-        <p:nvSpPr>
           <p:cNvPr id="2" name="Title 1">
             <a:extLst>
               <a:ext uri="{FF2B5EF4-FFF2-40B4-BE49-F238E27FC236}">
@@ -24539,7 +25505,7 @@
             <a:fld id="{5BCC3F0E-9362-6D47-9781-DB401EE9B6B9}" type="slidenum">
               <a:rPr lang="en-US" smtClean="0"/>
               <a:pPr/>
-              <a:t>40</a:t>
+              <a:t>41</a:t>
             </a:fld>
             <a:endParaRPr lang="en-US"/>
           </a:p>
@@ -24588,7 +25554,7 @@
 </p:sld>
 </file>
 
-<file path=ppt/slides/slide41.xml><?xml version="1.0" encoding="utf-8"?>
+<file path=ppt/slides/slide42.xml><?xml version="1.0" encoding="utf-8"?>
 <p:sld xmlns:a="http://schemas.openxmlformats.org/drawingml/2006/main" xmlns:r="http://schemas.openxmlformats.org/officeDocument/2006/relationships" xmlns:p="http://schemas.openxmlformats.org/presentationml/2006/main">
   <p:cSld>
     <p:spTree>
@@ -24652,7 +25618,7 @@
             <a:fld id="{B7F3782D-E067-2A47-8A65-D7FE98325D48}" type="slidenum">
               <a:rPr lang="en-US"/>
               <a:pPr/>
-              <a:t>41</a:t>
+              <a:t>42</a:t>
             </a:fld>
             <a:endParaRPr lang="en-US"/>
           </a:p>
@@ -24798,242 +25764,6 @@
         </p:txBody>
       </p:sp>
     </p:spTree>
-  </p:cSld>
-  <p:clrMapOvr>
-    <a:masterClrMapping/>
-  </p:clrMapOvr>
-</p:sld>
-</file>
-
-<file path=ppt/slides/slide42.xml><?xml version="1.0" encoding="utf-8"?>
-<p:sld xmlns:a="http://schemas.openxmlformats.org/drawingml/2006/main" xmlns:r="http://schemas.openxmlformats.org/officeDocument/2006/relationships" xmlns:p="http://schemas.openxmlformats.org/presentationml/2006/main" showMasterSp="0">
-  <p:cSld>
-    <p:bg>
-      <p:bgPr>
-        <a:solidFill>
-          <a:schemeClr val="bg1"/>
-        </a:solidFill>
-        <a:effectLst/>
-      </p:bgPr>
-    </p:bg>
-    <p:spTree>
-      <p:nvGrpSpPr>
-        <p:cNvPr id="1" name=""/>
-        <p:cNvGrpSpPr/>
-        <p:nvPr/>
-      </p:nvGrpSpPr>
-      <p:grpSpPr>
-        <a:xfrm>
-          <a:off x="0" y="0"/>
-          <a:ext cx="0" cy="0"/>
-          <a:chOff x="0" y="0"/>
-          <a:chExt cx="0" cy="0"/>
-        </a:xfrm>
-      </p:grpSpPr>
-      <p:pic>
-        <p:nvPicPr>
-          <p:cNvPr id="7" name="Picture 6"/>
-          <p:cNvPicPr>
-            <a:picLocks noChangeAspect="1"/>
-          </p:cNvPicPr>
-          <p:nvPr/>
-        </p:nvPicPr>
-        <p:blipFill>
-          <a:blip r:embed="rId2"/>
-          <a:stretch>
-            <a:fillRect/>
-          </a:stretch>
-        </p:blipFill>
-        <p:spPr>
-          <a:xfrm>
-            <a:off x="6957560" y="4140267"/>
-            <a:ext cx="2037715" cy="2037715"/>
-          </a:xfrm>
-          <a:prstGeom prst="rect">
-            <a:avLst/>
-          </a:prstGeom>
-        </p:spPr>
-      </p:pic>
-      <p:sp>
-        <p:nvSpPr>
-          <p:cNvPr id="2" name="Title 1"/>
-          <p:cNvSpPr>
-            <a:spLocks noGrp="1"/>
-          </p:cNvSpPr>
-          <p:nvPr>
-            <p:ph type="title"/>
-          </p:nvPr>
-        </p:nvSpPr>
-        <p:spPr/>
-        <p:txBody>
-          <a:bodyPr/>
-          <a:lstStyle/>
-          <a:p>
-            <a:r>
-              <a:rPr lang="en-US" dirty="0"/>
-              <a:t>Process Termination</a:t>
-            </a:r>
-          </a:p>
-        </p:txBody>
-      </p:sp>
-      <p:sp>
-        <p:nvSpPr>
-          <p:cNvPr id="3" name="Content Placeholder 2"/>
-          <p:cNvSpPr>
-            <a:spLocks noGrp="1"/>
-          </p:cNvSpPr>
-          <p:nvPr>
-            <p:ph idx="1"/>
-          </p:nvPr>
-        </p:nvSpPr>
-        <p:spPr>
-          <a:xfrm>
-            <a:off x="418810" y="1713263"/>
-            <a:ext cx="7544380" cy="4186889"/>
-          </a:xfrm>
-        </p:spPr>
-        <p:txBody>
-          <a:bodyPr/>
-          <a:lstStyle/>
-          <a:p>
-            <a:r>
-              <a:rPr lang="en-US" dirty="0"/>
-              <a:t>When exit() is called on Unix:</a:t>
-            </a:r>
-          </a:p>
-          <a:p>
-            <a:pPr lvl="1"/>
-            <a:r>
-              <a:rPr lang="en-US" dirty="0"/>
-              <a:t>Threads are terminated (next </a:t>
-            </a:r>
-            <a:r>
-              <a:rPr lang="en-US" dirty="0" err="1"/>
-              <a:t>lec</a:t>
-            </a:r>
-            <a:r>
-              <a:rPr lang="en-US" dirty="0"/>
-              <a:t>.)</a:t>
-            </a:r>
-          </a:p>
-          <a:p>
-            <a:pPr lvl="1"/>
-            <a:r>
-              <a:rPr lang="en-US" dirty="0"/>
-              <a:t>Open files, network connections are closed</a:t>
-            </a:r>
-          </a:p>
-          <a:p>
-            <a:pPr lvl="1"/>
-            <a:r>
-              <a:rPr lang="en-US" dirty="0"/>
-              <a:t>Address space is de-allocated</a:t>
-            </a:r>
-          </a:p>
-          <a:p>
-            <a:pPr lvl="1"/>
-            <a:r>
-              <a:rPr lang="en-US" dirty="0"/>
-              <a:t>But the PCB still remains in the Process Table</a:t>
-            </a:r>
-          </a:p>
-          <a:p>
-            <a:r>
-              <a:rPr lang="en-US" dirty="0"/>
-              <a:t>Only a parent can remove the PCB </a:t>
-            </a:r>
-          </a:p>
-          <a:p>
-            <a:pPr lvl="1"/>
-            <a:r>
-              <a:rPr lang="en-US" dirty="0"/>
-              <a:t>Thus completely terminate the process (called </a:t>
-            </a:r>
-            <a:r>
-              <a:rPr lang="en-US" dirty="0">
-                <a:solidFill>
-                  <a:srgbClr val="0000FF"/>
-                </a:solidFill>
-              </a:rPr>
-              <a:t>reap</a:t>
-            </a:r>
-            <a:r>
-              <a:rPr lang="en-US" dirty="0"/>
-              <a:t>)</a:t>
-            </a:r>
-          </a:p>
-          <a:p>
-            <a:r>
-              <a:rPr lang="en-US" dirty="0"/>
-              <a:t>Died but not yet reaped process is called a </a:t>
-            </a:r>
-            <a:r>
-              <a:rPr lang="en-US" dirty="0">
-                <a:solidFill>
-                  <a:srgbClr val="0000FF"/>
-                </a:solidFill>
-              </a:rPr>
-              <a:t>zombie</a:t>
-            </a:r>
-          </a:p>
-          <a:p>
-            <a:pPr lvl="1"/>
-            <a:endParaRPr lang="en-US" dirty="0"/>
-          </a:p>
-        </p:txBody>
-      </p:sp>
-      <p:sp>
-        <p:nvSpPr>
-          <p:cNvPr id="4" name="Footer Placeholder 3"/>
-          <p:cNvSpPr>
-            <a:spLocks noGrp="1"/>
-          </p:cNvSpPr>
-          <p:nvPr>
-            <p:ph type="ftr" sz="quarter" idx="11"/>
-          </p:nvPr>
-        </p:nvSpPr>
-        <p:spPr/>
-        <p:txBody>
-          <a:bodyPr/>
-          <a:lstStyle/>
-          <a:p>
-            <a:r>
-              <a:rPr lang="en-US"/>
-              <a:t>CSCI3150 Intro to Operating Systems</a:t>
-            </a:r>
-          </a:p>
-        </p:txBody>
-      </p:sp>
-      <p:sp>
-        <p:nvSpPr>
-          <p:cNvPr id="5" name="Slide Number Placeholder 4"/>
-          <p:cNvSpPr>
-            <a:spLocks noGrp="1"/>
-          </p:cNvSpPr>
-          <p:nvPr>
-            <p:ph type="sldNum" sz="quarter" idx="12"/>
-          </p:nvPr>
-        </p:nvSpPr>
-        <p:spPr/>
-        <p:txBody>
-          <a:bodyPr/>
-          <a:lstStyle/>
-          <a:p>
-            <a:fld id="{5BCC3F0E-9362-6D47-9781-DB401EE9B6B9}" type="slidenum">
-              <a:rPr lang="en-US" smtClean="0"/>
-              <a:pPr/>
-              <a:t>42</a:t>
-            </a:fld>
-            <a:endParaRPr lang="en-US"/>
-          </a:p>
-        </p:txBody>
-      </p:sp>
-    </p:spTree>
-    <p:extLst>
-      <p:ext uri="{BB962C8B-B14F-4D97-AF65-F5344CB8AC3E}">
-        <p14:creationId xmlns:p14="http://schemas.microsoft.com/office/powerpoint/2010/main" val="3709804709"/>
-      </p:ext>
-    </p:extLst>
   </p:cSld>
   <p:clrMapOvr>
     <a:masterClrMapping/>
@@ -25058,9 +25788,39 @@
           <a:chExt cx="0" cy="0"/>
         </a:xfrm>
       </p:grpSpPr>
-      <p:sp>
-        <p:nvSpPr>
-          <p:cNvPr id="31747" name="Footer Placeholder 4"/>
+      <p:pic>
+        <p:nvPicPr>
+          <p:cNvPr id="5" name="Picture 4">
+            <a:extLst>
+              <a:ext uri="{FF2B5EF4-FFF2-40B4-BE49-F238E27FC236}">
+                <a16:creationId xmlns:a16="http://schemas.microsoft.com/office/drawing/2014/main" id="{412FC35B-A152-46B4-9F53-479BAEDA37C1}"/>
+              </a:ext>
+            </a:extLst>
+          </p:cNvPr>
+          <p:cNvPicPr>
+            <a:picLocks noChangeAspect="1"/>
+          </p:cNvPicPr>
+          <p:nvPr/>
+        </p:nvPicPr>
+        <p:blipFill>
+          <a:blip r:embed="rId3"/>
+          <a:stretch>
+            <a:fillRect/>
+          </a:stretch>
+        </p:blipFill>
+        <p:spPr>
+          <a:xfrm>
+            <a:off x="7025809" y="3991946"/>
+            <a:ext cx="1828631" cy="2037715"/>
+          </a:xfrm>
+          <a:prstGeom prst="rect">
+            <a:avLst/>
+          </a:prstGeom>
+        </p:spPr>
+      </p:pic>
+      <p:sp>
+        <p:nvSpPr>
+          <p:cNvPr id="30723" name="Footer Placeholder 4"/>
           <p:cNvSpPr>
             <a:spLocks noGrp="1"/>
           </p:cNvSpPr>
@@ -25087,7 +25847,7 @@
       </p:sp>
       <p:sp>
         <p:nvSpPr>
-          <p:cNvPr id="31748" name="Slide Number Placeholder 5"/>
+          <p:cNvPr id="30724" name="Slide Number Placeholder 5"/>
           <p:cNvSpPr>
             <a:spLocks noGrp="1"/>
           </p:cNvSpPr>
@@ -25102,7 +25862,7 @@
           <a:bodyPr/>
           <a:lstStyle/>
           <a:p>
-            <a:fld id="{0CFD8A55-2668-454D-A52C-9C4D0D5C310F}" type="slidenum">
+            <a:fld id="{B7F3782D-E067-2A47-8A65-D7FE98325D48}" type="slidenum">
               <a:rPr lang="en-US"/>
               <a:pPr/>
               <a:t>43</a:t>
@@ -25113,7 +25873,7 @@
       </p:sp>
       <p:sp>
         <p:nvSpPr>
-          <p:cNvPr id="318466" name="Rectangle 2"/>
+          <p:cNvPr id="317442" name="Rectangle 2"/>
           <p:cNvSpPr>
             <a:spLocks noGrp="1" noChangeArrowheads="1"/>
           </p:cNvSpPr>
@@ -25126,120 +25886,335 @@
           <a:bodyPr/>
           <a:lstStyle/>
           <a:p>
-            <a:r>
-              <a:rPr lang="en-US">
-                <a:effectLst>
-                  <a:outerShdw blurRad="38100" dist="38100" dir="2700000" algn="tl">
-                    <a:srgbClr val="DDDDDD"/>
-                  </a:outerShdw>
-                </a:effectLst>
-              </a:rPr>
-              <a:t>wait() a second…</a:t>
-            </a:r>
-          </a:p>
-        </p:txBody>
-      </p:sp>
-      <p:sp>
-        <p:nvSpPr>
-          <p:cNvPr id="31750" name="Rectangle 3"/>
-          <p:cNvSpPr>
-            <a:spLocks noGrp="1" noChangeArrowheads="1"/>
+            <a:pPr>
+              <a:defRPr/>
+            </a:pPr>
+            <a:r>
+              <a:rPr lang="en-US"/>
+              <a:t>Process Termination</a:t>
+            </a:r>
+          </a:p>
+        </p:txBody>
+      </p:sp>
+      <p:sp>
+        <p:nvSpPr>
+          <p:cNvPr id="3" name="Content Placeholder 2">
+            <a:extLst>
+              <a:ext uri="{FF2B5EF4-FFF2-40B4-BE49-F238E27FC236}">
+                <a16:creationId xmlns:a16="http://schemas.microsoft.com/office/drawing/2014/main" id="{E84CAF33-3089-6E7E-58A6-7CA111FD3C3E}"/>
+              </a:ext>
+            </a:extLst>
+          </p:cNvPr>
+          <p:cNvSpPr>
+            <a:spLocks noGrp="1"/>
           </p:cNvSpPr>
           <p:nvPr>
-            <p:ph type="body" idx="1"/>
+            <p:ph idx="1"/>
           </p:nvPr>
+        </p:nvSpPr>
+        <p:spPr/>
+        <p:txBody>
+          <a:bodyPr/>
+          <a:lstStyle/>
+          <a:p>
+            <a:endParaRPr lang="en-US" dirty="0"/>
+          </a:p>
+        </p:txBody>
+      </p:sp>
+      <p:sp>
+        <p:nvSpPr>
+          <p:cNvPr id="4" name="Content Placeholder 2">
+            <a:extLst>
+              <a:ext uri="{FF2B5EF4-FFF2-40B4-BE49-F238E27FC236}">
+                <a16:creationId xmlns:a16="http://schemas.microsoft.com/office/drawing/2014/main" id="{70E9FF1C-EB25-EB2E-32A3-FED55902491D}"/>
+              </a:ext>
+            </a:extLst>
+          </p:cNvPr>
+          <p:cNvSpPr txBox="1">
+            <a:spLocks/>
+          </p:cNvSpPr>
+          <p:nvPr/>
         </p:nvSpPr>
         <p:spPr>
           <a:xfrm>
-            <a:off x="688434" y="1911100"/>
-            <a:ext cx="7928855" cy="4154421"/>
+            <a:off x="577836" y="1842772"/>
+            <a:ext cx="7544380" cy="4186889"/>
           </a:xfrm>
-        </p:spPr>
-        <p:txBody>
-          <a:bodyPr>
+          <a:prstGeom prst="rect">
+            <a:avLst/>
+          </a:prstGeom>
+        </p:spPr>
+        <p:txBody>
+          <a:bodyPr vert="horz" lIns="91440" tIns="45720" rIns="91440" bIns="45720" rtlCol="0">
             <a:normAutofit/>
           </a:bodyPr>
-          <a:lstStyle/>
-          <a:p>
-            <a:r>
-              <a:rPr lang="en-US" dirty="0"/>
-              <a:t>Often it is convenient to pause until a child process has finished</a:t>
+          <a:lstStyle>
+            <a:lvl1pPr marL="342900" indent="-342900" algn="l" defTabSz="914400" rtl="0" eaLnBrk="1" latinLnBrk="0" hangingPunct="1">
+              <a:spcBef>
+                <a:spcPts val="2000"/>
+              </a:spcBef>
+              <a:buClr>
+                <a:schemeClr val="tx1">
+                  <a:lumMod val="75000"/>
+                  <a:lumOff val="25000"/>
+                </a:schemeClr>
+              </a:buClr>
+              <a:buFont typeface="Arial" pitchFamily="34" charset="0"/>
+              <a:buChar char="•"/>
+              <a:defRPr sz="2400" kern="1200">
+                <a:solidFill>
+                  <a:schemeClr val="tx1">
+                    <a:lumMod val="75000"/>
+                    <a:lumOff val="25000"/>
+                  </a:schemeClr>
+                </a:solidFill>
+                <a:latin typeface="+mn-lt"/>
+                <a:ea typeface="+mn-ea"/>
+                <a:cs typeface="+mn-cs"/>
+              </a:defRPr>
+            </a:lvl1pPr>
+            <a:lvl2pPr marL="579438" indent="-228600" algn="l" defTabSz="914400" rtl="0" eaLnBrk="1" latinLnBrk="0" hangingPunct="1">
+              <a:spcBef>
+                <a:spcPts val="600"/>
+              </a:spcBef>
+              <a:buClr>
+                <a:schemeClr val="bg2">
+                  <a:lumMod val="60000"/>
+                  <a:lumOff val="40000"/>
+                </a:schemeClr>
+              </a:buClr>
+              <a:buFont typeface="Arial" pitchFamily="34" charset="0"/>
+              <a:buChar char="•"/>
+              <a:defRPr sz="2200" kern="1200">
+                <a:solidFill>
+                  <a:schemeClr val="tx1">
+                    <a:lumMod val="75000"/>
+                    <a:lumOff val="25000"/>
+                  </a:schemeClr>
+                </a:solidFill>
+                <a:latin typeface="+mn-lt"/>
+                <a:ea typeface="+mn-ea"/>
+                <a:cs typeface="+mn-cs"/>
+              </a:defRPr>
+            </a:lvl2pPr>
+            <a:lvl3pPr marL="808038" indent="-228600" algn="l" defTabSz="914400" rtl="0" eaLnBrk="1" latinLnBrk="0" hangingPunct="1">
+              <a:spcBef>
+                <a:spcPts val="600"/>
+              </a:spcBef>
+              <a:buClr>
+                <a:schemeClr val="tx1">
+                  <a:lumMod val="75000"/>
+                  <a:lumOff val="25000"/>
+                </a:schemeClr>
+              </a:buClr>
+              <a:buFont typeface="Arial" pitchFamily="34" charset="0"/>
+              <a:buChar char="•"/>
+              <a:defRPr sz="2000" kern="1200">
+                <a:solidFill>
+                  <a:schemeClr val="tx1">
+                    <a:lumMod val="75000"/>
+                    <a:lumOff val="25000"/>
+                  </a:schemeClr>
+                </a:solidFill>
+                <a:latin typeface="+mn-lt"/>
+                <a:ea typeface="+mn-ea"/>
+                <a:cs typeface="+mn-cs"/>
+              </a:defRPr>
+            </a:lvl3pPr>
+            <a:lvl4pPr marL="1036638" indent="-228600" algn="l" defTabSz="914400" rtl="0" eaLnBrk="1" latinLnBrk="0" hangingPunct="1">
+              <a:spcBef>
+                <a:spcPts val="600"/>
+              </a:spcBef>
+              <a:buClr>
+                <a:schemeClr val="bg2">
+                  <a:lumMod val="60000"/>
+                  <a:lumOff val="40000"/>
+                </a:schemeClr>
+              </a:buClr>
+              <a:buFont typeface="Arial" pitchFamily="34" charset="0"/>
+              <a:buChar char="•"/>
+              <a:defRPr sz="1800" kern="1200">
+                <a:solidFill>
+                  <a:schemeClr val="tx1">
+                    <a:lumMod val="75000"/>
+                    <a:lumOff val="25000"/>
+                  </a:schemeClr>
+                </a:solidFill>
+                <a:latin typeface="+mn-lt"/>
+                <a:ea typeface="+mn-ea"/>
+                <a:cs typeface="+mn-cs"/>
+              </a:defRPr>
+            </a:lvl4pPr>
+            <a:lvl5pPr marL="1265238" indent="-228600" algn="l" defTabSz="914400" rtl="0" eaLnBrk="1" latinLnBrk="0" hangingPunct="1">
+              <a:spcBef>
+                <a:spcPts val="600"/>
+              </a:spcBef>
+              <a:buClr>
+                <a:schemeClr val="tx1">
+                  <a:lumMod val="75000"/>
+                  <a:lumOff val="25000"/>
+                </a:schemeClr>
+              </a:buClr>
+              <a:buFont typeface="Arial" pitchFamily="34" charset="0"/>
+              <a:buChar char="•"/>
+              <a:defRPr sz="1800" kern="1200">
+                <a:solidFill>
+                  <a:schemeClr val="tx1">
+                    <a:lumMod val="75000"/>
+                    <a:lumOff val="25000"/>
+                  </a:schemeClr>
+                </a:solidFill>
+                <a:latin typeface="+mn-lt"/>
+                <a:ea typeface="+mn-ea"/>
+                <a:cs typeface="+mn-cs"/>
+              </a:defRPr>
+            </a:lvl5pPr>
+            <a:lvl6pPr marL="2514600" indent="-228600" algn="l" defTabSz="914400" rtl="0" eaLnBrk="1" latinLnBrk="0" hangingPunct="1">
+              <a:spcBef>
+                <a:spcPct val="20000"/>
+              </a:spcBef>
+              <a:buFont typeface="Arial" pitchFamily="34" charset="0"/>
+              <a:buChar char="•"/>
+              <a:defRPr sz="2000" kern="1200">
+                <a:solidFill>
+                  <a:schemeClr val="tx1"/>
+                </a:solidFill>
+                <a:latin typeface="+mn-lt"/>
+                <a:ea typeface="+mn-ea"/>
+                <a:cs typeface="+mn-cs"/>
+              </a:defRPr>
+            </a:lvl6pPr>
+            <a:lvl7pPr marL="2971800" indent="-228600" algn="l" defTabSz="914400" rtl="0" eaLnBrk="1" latinLnBrk="0" hangingPunct="1">
+              <a:spcBef>
+                <a:spcPct val="20000"/>
+              </a:spcBef>
+              <a:buFont typeface="Arial" pitchFamily="34" charset="0"/>
+              <a:buChar char="•"/>
+              <a:defRPr sz="2000" kern="1200">
+                <a:solidFill>
+                  <a:schemeClr val="tx1"/>
+                </a:solidFill>
+                <a:latin typeface="+mn-lt"/>
+                <a:ea typeface="+mn-ea"/>
+                <a:cs typeface="+mn-cs"/>
+              </a:defRPr>
+            </a:lvl7pPr>
+            <a:lvl8pPr marL="3429000" indent="-228600" algn="l" defTabSz="914400" rtl="0" eaLnBrk="1" latinLnBrk="0" hangingPunct="1">
+              <a:spcBef>
+                <a:spcPct val="20000"/>
+              </a:spcBef>
+              <a:buFont typeface="Arial" pitchFamily="34" charset="0"/>
+              <a:buChar char="•"/>
+              <a:defRPr sz="2000" kern="1200">
+                <a:solidFill>
+                  <a:schemeClr val="tx1"/>
+                </a:solidFill>
+                <a:latin typeface="+mn-lt"/>
+                <a:ea typeface="+mn-ea"/>
+                <a:cs typeface="+mn-cs"/>
+              </a:defRPr>
+            </a:lvl8pPr>
+            <a:lvl9pPr marL="3886200" indent="-228600" algn="l" defTabSz="914400" rtl="0" eaLnBrk="1" latinLnBrk="0" hangingPunct="1">
+              <a:spcBef>
+                <a:spcPct val="20000"/>
+              </a:spcBef>
+              <a:buFont typeface="Arial" pitchFamily="34" charset="0"/>
+              <a:buChar char="•"/>
+              <a:defRPr sz="2000" kern="1200">
+                <a:solidFill>
+                  <a:schemeClr val="tx1"/>
+                </a:solidFill>
+                <a:latin typeface="+mn-lt"/>
+                <a:ea typeface="+mn-ea"/>
+                <a:cs typeface="+mn-cs"/>
+              </a:defRPr>
+            </a:lvl9pPr>
+          </a:lstStyle>
+          <a:p>
+            <a:r>
+              <a:rPr lang="en-US"/>
+              <a:t>When exit() is called on Unix:</a:t>
             </a:r>
           </a:p>
           <a:p>
             <a:pPr lvl="1"/>
             <a:r>
-              <a:rPr lang="en-US" dirty="0"/>
-              <a:t>Think of executing commands in a shell</a:t>
-            </a:r>
-          </a:p>
-          <a:p>
-            <a:r>
-              <a:rPr lang="en-US" dirty="0"/>
-              <a:t>Use </a:t>
-            </a:r>
-            <a:r>
-              <a:rPr lang="en-US" dirty="0">
-                <a:solidFill>
-                  <a:srgbClr val="009900"/>
+              <a:rPr lang="en-US"/>
+              <a:t>Threads are terminated (next lec.)</a:t>
+            </a:r>
+          </a:p>
+          <a:p>
+            <a:pPr lvl="1"/>
+            <a:r>
+              <a:rPr lang="en-US"/>
+              <a:t>Open files, network connections are closed</a:t>
+            </a:r>
+          </a:p>
+          <a:p>
+            <a:pPr lvl="1"/>
+            <a:r>
+              <a:rPr lang="en-US"/>
+              <a:t>Address space is de-allocated</a:t>
+            </a:r>
+          </a:p>
+          <a:p>
+            <a:pPr lvl="1"/>
+            <a:r>
+              <a:rPr lang="en-US"/>
+              <a:t>But the PCB still remains in the Process Table</a:t>
+            </a:r>
+          </a:p>
+          <a:p>
+            <a:r>
+              <a:rPr lang="en-US"/>
+              <a:t>Only a parent can remove the PCB </a:t>
+            </a:r>
+          </a:p>
+          <a:p>
+            <a:pPr lvl="1"/>
+            <a:r>
+              <a:rPr lang="en-US"/>
+              <a:t>Thus completely terminate the process (called </a:t>
+            </a:r>
+            <a:r>
+              <a:rPr lang="en-US">
+                <a:solidFill>
+                  <a:srgbClr val="0000FF"/>
                 </a:solidFill>
               </a:rPr>
-              <a:t>wait()</a:t>
-            </a:r>
-            <a:r>
-              <a:rPr lang="en-US" dirty="0"/>
-              <a:t> (</a:t>
-            </a:r>
-            <a:r>
-              <a:rPr lang="en-US" dirty="0">
+              <a:t>reap</a:t>
+            </a:r>
+            <a:r>
+              <a:rPr lang="en-US"/>
+              <a:t>)</a:t>
+            </a:r>
+          </a:p>
+          <a:p>
+            <a:r>
+              <a:rPr lang="en-US"/>
+              <a:t>Died but not yet reaped process is called a </a:t>
+            </a:r>
+            <a:r>
+              <a:rPr lang="en-US">
                 <a:solidFill>
                   <a:srgbClr val="0000FF"/>
                 </a:solidFill>
               </a:rPr>
-              <a:t>WaitForSingleObject</a:t>
-            </a:r>
-            <a:r>
-              <a:rPr lang="en-US" dirty="0"/>
-              <a:t>) </a:t>
+              <a:t>zombie</a:t>
             </a:r>
           </a:p>
           <a:p>
             <a:pPr lvl="1"/>
-            <a:r>
-              <a:rPr lang="en-US" dirty="0"/>
-              <a:t>Suspends the current process until a child process ends</a:t>
-            </a:r>
-          </a:p>
-          <a:p>
-            <a:pPr lvl="1"/>
-            <a:r>
-              <a:rPr lang="en-US" dirty="0"/>
-              <a:t>waitpid() suspends until the specified child process ends</a:t>
-            </a:r>
-          </a:p>
-          <a:p>
-            <a:r>
-              <a:rPr lang="en-US" dirty="0"/>
-              <a:t>Unix: Every process must be reaped by a parent</a:t>
-            </a:r>
-          </a:p>
-          <a:p>
-            <a:pPr lvl="1"/>
-            <a:r>
-              <a:rPr lang="en-US" dirty="0"/>
-              <a:t>What happens if a parent process exits before a child?</a:t>
-            </a:r>
-          </a:p>
-          <a:p>
-            <a:pPr lvl="1"/>
-            <a:r>
-              <a:rPr lang="en-US" dirty="0"/>
-              <a:t>What do you think a “zombie” process is?</a:t>
-            </a:r>
+            <a:endParaRPr lang="en-US" dirty="0"/>
           </a:p>
         </p:txBody>
       </p:sp>
     </p:spTree>
+    <p:extLst>
+      <p:ext uri="{BB962C8B-B14F-4D97-AF65-F5344CB8AC3E}">
+        <p14:creationId xmlns:p14="http://schemas.microsoft.com/office/powerpoint/2010/main" val="178435751"/>
+      </p:ext>
+    </p:extLst>
   </p:cSld>
   <p:clrMapOvr>
     <a:masterClrMapping/>
@@ -25266,7 +26241,7 @@
       </p:grpSpPr>
       <p:sp>
         <p:nvSpPr>
-          <p:cNvPr id="32771" name="Footer Placeholder 4"/>
+          <p:cNvPr id="31747" name="Footer Placeholder 4"/>
           <p:cNvSpPr>
             <a:spLocks noGrp="1"/>
           </p:cNvSpPr>
@@ -25293,7 +26268,7 @@
       </p:sp>
       <p:sp>
         <p:nvSpPr>
-          <p:cNvPr id="32772" name="Slide Number Placeholder 5"/>
+          <p:cNvPr id="31748" name="Slide Number Placeholder 5"/>
           <p:cNvSpPr>
             <a:spLocks noGrp="1"/>
           </p:cNvSpPr>
@@ -25308,7 +26283,7 @@
           <a:bodyPr/>
           <a:lstStyle/>
           <a:p>
-            <a:fld id="{ECD861D1-ADCD-DB47-BEA3-1A0A31FEC14A}" type="slidenum">
+            <a:fld id="{0CFD8A55-2668-454D-A52C-9C4D0D5C310F}" type="slidenum">
               <a:rPr lang="en-US"/>
               <a:pPr/>
               <a:t>44</a:t>
@@ -25319,7 +26294,7 @@
       </p:sp>
       <p:sp>
         <p:nvSpPr>
-          <p:cNvPr id="307202" name="Rectangle 2"/>
+          <p:cNvPr id="318466" name="Rectangle 2"/>
           <p:cNvSpPr>
             <a:spLocks noGrp="1" noChangeArrowheads="1"/>
           </p:cNvSpPr>
@@ -25332,203 +26307,116 @@
           <a:bodyPr/>
           <a:lstStyle/>
           <a:p>
-            <a:pPr>
-              <a:defRPr/>
-            </a:pPr>
-            <a:r>
-              <a:rPr lang="en-US"/>
-              <a:t>Unix Shells</a:t>
-            </a:r>
-          </a:p>
-        </p:txBody>
-      </p:sp>
-      <p:sp>
-        <p:nvSpPr>
-          <p:cNvPr id="8" name="TextBox 7"/>
-          <p:cNvSpPr txBox="1"/>
-          <p:nvPr/>
+            <a:r>
+              <a:rPr lang="en-US">
+                <a:effectLst>
+                  <a:outerShdw blurRad="38100" dist="38100" dir="2700000" algn="tl">
+                    <a:srgbClr val="DDDDDD"/>
+                  </a:outerShdw>
+                </a:effectLst>
+              </a:rPr>
+              <a:t>wait() a second…</a:t>
+            </a:r>
+          </a:p>
+        </p:txBody>
+      </p:sp>
+      <p:sp>
+        <p:nvSpPr>
+          <p:cNvPr id="31750" name="Rectangle 3"/>
+          <p:cNvSpPr>
+            <a:spLocks noGrp="1" noChangeArrowheads="1"/>
+          </p:cNvSpPr>
+          <p:nvPr>
+            <p:ph type="body" idx="1"/>
+          </p:nvPr>
         </p:nvSpPr>
         <p:spPr>
           <a:xfrm>
-            <a:off x="900113" y="2065412"/>
-            <a:ext cx="7729046" cy="3693319"/>
+            <a:off x="688434" y="1911100"/>
+            <a:ext cx="7928855" cy="4154421"/>
           </a:xfrm>
-          <a:prstGeom prst="rect">
-            <a:avLst/>
-          </a:prstGeom>
-          <a:noFill/>
-        </p:spPr>
-        <p:txBody>
-          <a:bodyPr wrap="square" rtlCol="0">
-            <a:spAutoFit/>
+        </p:spPr>
+        <p:txBody>
+          <a:bodyPr>
+            <a:normAutofit/>
           </a:bodyPr>
           <a:lstStyle/>
           <a:p>
-            <a:pPr>
-              <a:buFont typeface="Monotype Sorts" pitchFamily="-109" charset="2"/>
-              <a:buNone/>
-            </a:pPr>
-            <a:r>
-              <a:rPr lang="en-US" b="1" dirty="0">
-                <a:latin typeface="Courier New" pitchFamily="-109" charset="0"/>
+            <a:r>
+              <a:rPr lang="en-US" dirty="0"/>
+              <a:t>Often it is convenient to pause until a child process has finished</a:t>
+            </a:r>
+          </a:p>
+          <a:p>
+            <a:pPr lvl="1"/>
+            <a:r>
+              <a:rPr lang="en-US" dirty="0"/>
+              <a:t>Think of executing commands in a shell</a:t>
+            </a:r>
+          </a:p>
+          <a:p>
+            <a:r>
+              <a:rPr lang="en-US" dirty="0"/>
+              <a:t>Use </a:t>
+            </a:r>
+            <a:r>
+              <a:rPr lang="en-US" dirty="0">
+                <a:solidFill>
+                  <a:srgbClr val="009900"/>
+                </a:solidFill>
               </a:rPr>
-              <a:t>while (1) {</a:t>
-            </a:r>
-          </a:p>
-          <a:p>
-            <a:pPr>
-              <a:buFont typeface="Monotype Sorts" pitchFamily="-109" charset="2"/>
-              <a:buNone/>
-            </a:pPr>
-            <a:r>
-              <a:rPr lang="en-US" b="1" dirty="0">
-                <a:solidFill>
-                  <a:srgbClr val="D60093"/>
-                </a:solidFill>
-                <a:latin typeface="Courier New" pitchFamily="-109" charset="0"/>
+              <a:t>wait()</a:t>
+            </a:r>
+            <a:r>
+              <a:rPr lang="en-US" dirty="0"/>
+              <a:t> (</a:t>
+            </a:r>
+            <a:r>
+              <a:rPr lang="en-US" dirty="0">
+                <a:solidFill>
+                  <a:srgbClr val="0000FF"/>
+                </a:solidFill>
               </a:rPr>
-              <a:t>	char *cmd = read_command();</a:t>
-            </a:r>
-          </a:p>
-          <a:p>
-            <a:pPr>
-              <a:buFont typeface="Monotype Sorts" pitchFamily="-109" charset="2"/>
-              <a:buNone/>
-            </a:pPr>
-            <a:r>
-              <a:rPr lang="en-US" b="1" dirty="0">
-                <a:solidFill>
-                  <a:srgbClr val="D60093"/>
-                </a:solidFill>
-                <a:latin typeface="Courier New" pitchFamily="-109" charset="0"/>
-              </a:rPr>
-              <a:t>	int child_pid = fork();</a:t>
-            </a:r>
-          </a:p>
-          <a:p>
-            <a:pPr>
-              <a:buFont typeface="Monotype Sorts" pitchFamily="-109" charset="2"/>
-              <a:buNone/>
-            </a:pPr>
-            <a:r>
-              <a:rPr lang="en-US" b="1" dirty="0">
-                <a:solidFill>
-                  <a:srgbClr val="D60093"/>
-                </a:solidFill>
-                <a:latin typeface="Courier New" pitchFamily="-109" charset="0"/>
-              </a:rPr>
-              <a:t>	if (child_pid == 0) {</a:t>
-            </a:r>
-          </a:p>
-          <a:p>
-            <a:pPr>
-              <a:buFont typeface="Monotype Sorts" pitchFamily="-109" charset="2"/>
-              <a:buNone/>
-            </a:pPr>
-            <a:r>
-              <a:rPr lang="en-US" b="1" dirty="0">
-                <a:solidFill>
-                  <a:srgbClr val="D60093"/>
-                </a:solidFill>
-                <a:latin typeface="Courier New" pitchFamily="-109" charset="0"/>
-              </a:rPr>
-              <a:t>		</a:t>
-            </a:r>
-            <a:r>
-              <a:rPr lang="en-US" i="1" dirty="0">
-                <a:solidFill>
-                  <a:srgbClr val="0000FF"/>
-                </a:solidFill>
-              </a:rPr>
-              <a:t>Manipulate STDIN/OUT/ERR file descriptors for pipes, redirection, etc.</a:t>
-            </a:r>
-          </a:p>
-          <a:p>
-            <a:pPr>
-              <a:buFont typeface="Monotype Sorts" pitchFamily="-109" charset="2"/>
-              <a:buNone/>
-            </a:pPr>
-            <a:r>
-              <a:rPr lang="en-US" b="1" dirty="0">
-                <a:solidFill>
-                  <a:srgbClr val="0000FF"/>
-                </a:solidFill>
-                <a:latin typeface="Courier New" pitchFamily="-109" charset="0"/>
-              </a:rPr>
-              <a:t>		exec(cmd);</a:t>
-            </a:r>
-          </a:p>
-          <a:p>
-            <a:pPr>
-              <a:buFont typeface="Monotype Sorts" pitchFamily="-109" charset="2"/>
-              <a:buNone/>
-            </a:pPr>
-            <a:r>
-              <a:rPr lang="en-US" b="1" dirty="0">
-                <a:solidFill>
-                  <a:srgbClr val="0000FF"/>
-                </a:solidFill>
-                <a:latin typeface="Courier New" pitchFamily="-109" charset="0"/>
-              </a:rPr>
-              <a:t>		panic(“exec failed”);</a:t>
-            </a:r>
-          </a:p>
-          <a:p>
-            <a:pPr>
-              <a:buFont typeface="Monotype Sorts" pitchFamily="-109" charset="2"/>
-              <a:buNone/>
-            </a:pPr>
-            <a:r>
-              <a:rPr lang="en-US" b="1" dirty="0">
-                <a:latin typeface="Courier New" pitchFamily="-109" charset="0"/>
-              </a:rPr>
-              <a:t>	} else {</a:t>
-            </a:r>
-          </a:p>
-          <a:p>
-            <a:pPr>
-              <a:buFont typeface="Monotype Sorts" pitchFamily="-109" charset="2"/>
-              <a:buNone/>
-            </a:pPr>
-            <a:r>
-              <a:rPr lang="en-US" b="1" dirty="0">
-                <a:solidFill>
-                  <a:srgbClr val="FF3300"/>
-                </a:solidFill>
-                <a:latin typeface="Courier New" pitchFamily="-109" charset="0"/>
-              </a:rPr>
-              <a:t>		waitpid(child_pid);</a:t>
-            </a:r>
-          </a:p>
-          <a:p>
-            <a:pPr>
-              <a:buFont typeface="Monotype Sorts" pitchFamily="-109" charset="2"/>
-              <a:buNone/>
-            </a:pPr>
-            <a:r>
-              <a:rPr lang="en-US" b="1" dirty="0">
-                <a:latin typeface="Courier New" pitchFamily="-109" charset="0"/>
-              </a:rPr>
-              <a:t>	}</a:t>
-            </a:r>
-          </a:p>
-          <a:p>
-            <a:pPr>
-              <a:buFont typeface="Monotype Sorts" pitchFamily="-109" charset="2"/>
-              <a:buNone/>
-            </a:pPr>
-            <a:r>
-              <a:rPr lang="en-US" b="1" dirty="0">
-                <a:latin typeface="Courier New" pitchFamily="-109" charset="0"/>
-              </a:rPr>
-              <a:t>}</a:t>
-            </a:r>
-          </a:p>
-          <a:p>
-            <a:endParaRPr lang="en-US" dirty="0"/>
-          </a:p>
-          <a:p>
-            <a:endParaRPr lang="en-US" dirty="0"/>
+              <a:t>WaitForSingleObject</a:t>
+            </a:r>
+            <a:r>
+              <a:rPr lang="en-US" dirty="0"/>
+              <a:t>) </a:t>
+            </a:r>
+          </a:p>
+          <a:p>
+            <a:pPr lvl="1"/>
+            <a:r>
+              <a:rPr lang="en-US" dirty="0"/>
+              <a:t>Suspends the current process until a child process ends</a:t>
+            </a:r>
+          </a:p>
+          <a:p>
+            <a:pPr lvl="1"/>
+            <a:r>
+              <a:rPr lang="en-US" dirty="0"/>
+              <a:t>waitpid() suspends until the specified child process ends</a:t>
+            </a:r>
+          </a:p>
+          <a:p>
+            <a:r>
+              <a:rPr lang="en-US" dirty="0"/>
+              <a:t>Unix: Every process must be reaped by a parent</a:t>
+            </a:r>
+          </a:p>
+          <a:p>
+            <a:pPr lvl="1"/>
+            <a:r>
+              <a:rPr lang="en-US" dirty="0"/>
+              <a:t>What happens if a parent process exits before a child?</a:t>
+            </a:r>
+          </a:p>
+          <a:p>
+            <a:pPr lvl="1"/>
+            <a:r>
+              <a:rPr lang="en-US" dirty="0"/>
+              <a:t>What do you think a “zombie” process is?</a:t>
+            </a:r>
           </a:p>
         </p:txBody>
       </p:sp>
@@ -25559,7 +26447,7 @@
       </p:grpSpPr>
       <p:sp>
         <p:nvSpPr>
-          <p:cNvPr id="33795" name="Footer Placeholder 4"/>
+          <p:cNvPr id="32771" name="Footer Placeholder 4"/>
           <p:cNvSpPr>
             <a:spLocks noGrp="1"/>
           </p:cNvSpPr>
@@ -25586,7 +26474,7 @@
       </p:sp>
       <p:sp>
         <p:nvSpPr>
-          <p:cNvPr id="33796" name="Slide Number Placeholder 5"/>
+          <p:cNvPr id="32772" name="Slide Number Placeholder 5"/>
           <p:cNvSpPr>
             <a:spLocks noGrp="1"/>
           </p:cNvSpPr>
@@ -25601,7 +26489,7 @@
           <a:bodyPr/>
           <a:lstStyle/>
           <a:p>
-            <a:fld id="{1D30A04B-59F5-244B-BE8F-880E6D6029AB}" type="slidenum">
+            <a:fld id="{ECD861D1-ADCD-DB47-BEA3-1A0A31FEC14A}" type="slidenum">
               <a:rPr lang="en-US"/>
               <a:pPr/>
               <a:t>45</a:t>
@@ -25612,7 +26500,7 @@
       </p:sp>
       <p:sp>
         <p:nvSpPr>
-          <p:cNvPr id="308226" name="Rectangle 2"/>
+          <p:cNvPr id="307202" name="Rectangle 2"/>
           <p:cNvSpPr>
             <a:spLocks noGrp="1" noChangeArrowheads="1"/>
           </p:cNvSpPr>
@@ -25630,187 +26518,344 @@
             </a:pPr>
             <a:r>
               <a:rPr lang="en-US"/>
-              <a:t>Process Summary</a:t>
-            </a:r>
-          </a:p>
-        </p:txBody>
-      </p:sp>
-      <p:sp>
-        <p:nvSpPr>
-          <p:cNvPr id="33798" name="Rectangle 3"/>
-          <p:cNvSpPr>
-            <a:spLocks noGrp="1" noChangeArrowheads="1"/>
-          </p:cNvSpPr>
-          <p:nvPr>
-            <p:ph type="body" idx="1"/>
-          </p:nvPr>
+              <a:t>Unix Shells</a:t>
+            </a:r>
+          </a:p>
+        </p:txBody>
+      </p:sp>
+      <p:sp>
+        <p:nvSpPr>
+          <p:cNvPr id="8" name="TextBox 7"/>
+          <p:cNvSpPr txBox="1"/>
+          <p:nvPr/>
         </p:nvSpPr>
         <p:spPr>
           <a:xfrm>
-            <a:off x="685800" y="1671420"/>
-            <a:ext cx="7924800" cy="4572000"/>
+            <a:off x="900113" y="2065412"/>
+            <a:ext cx="7729046" cy="3693319"/>
           </a:xfrm>
-        </p:spPr>
-        <p:txBody>
-          <a:bodyPr>
-            <a:normAutofit fontScale="92500" lnSpcReduction="20000"/>
+          <a:prstGeom prst="rect">
+            <a:avLst/>
+          </a:prstGeom>
+          <a:noFill/>
+        </p:spPr>
+        <p:txBody>
+          <a:bodyPr wrap="square" rtlCol="0">
+            <a:spAutoFit/>
           </a:bodyPr>
           <a:lstStyle/>
           <a:p>
             <a:pPr>
-              <a:lnSpc>
-                <a:spcPct val="90000"/>
-              </a:lnSpc>
-            </a:pPr>
-            <a:r>
-              <a:rPr lang="en-US" dirty="0"/>
-              <a:t>What are the units of execution?</a:t>
-            </a:r>
-          </a:p>
-          <a:p>
-            <a:pPr lvl="1">
-              <a:lnSpc>
-                <a:spcPct val="90000"/>
-              </a:lnSpc>
-            </a:pPr>
+              <a:buFont typeface="Monotype Sorts" pitchFamily="-109" charset="2"/>
+              <a:buNone/>
+            </a:pPr>
+            <a:r>
+              <a:rPr lang="en-US" b="1" dirty="0">
+                <a:latin typeface="Courier New" pitchFamily="-109" charset="0"/>
+              </a:rPr>
+              <a:t>while (1) {</a:t>
+            </a:r>
+          </a:p>
+          <a:p>
+            <a:pPr>
+              <a:buFont typeface="Monotype Sorts" pitchFamily="-109" charset="2"/>
+              <a:buNone/>
+            </a:pPr>
+            <a:r>
+              <a:rPr lang="en-US" b="1" dirty="0">
+                <a:solidFill>
+                  <a:srgbClr val="D60093"/>
+                </a:solidFill>
+                <a:latin typeface="Courier New" pitchFamily="-109" charset="0"/>
+              </a:rPr>
+              <a:t>	char *cmd = read_command();</a:t>
+            </a:r>
+          </a:p>
+          <a:p>
+            <a:pPr>
+              <a:buFont typeface="Monotype Sorts" pitchFamily="-109" charset="2"/>
+              <a:buNone/>
+            </a:pPr>
+            <a:r>
+              <a:rPr lang="en-US" b="1" dirty="0">
+                <a:solidFill>
+                  <a:srgbClr val="D60093"/>
+                </a:solidFill>
+                <a:latin typeface="Courier New" pitchFamily="-109" charset="0"/>
+              </a:rPr>
+              <a:t>	int child_pid = fork();</a:t>
+            </a:r>
+          </a:p>
+          <a:p>
+            <a:pPr>
+              <a:buFont typeface="Monotype Sorts" pitchFamily="-109" charset="2"/>
+              <a:buNone/>
+            </a:pPr>
+            <a:r>
+              <a:rPr lang="en-US" b="1" dirty="0">
+                <a:solidFill>
+                  <a:srgbClr val="D60093"/>
+                </a:solidFill>
+                <a:latin typeface="Courier New" pitchFamily="-109" charset="0"/>
+              </a:rPr>
+              <a:t>	if (child_pid == 0) {</a:t>
+            </a:r>
+          </a:p>
+          <a:p>
+            <a:pPr>
+              <a:buFont typeface="Monotype Sorts" pitchFamily="-109" charset="2"/>
+              <a:buNone/>
+            </a:pPr>
+            <a:r>
+              <a:rPr lang="en-US" b="1" dirty="0">
+                <a:solidFill>
+                  <a:srgbClr val="D60093"/>
+                </a:solidFill>
+                <a:latin typeface="Courier New" pitchFamily="-109" charset="0"/>
+              </a:rPr>
+              <a:t>		</a:t>
+            </a:r>
+            <a:r>
+              <a:rPr lang="en-US" i="1" dirty="0">
+                <a:solidFill>
+                  <a:srgbClr val="0000FF"/>
+                </a:solidFill>
+              </a:rPr>
+              <a:t>Manipulate STDIN/OUT/ERR file descriptors for pipes, redirection, etc.</a:t>
+            </a:r>
+          </a:p>
+          <a:p>
+            <a:pPr>
+              <a:buFont typeface="Monotype Sorts" pitchFamily="-109" charset="2"/>
+              <a:buNone/>
+            </a:pPr>
+            <a:r>
+              <a:rPr lang="en-US" b="1" dirty="0">
+                <a:solidFill>
+                  <a:srgbClr val="0000FF"/>
+                </a:solidFill>
+                <a:latin typeface="Courier New" pitchFamily="-109" charset="0"/>
+              </a:rPr>
+              <a:t>		exec(cmd);</a:t>
+            </a:r>
+          </a:p>
+          <a:p>
+            <a:pPr>
+              <a:buFont typeface="Monotype Sorts" pitchFamily="-109" charset="2"/>
+              <a:buNone/>
+            </a:pPr>
+            <a:r>
+              <a:rPr lang="en-US" b="1" dirty="0">
+                <a:solidFill>
+                  <a:srgbClr val="0000FF"/>
+                </a:solidFill>
+                <a:latin typeface="Courier New" pitchFamily="-109" charset="0"/>
+              </a:rPr>
+              <a:t>		panic(“exec failed”);</a:t>
+            </a:r>
+          </a:p>
+          <a:p>
+            <a:pPr>
+              <a:buFont typeface="Monotype Sorts" pitchFamily="-109" charset="2"/>
+              <a:buNone/>
+            </a:pPr>
+            <a:r>
+              <a:rPr lang="en-US" b="1" dirty="0">
+                <a:latin typeface="Courier New" pitchFamily="-109" charset="0"/>
+              </a:rPr>
+              <a:t>	} else {</a:t>
+            </a:r>
+          </a:p>
+          <a:p>
+            <a:pPr>
+              <a:buFont typeface="Monotype Sorts" pitchFamily="-109" charset="2"/>
+              <a:buNone/>
+            </a:pPr>
+            <a:r>
+              <a:rPr lang="en-US" b="1" dirty="0">
+                <a:solidFill>
+                  <a:srgbClr val="FF3300"/>
+                </a:solidFill>
+                <a:latin typeface="Courier New" pitchFamily="-109" charset="0"/>
+              </a:rPr>
+              <a:t>		waitpid(child_pid);</a:t>
+            </a:r>
+          </a:p>
+          <a:p>
+            <a:pPr>
+              <a:buFont typeface="Monotype Sorts" pitchFamily="-109" charset="2"/>
+              <a:buNone/>
+            </a:pPr>
+            <a:r>
+              <a:rPr lang="en-US" b="1" dirty="0">
+                <a:latin typeface="Courier New" pitchFamily="-109" charset="0"/>
+              </a:rPr>
+              <a:t>	}</a:t>
+            </a:r>
+          </a:p>
+          <a:p>
+            <a:pPr>
+              <a:buFont typeface="Monotype Sorts" pitchFamily="-109" charset="2"/>
+              <a:buNone/>
+            </a:pPr>
+            <a:r>
+              <a:rPr lang="en-US" b="1" dirty="0">
+                <a:latin typeface="Courier New" pitchFamily="-109" charset="0"/>
+              </a:rPr>
+              <a:t>}</a:t>
+            </a:r>
+          </a:p>
+          <a:p>
+            <a:endParaRPr lang="en-US" dirty="0"/>
+          </a:p>
+          <a:p>
+            <a:endParaRPr lang="en-US" dirty="0"/>
+          </a:p>
+        </p:txBody>
+      </p:sp>
+      <p:sp>
+        <p:nvSpPr>
+          <p:cNvPr id="3" name="TextBox 2">
+            <a:extLst>
+              <a:ext uri="{FF2B5EF4-FFF2-40B4-BE49-F238E27FC236}">
+                <a16:creationId xmlns:a16="http://schemas.microsoft.com/office/drawing/2014/main" id="{2E4F28D2-365A-BBF5-199D-D9AF95C21FC8}"/>
+              </a:ext>
+            </a:extLst>
+          </p:cNvPr>
+          <p:cNvSpPr txBox="1"/>
+          <p:nvPr/>
+        </p:nvSpPr>
+        <p:spPr>
+          <a:xfrm>
+            <a:off x="1422914" y="5758731"/>
+            <a:ext cx="6683444" cy="369332"/>
+          </a:xfrm>
+          <a:prstGeom prst="rect">
+            <a:avLst/>
+          </a:prstGeom>
+          <a:noFill/>
+        </p:spPr>
+        <p:txBody>
+          <a:bodyPr wrap="square">
+            <a:spAutoFit/>
+          </a:bodyPr>
+          <a:lstStyle/>
+          <a:p>
             <a:r>
               <a:rPr lang="en-US" dirty="0">
-                <a:solidFill>
-                  <a:srgbClr val="0000FF"/>
-                </a:solidFill>
+                <a:hlinkClick r:id="rId2"/>
               </a:rPr>
-              <a:t>Processes</a:t>
-            </a:r>
-          </a:p>
-          <a:p>
-            <a:pPr>
-              <a:lnSpc>
-                <a:spcPct val="90000"/>
-              </a:lnSpc>
-            </a:pPr>
-            <a:r>
-              <a:rPr lang="en-US" dirty="0"/>
-              <a:t>How are those units of execution represented?</a:t>
-            </a:r>
-          </a:p>
-          <a:p>
-            <a:pPr lvl="1">
-              <a:lnSpc>
-                <a:spcPct val="90000"/>
-              </a:lnSpc>
-            </a:pPr>
-            <a:r>
-              <a:rPr lang="en-US" dirty="0">
-                <a:solidFill>
-                  <a:srgbClr val="0000FF"/>
-                </a:solidFill>
-              </a:rPr>
-              <a:t>Process Control Blocks (PCBs)</a:t>
-            </a:r>
-          </a:p>
-          <a:p>
-            <a:pPr>
-              <a:lnSpc>
-                <a:spcPct val="90000"/>
-              </a:lnSpc>
-            </a:pPr>
-            <a:r>
-              <a:rPr lang="en-US" dirty="0"/>
-              <a:t>How is work scheduled in the CPU?</a:t>
-            </a:r>
-          </a:p>
-          <a:p>
-            <a:pPr lvl="1">
-              <a:lnSpc>
-                <a:spcPct val="90000"/>
-              </a:lnSpc>
-            </a:pPr>
-            <a:r>
-              <a:rPr lang="en-US" dirty="0">
-                <a:solidFill>
-                  <a:srgbClr val="0000FF"/>
-                </a:solidFill>
-              </a:rPr>
-              <a:t>Process states, process queues, context switches</a:t>
-            </a:r>
-          </a:p>
-          <a:p>
-            <a:pPr>
-              <a:lnSpc>
-                <a:spcPct val="90000"/>
-              </a:lnSpc>
-            </a:pPr>
-            <a:r>
-              <a:rPr lang="en-US" dirty="0"/>
-              <a:t>What are the possible execution states of a process?</a:t>
-            </a:r>
-          </a:p>
-          <a:p>
-            <a:pPr lvl="1">
-              <a:lnSpc>
-                <a:spcPct val="90000"/>
-              </a:lnSpc>
-            </a:pPr>
-            <a:r>
-              <a:rPr lang="en-US" dirty="0">
-                <a:solidFill>
-                  <a:srgbClr val="0000FF"/>
-                </a:solidFill>
-              </a:rPr>
-              <a:t>Running, ready, waiting</a:t>
-            </a:r>
-          </a:p>
-          <a:p>
-            <a:pPr>
-              <a:lnSpc>
-                <a:spcPct val="90000"/>
-              </a:lnSpc>
-            </a:pPr>
-            <a:r>
-              <a:rPr lang="en-US" dirty="0"/>
-              <a:t>How does a process move from one state to another?</a:t>
-            </a:r>
-          </a:p>
-          <a:p>
-            <a:pPr lvl="1">
-              <a:lnSpc>
-                <a:spcPct val="90000"/>
-              </a:lnSpc>
-            </a:pPr>
-            <a:r>
-              <a:rPr lang="en-US" dirty="0">
-                <a:solidFill>
-                  <a:srgbClr val="0000FF"/>
-                </a:solidFill>
-              </a:rPr>
-              <a:t>Scheduling, I/O, creation, termination</a:t>
-            </a:r>
-          </a:p>
-          <a:p>
-            <a:pPr>
-              <a:lnSpc>
-                <a:spcPct val="90000"/>
-              </a:lnSpc>
-            </a:pPr>
-            <a:r>
-              <a:rPr lang="en-US" dirty="0"/>
-              <a:t>How are processes created?</a:t>
-            </a:r>
-          </a:p>
-          <a:p>
-            <a:pPr lvl="1">
-              <a:lnSpc>
-                <a:spcPct val="90000"/>
-              </a:lnSpc>
-            </a:pPr>
-            <a:r>
-              <a:rPr lang="en-US" dirty="0">
-                <a:solidFill>
-                  <a:srgbClr val="0000FF"/>
-                </a:solidFill>
-              </a:rPr>
-              <a:t>CreateProcess (Windows), fork/exec (Unix)</a:t>
-            </a:r>
+              <a:t>https://www.bell-labs.com/usr/dmr/www/hist.html</a:t>
+            </a:r>
+            <a:endParaRPr lang="en-US" dirty="0"/>
+          </a:p>
+        </p:txBody>
+      </p:sp>
+      <p:sp>
+        <p:nvSpPr>
+          <p:cNvPr id="4" name="TextBox 3">
+            <a:extLst>
+              <a:ext uri="{FF2B5EF4-FFF2-40B4-BE49-F238E27FC236}">
+                <a16:creationId xmlns:a16="http://schemas.microsoft.com/office/drawing/2014/main" id="{C8451465-B2F3-47A2-8B7A-B36D12FB25CA}"/>
+              </a:ext>
+            </a:extLst>
+          </p:cNvPr>
+          <p:cNvSpPr txBox="1"/>
+          <p:nvPr/>
+        </p:nvSpPr>
+        <p:spPr>
+          <a:xfrm>
+            <a:off x="1422914" y="5476154"/>
+            <a:ext cx="6683444" cy="369332"/>
+          </a:xfrm>
+          <a:prstGeom prst="rect">
+            <a:avLst/>
+          </a:prstGeom>
+          <a:noFill/>
+        </p:spPr>
+        <p:txBody>
+          <a:bodyPr wrap="square">
+            <a:spAutoFit/>
+          </a:bodyPr>
+          <a:lstStyle/>
+          <a:p>
+            <a:r>
+              <a:rPr lang="en-US" altLang="zh-CN" dirty="0"/>
+              <a:t>The</a:t>
+            </a:r>
+            <a:r>
+              <a:rPr lang="zh-CN" altLang="en-US" dirty="0"/>
+              <a:t> </a:t>
+            </a:r>
+            <a:r>
+              <a:rPr lang="en-US" altLang="zh-CN" dirty="0"/>
+              <a:t>evolution</a:t>
+            </a:r>
+            <a:r>
+              <a:rPr lang="zh-CN" altLang="en-US" dirty="0"/>
+              <a:t> </a:t>
+            </a:r>
+            <a:r>
+              <a:rPr lang="en-US" altLang="zh-CN" dirty="0"/>
+              <a:t>of</a:t>
+            </a:r>
+            <a:r>
+              <a:rPr lang="zh-CN" altLang="en-US" dirty="0"/>
+              <a:t> </a:t>
+            </a:r>
+            <a:r>
+              <a:rPr lang="en-US" altLang="zh-CN" dirty="0"/>
+              <a:t>the</a:t>
+            </a:r>
+            <a:r>
+              <a:rPr lang="zh-CN" altLang="en-US" dirty="0"/>
+              <a:t> </a:t>
+            </a:r>
+            <a:r>
+              <a:rPr lang="en-US" altLang="zh-CN" dirty="0"/>
+              <a:t>Unix</a:t>
+            </a:r>
+            <a:r>
+              <a:rPr lang="zh-CN" altLang="en-US" dirty="0"/>
+              <a:t> </a:t>
+            </a:r>
+            <a:r>
+              <a:rPr lang="en-US" altLang="zh-CN" dirty="0"/>
+              <a:t>time-sharing</a:t>
+            </a:r>
+            <a:r>
+              <a:rPr lang="zh-CN" altLang="en-US" dirty="0"/>
+              <a:t> </a:t>
+            </a:r>
+            <a:r>
+              <a:rPr lang="en-US" altLang="zh-CN" dirty="0"/>
+              <a:t>system,</a:t>
+            </a:r>
+            <a:r>
+              <a:rPr lang="zh-CN" altLang="en-US" dirty="0"/>
+              <a:t> </a:t>
+            </a:r>
+            <a:r>
+              <a:rPr lang="en-US" altLang="zh-CN" dirty="0"/>
+              <a:t>Dennis</a:t>
+            </a:r>
+            <a:r>
+              <a:rPr lang="zh-CN" altLang="en-US" dirty="0"/>
+              <a:t> </a:t>
+            </a:r>
+            <a:r>
+              <a:rPr lang="en-US" altLang="zh-CN" dirty="0"/>
+              <a:t>M.</a:t>
+            </a:r>
+            <a:r>
+              <a:rPr lang="zh-CN" altLang="en-US" dirty="0"/>
+              <a:t> </a:t>
+            </a:r>
+            <a:r>
+              <a:rPr lang="en-US" altLang="zh-CN" dirty="0"/>
+              <a:t>Ritchie</a:t>
+            </a:r>
+            <a:endParaRPr lang="en-US" dirty="0"/>
           </a:p>
         </p:txBody>
       </p:sp>
@@ -25841,6 +26886,288 @@
       </p:grpSpPr>
       <p:sp>
         <p:nvSpPr>
+          <p:cNvPr id="33795" name="Footer Placeholder 4"/>
+          <p:cNvSpPr>
+            <a:spLocks noGrp="1"/>
+          </p:cNvSpPr>
+          <p:nvPr>
+            <p:ph type="ftr" sz="quarter" idx="11"/>
+          </p:nvPr>
+        </p:nvSpPr>
+        <p:spPr>
+          <a:noFill/>
+        </p:spPr>
+        <p:txBody>
+          <a:bodyPr/>
+          <a:lstStyle/>
+          <a:p>
+            <a:r>
+              <a:rPr lang="en-US"/>
+              <a:t>CSCI3150 Intro to Operating Systems</a:t>
+            </a:r>
+            <a:endParaRPr lang="en-US" sz="1400" b="0">
+              <a:latin typeface="Times New Roman" pitchFamily="-109" charset="0"/>
+            </a:endParaRPr>
+          </a:p>
+        </p:txBody>
+      </p:sp>
+      <p:sp>
+        <p:nvSpPr>
+          <p:cNvPr id="33796" name="Slide Number Placeholder 5"/>
+          <p:cNvSpPr>
+            <a:spLocks noGrp="1"/>
+          </p:cNvSpPr>
+          <p:nvPr>
+            <p:ph type="sldNum" sz="quarter" idx="12"/>
+          </p:nvPr>
+        </p:nvSpPr>
+        <p:spPr>
+          <a:noFill/>
+        </p:spPr>
+        <p:txBody>
+          <a:bodyPr/>
+          <a:lstStyle/>
+          <a:p>
+            <a:fld id="{1D30A04B-59F5-244B-BE8F-880E6D6029AB}" type="slidenum">
+              <a:rPr lang="en-US"/>
+              <a:pPr/>
+              <a:t>46</a:t>
+            </a:fld>
+            <a:endParaRPr lang="en-US"/>
+          </a:p>
+        </p:txBody>
+      </p:sp>
+      <p:sp>
+        <p:nvSpPr>
+          <p:cNvPr id="308226" name="Rectangle 2"/>
+          <p:cNvSpPr>
+            <a:spLocks noGrp="1" noChangeArrowheads="1"/>
+          </p:cNvSpPr>
+          <p:nvPr>
+            <p:ph type="title"/>
+          </p:nvPr>
+        </p:nvSpPr>
+        <p:spPr/>
+        <p:txBody>
+          <a:bodyPr/>
+          <a:lstStyle/>
+          <a:p>
+            <a:pPr>
+              <a:defRPr/>
+            </a:pPr>
+            <a:r>
+              <a:rPr lang="en-US"/>
+              <a:t>Process Summary</a:t>
+            </a:r>
+          </a:p>
+        </p:txBody>
+      </p:sp>
+      <p:sp>
+        <p:nvSpPr>
+          <p:cNvPr id="33798" name="Rectangle 3"/>
+          <p:cNvSpPr>
+            <a:spLocks noGrp="1" noChangeArrowheads="1"/>
+          </p:cNvSpPr>
+          <p:nvPr>
+            <p:ph type="body" idx="1"/>
+          </p:nvPr>
+        </p:nvSpPr>
+        <p:spPr>
+          <a:xfrm>
+            <a:off x="685800" y="1671420"/>
+            <a:ext cx="7924800" cy="4572000"/>
+          </a:xfrm>
+        </p:spPr>
+        <p:txBody>
+          <a:bodyPr>
+            <a:normAutofit fontScale="92500" lnSpcReduction="20000"/>
+          </a:bodyPr>
+          <a:lstStyle/>
+          <a:p>
+            <a:pPr>
+              <a:lnSpc>
+                <a:spcPct val="90000"/>
+              </a:lnSpc>
+            </a:pPr>
+            <a:r>
+              <a:rPr lang="en-US" dirty="0"/>
+              <a:t>What are the units of execution?</a:t>
+            </a:r>
+          </a:p>
+          <a:p>
+            <a:pPr lvl="1">
+              <a:lnSpc>
+                <a:spcPct val="90000"/>
+              </a:lnSpc>
+            </a:pPr>
+            <a:r>
+              <a:rPr lang="en-US" dirty="0">
+                <a:solidFill>
+                  <a:srgbClr val="0000FF"/>
+                </a:solidFill>
+              </a:rPr>
+              <a:t>Processes</a:t>
+            </a:r>
+          </a:p>
+          <a:p>
+            <a:pPr>
+              <a:lnSpc>
+                <a:spcPct val="90000"/>
+              </a:lnSpc>
+            </a:pPr>
+            <a:r>
+              <a:rPr lang="en-US" dirty="0"/>
+              <a:t>How are those units of execution represented?</a:t>
+            </a:r>
+          </a:p>
+          <a:p>
+            <a:pPr lvl="1">
+              <a:lnSpc>
+                <a:spcPct val="90000"/>
+              </a:lnSpc>
+            </a:pPr>
+            <a:r>
+              <a:rPr lang="en-US" dirty="0">
+                <a:solidFill>
+                  <a:srgbClr val="0000FF"/>
+                </a:solidFill>
+              </a:rPr>
+              <a:t>Process Control Blocks (PCBs)</a:t>
+            </a:r>
+          </a:p>
+          <a:p>
+            <a:pPr>
+              <a:lnSpc>
+                <a:spcPct val="90000"/>
+              </a:lnSpc>
+            </a:pPr>
+            <a:r>
+              <a:rPr lang="en-US" dirty="0"/>
+              <a:t>How is work scheduled in the CPU?</a:t>
+            </a:r>
+          </a:p>
+          <a:p>
+            <a:pPr lvl="1">
+              <a:lnSpc>
+                <a:spcPct val="90000"/>
+              </a:lnSpc>
+            </a:pPr>
+            <a:r>
+              <a:rPr lang="en-US" dirty="0">
+                <a:solidFill>
+                  <a:srgbClr val="0000FF"/>
+                </a:solidFill>
+              </a:rPr>
+              <a:t>Process states, process queues, context switches</a:t>
+            </a:r>
+          </a:p>
+          <a:p>
+            <a:pPr>
+              <a:lnSpc>
+                <a:spcPct val="90000"/>
+              </a:lnSpc>
+            </a:pPr>
+            <a:r>
+              <a:rPr lang="en-US" dirty="0"/>
+              <a:t>What are the possible execution states of a process?</a:t>
+            </a:r>
+          </a:p>
+          <a:p>
+            <a:pPr lvl="1">
+              <a:lnSpc>
+                <a:spcPct val="90000"/>
+              </a:lnSpc>
+            </a:pPr>
+            <a:r>
+              <a:rPr lang="en-US" dirty="0">
+                <a:solidFill>
+                  <a:srgbClr val="0000FF"/>
+                </a:solidFill>
+              </a:rPr>
+              <a:t>Running, ready, waiting</a:t>
+            </a:r>
+          </a:p>
+          <a:p>
+            <a:pPr>
+              <a:lnSpc>
+                <a:spcPct val="90000"/>
+              </a:lnSpc>
+            </a:pPr>
+            <a:r>
+              <a:rPr lang="en-US" dirty="0"/>
+              <a:t>How does a process move from one state to another?</a:t>
+            </a:r>
+          </a:p>
+          <a:p>
+            <a:pPr lvl="1">
+              <a:lnSpc>
+                <a:spcPct val="90000"/>
+              </a:lnSpc>
+            </a:pPr>
+            <a:r>
+              <a:rPr lang="en-US" dirty="0">
+                <a:solidFill>
+                  <a:srgbClr val="0000FF"/>
+                </a:solidFill>
+              </a:rPr>
+              <a:t>Scheduling, I/O, creation, termination</a:t>
+            </a:r>
+          </a:p>
+          <a:p>
+            <a:pPr>
+              <a:lnSpc>
+                <a:spcPct val="90000"/>
+              </a:lnSpc>
+            </a:pPr>
+            <a:r>
+              <a:rPr lang="en-US" dirty="0"/>
+              <a:t>How are processes created?</a:t>
+            </a:r>
+          </a:p>
+          <a:p>
+            <a:pPr lvl="1">
+              <a:lnSpc>
+                <a:spcPct val="90000"/>
+              </a:lnSpc>
+            </a:pPr>
+            <a:r>
+              <a:rPr lang="en-US" dirty="0">
+                <a:solidFill>
+                  <a:srgbClr val="0000FF"/>
+                </a:solidFill>
+              </a:rPr>
+              <a:t>CreateProcess (Windows), fork/exec (Unix)</a:t>
+            </a:r>
+          </a:p>
+        </p:txBody>
+      </p:sp>
+    </p:spTree>
+  </p:cSld>
+  <p:clrMapOvr>
+    <a:masterClrMapping/>
+  </p:clrMapOvr>
+</p:sld>
+</file>
+
+<file path=ppt/slides/slide47.xml><?xml version="1.0" encoding="utf-8"?>
+<p:sld xmlns:a="http://schemas.openxmlformats.org/drawingml/2006/main" xmlns:r="http://schemas.openxmlformats.org/officeDocument/2006/relationships" xmlns:p="http://schemas.openxmlformats.org/presentationml/2006/main">
+  <p:cSld>
+    <p:spTree>
+      <p:nvGrpSpPr>
+        <p:cNvPr id="1" name=""/>
+        <p:cNvGrpSpPr/>
+        <p:nvPr/>
+      </p:nvGrpSpPr>
+      <p:grpSpPr>
+        <a:xfrm>
+          <a:off x="0" y="0"/>
+          <a:ext cx="0" cy="0"/>
+          <a:chOff x="0" y="0"/>
+          <a:chExt cx="0" cy="0"/>
+        </a:xfrm>
+      </p:grpSpPr>
+      <p:sp>
+        <p:nvSpPr>
           <p:cNvPr id="26" name="Rectangle 10"/>
           <p:cNvSpPr>
             <a:spLocks noChangeArrowheads="1"/>
@@ -25985,7 +27312,7 @@
             <a:fld id="{5BCC3F0E-9362-6D47-9781-DB401EE9B6B9}" type="slidenum">
               <a:rPr lang="en-US" smtClean="0"/>
               <a:pPr/>
-              <a:t>46</a:t>
+              <a:t>47</a:t>
             </a:fld>
             <a:endParaRPr lang="en-US"/>
           </a:p>
@@ -27000,7 +28327,7 @@
 </p:sld>
 </file>
 
-<file path=ppt/slides/slide47.xml><?xml version="1.0" encoding="utf-8"?>
+<file path=ppt/slides/slide48.xml><?xml version="1.0" encoding="utf-8"?>
 <p:sld xmlns:a="http://schemas.openxmlformats.org/drawingml/2006/main" xmlns:r="http://schemas.openxmlformats.org/officeDocument/2006/relationships" xmlns:p="http://schemas.openxmlformats.org/presentationml/2006/main">
   <p:cSld>
     <p:spTree>
@@ -27163,7 +28490,7 @@
             <a:fld id="{5BCC3F0E-9362-6D47-9781-DB401EE9B6B9}" type="slidenum">
               <a:rPr lang="en-US" smtClean="0"/>
               <a:pPr/>
-              <a:t>47</a:t>
+              <a:t>48</a:t>
             </a:fld>
             <a:endParaRPr lang="en-US"/>
           </a:p>
